--- a/presentation 1.pptx
+++ b/presentation 1.pptx
@@ -3,19 +3,22 @@
 <p:presentation xmlns:a="http://schemas.openxmlformats.org/drawingml/2006/main" xmlns:p="http://schemas.openxmlformats.org/presentationml/2006/main" xmlns:r="http://schemas.openxmlformats.org/officeDocument/2006/relationships" xmlns:p14="http://schemas.microsoft.com/office/powerpoint/2010/main" xmlns:p15="http://schemas.microsoft.com/office/powerpoint/2012/main" xmlns:mc="http://schemas.openxmlformats.org/markup-compatibility/2006">
   <p:sldMasterIdLst>
     <p:sldMasterId id="2147483648" r:id="rId2"/>
+    <p:sldMasterId id="2147483661" r:id="rId3"/>
   </p:sldMasterIdLst>
   <p:sldIdLst>
-    <p:sldId id="256" r:id="rId3"/>
-    <p:sldId id="257" r:id="rId4"/>
-    <p:sldId id="258" r:id="rId5"/>
-    <p:sldId id="259" r:id="rId6"/>
-    <p:sldId id="260" r:id="rId7"/>
-    <p:sldId id="261" r:id="rId8"/>
-    <p:sldId id="262" r:id="rId9"/>
-    <p:sldId id="263" r:id="rId10"/>
-    <p:sldId id="264" r:id="rId11"/>
-    <p:sldId id="265" r:id="rId12"/>
-    <p:sldId id="266" r:id="rId13"/>
+    <p:sldId id="256" r:id="rId4"/>
+    <p:sldId id="257" r:id="rId5"/>
+    <p:sldId id="258" r:id="rId6"/>
+    <p:sldId id="259" r:id="rId7"/>
+    <p:sldId id="260" r:id="rId8"/>
+    <p:sldId id="261" r:id="rId9"/>
+    <p:sldId id="262" r:id="rId10"/>
+    <p:sldId id="263" r:id="rId11"/>
+    <p:sldId id="264" r:id="rId12"/>
+    <p:sldId id="265" r:id="rId13"/>
+    <p:sldId id="266" r:id="rId14"/>
+    <p:sldId id="267" r:id="rId15"/>
+    <p:sldId id="268" r:id="rId16"/>
   </p:sldIdLst>
   <p:sldSz cx="10080625" cy="5670550"/>
   <p:notesSz cx="7559675" cy="10691812"/>
@@ -63,7 +66,7 @@
       </p:grpSpPr>
       <p:sp>
         <p:nvSpPr>
-          <p:cNvPr id="27" name="PlaceHolder 1"/>
+          <p:cNvPr id="24" name="PlaceHolder 1"/>
           <p:cNvSpPr>
             <a:spLocks noGrp="1"/>
           </p:cNvSpPr>
@@ -74,7 +77,7 @@
         <p:spPr>
           <a:xfrm>
             <a:off x="504000" y="216000"/>
-            <a:ext cx="7020000" cy="936000"/>
+            <a:ext cx="7019640" cy="935640"/>
           </a:xfrm>
           <a:prstGeom prst="rect">
             <a:avLst/>
@@ -83,23 +86,24 @@
         <p:txBody>
           <a:bodyPr lIns="0" rIns="0" tIns="0" bIns="0" anchor="ctr"/>
           <a:p>
-            <a:endParaRPr b="0" lang="de-DE" sz="3570" spc="-1" strike="noStrike">
-              <a:solidFill>
-                <a:srgbClr val="ffffff"/>
-              </a:solidFill>
-              <a:uFill>
-                <a:solidFill>
-                  <a:srgbClr val="ffffff"/>
-                </a:solidFill>
-              </a:uFill>
-              <a:latin typeface="Arial"/>
-            </a:endParaRPr>
-          </a:p>
-        </p:txBody>
-      </p:sp>
-      <p:sp>
-        <p:nvSpPr>
-          <p:cNvPr id="28" name="PlaceHolder 2"/>
+            <a:pPr algn="ctr"/>
+            <a:endParaRPr b="0" lang="en-ZA" sz="4400" spc="-1" strike="noStrike">
+              <a:solidFill>
+                <a:srgbClr val="000000"/>
+              </a:solidFill>
+              <a:uFill>
+                <a:solidFill>
+                  <a:srgbClr val="ffffff"/>
+                </a:solidFill>
+              </a:uFill>
+              <a:latin typeface="Arial"/>
+            </a:endParaRPr>
+          </a:p>
+        </p:txBody>
+      </p:sp>
+      <p:sp>
+        <p:nvSpPr>
+          <p:cNvPr id="25" name="PlaceHolder 2"/>
           <p:cNvSpPr>
             <a:spLocks noGrp="1"/>
           </p:cNvSpPr>
@@ -110,7 +114,7 @@
         <p:spPr>
           <a:xfrm>
             <a:off x="504000" y="1368000"/>
-            <a:ext cx="9072000" cy="1568160"/>
+            <a:ext cx="9071640" cy="1568160"/>
           </a:xfrm>
           <a:prstGeom prst="rect">
             <a:avLst/>
@@ -119,23 +123,23 @@
         <p:txBody>
           <a:bodyPr lIns="0" rIns="0" tIns="0" bIns="0"/>
           <a:p>
-            <a:endParaRPr b="0" lang="de-DE" sz="2600" spc="-1" strike="noStrike">
-              <a:solidFill>
-                <a:srgbClr val="000000"/>
-              </a:solidFill>
-              <a:uFill>
-                <a:solidFill>
-                  <a:srgbClr val="ffffff"/>
-                </a:solidFill>
-              </a:uFill>
-              <a:latin typeface="Arial"/>
-            </a:endParaRPr>
-          </a:p>
-        </p:txBody>
-      </p:sp>
-      <p:sp>
-        <p:nvSpPr>
-          <p:cNvPr id="29" name="PlaceHolder 3"/>
+            <a:endParaRPr b="0" lang="en-ZA" sz="3200" spc="-1" strike="noStrike">
+              <a:solidFill>
+                <a:srgbClr val="000000"/>
+              </a:solidFill>
+              <a:uFill>
+                <a:solidFill>
+                  <a:srgbClr val="ffffff"/>
+                </a:solidFill>
+              </a:uFill>
+              <a:latin typeface="Arial"/>
+            </a:endParaRPr>
+          </a:p>
+        </p:txBody>
+      </p:sp>
+      <p:sp>
+        <p:nvSpPr>
+          <p:cNvPr id="26" name="PlaceHolder 3"/>
           <p:cNvSpPr>
             <a:spLocks noGrp="1"/>
           </p:cNvSpPr>
@@ -146,7 +150,7 @@
         <p:spPr>
           <a:xfrm>
             <a:off x="504000" y="3085560"/>
-            <a:ext cx="9072000" cy="1568160"/>
+            <a:ext cx="9071640" cy="1568160"/>
           </a:xfrm>
           <a:prstGeom prst="rect">
             <a:avLst/>
@@ -155,7 +159,7 @@
         <p:txBody>
           <a:bodyPr lIns="0" rIns="0" tIns="0" bIns="0"/>
           <a:p>
-            <a:endParaRPr b="0" lang="de-DE" sz="2600" spc="-1" strike="noStrike">
+            <a:endParaRPr b="0" lang="en-ZA" sz="3200" spc="-1" strike="noStrike">
               <a:solidFill>
                 <a:srgbClr val="000000"/>
               </a:solidFill>
@@ -193,7 +197,7 @@
       </p:grpSpPr>
       <p:sp>
         <p:nvSpPr>
-          <p:cNvPr id="30" name="PlaceHolder 1"/>
+          <p:cNvPr id="27" name="PlaceHolder 1"/>
           <p:cNvSpPr>
             <a:spLocks noGrp="1"/>
           </p:cNvSpPr>
@@ -204,7 +208,7 @@
         <p:spPr>
           <a:xfrm>
             <a:off x="504000" y="216000"/>
-            <a:ext cx="7020000" cy="936000"/>
+            <a:ext cx="7019640" cy="935640"/>
           </a:xfrm>
           <a:prstGeom prst="rect">
             <a:avLst/>
@@ -213,23 +217,24 @@
         <p:txBody>
           <a:bodyPr lIns="0" rIns="0" tIns="0" bIns="0" anchor="ctr"/>
           <a:p>
-            <a:endParaRPr b="0" lang="de-DE" sz="3570" spc="-1" strike="noStrike">
-              <a:solidFill>
-                <a:srgbClr val="ffffff"/>
-              </a:solidFill>
-              <a:uFill>
-                <a:solidFill>
-                  <a:srgbClr val="ffffff"/>
-                </a:solidFill>
-              </a:uFill>
-              <a:latin typeface="Arial"/>
-            </a:endParaRPr>
-          </a:p>
-        </p:txBody>
-      </p:sp>
-      <p:sp>
-        <p:nvSpPr>
-          <p:cNvPr id="31" name="PlaceHolder 2"/>
+            <a:pPr algn="ctr"/>
+            <a:endParaRPr b="0" lang="en-ZA" sz="4400" spc="-1" strike="noStrike">
+              <a:solidFill>
+                <a:srgbClr val="000000"/>
+              </a:solidFill>
+              <a:uFill>
+                <a:solidFill>
+                  <a:srgbClr val="ffffff"/>
+                </a:solidFill>
+              </a:uFill>
+              <a:latin typeface="Arial"/>
+            </a:endParaRPr>
+          </a:p>
+        </p:txBody>
+      </p:sp>
+      <p:sp>
+        <p:nvSpPr>
+          <p:cNvPr id="28" name="PlaceHolder 2"/>
           <p:cNvSpPr>
             <a:spLocks noGrp="1"/>
           </p:cNvSpPr>
@@ -249,23 +254,23 @@
         <p:txBody>
           <a:bodyPr lIns="0" rIns="0" tIns="0" bIns="0"/>
           <a:p>
-            <a:endParaRPr b="0" lang="de-DE" sz="2600" spc="-1" strike="noStrike">
-              <a:solidFill>
-                <a:srgbClr val="000000"/>
-              </a:solidFill>
-              <a:uFill>
-                <a:solidFill>
-                  <a:srgbClr val="ffffff"/>
-                </a:solidFill>
-              </a:uFill>
-              <a:latin typeface="Arial"/>
-            </a:endParaRPr>
-          </a:p>
-        </p:txBody>
-      </p:sp>
-      <p:sp>
-        <p:nvSpPr>
-          <p:cNvPr id="32" name="PlaceHolder 3"/>
+            <a:endParaRPr b="0" lang="en-ZA" sz="3200" spc="-1" strike="noStrike">
+              <a:solidFill>
+                <a:srgbClr val="000000"/>
+              </a:solidFill>
+              <a:uFill>
+                <a:solidFill>
+                  <a:srgbClr val="ffffff"/>
+                </a:solidFill>
+              </a:uFill>
+              <a:latin typeface="Arial"/>
+            </a:endParaRPr>
+          </a:p>
+        </p:txBody>
+      </p:sp>
+      <p:sp>
+        <p:nvSpPr>
+          <p:cNvPr id="29" name="PlaceHolder 3"/>
           <p:cNvSpPr>
             <a:spLocks noGrp="1"/>
           </p:cNvSpPr>
@@ -285,23 +290,23 @@
         <p:txBody>
           <a:bodyPr lIns="0" rIns="0" tIns="0" bIns="0"/>
           <a:p>
-            <a:endParaRPr b="0" lang="de-DE" sz="2600" spc="-1" strike="noStrike">
-              <a:solidFill>
-                <a:srgbClr val="000000"/>
-              </a:solidFill>
-              <a:uFill>
-                <a:solidFill>
-                  <a:srgbClr val="ffffff"/>
-                </a:solidFill>
-              </a:uFill>
-              <a:latin typeface="Arial"/>
-            </a:endParaRPr>
-          </a:p>
-        </p:txBody>
-      </p:sp>
-      <p:sp>
-        <p:nvSpPr>
-          <p:cNvPr id="33" name="PlaceHolder 4"/>
+            <a:endParaRPr b="0" lang="en-ZA" sz="3200" spc="-1" strike="noStrike">
+              <a:solidFill>
+                <a:srgbClr val="000000"/>
+              </a:solidFill>
+              <a:uFill>
+                <a:solidFill>
+                  <a:srgbClr val="ffffff"/>
+                </a:solidFill>
+              </a:uFill>
+              <a:latin typeface="Arial"/>
+            </a:endParaRPr>
+          </a:p>
+        </p:txBody>
+      </p:sp>
+      <p:sp>
+        <p:nvSpPr>
+          <p:cNvPr id="30" name="PlaceHolder 4"/>
           <p:cNvSpPr>
             <a:spLocks noGrp="1"/>
           </p:cNvSpPr>
@@ -321,23 +326,23 @@
         <p:txBody>
           <a:bodyPr lIns="0" rIns="0" tIns="0" bIns="0"/>
           <a:p>
-            <a:endParaRPr b="0" lang="de-DE" sz="2600" spc="-1" strike="noStrike">
-              <a:solidFill>
-                <a:srgbClr val="000000"/>
-              </a:solidFill>
-              <a:uFill>
-                <a:solidFill>
-                  <a:srgbClr val="ffffff"/>
-                </a:solidFill>
-              </a:uFill>
-              <a:latin typeface="Arial"/>
-            </a:endParaRPr>
-          </a:p>
-        </p:txBody>
-      </p:sp>
-      <p:sp>
-        <p:nvSpPr>
-          <p:cNvPr id="34" name="PlaceHolder 5"/>
+            <a:endParaRPr b="0" lang="en-ZA" sz="3200" spc="-1" strike="noStrike">
+              <a:solidFill>
+                <a:srgbClr val="000000"/>
+              </a:solidFill>
+              <a:uFill>
+                <a:solidFill>
+                  <a:srgbClr val="ffffff"/>
+                </a:solidFill>
+              </a:uFill>
+              <a:latin typeface="Arial"/>
+            </a:endParaRPr>
+          </a:p>
+        </p:txBody>
+      </p:sp>
+      <p:sp>
+        <p:nvSpPr>
+          <p:cNvPr id="31" name="PlaceHolder 5"/>
           <p:cNvSpPr>
             <a:spLocks noGrp="1"/>
           </p:cNvSpPr>
@@ -357,7 +362,7 @@
         <p:txBody>
           <a:bodyPr lIns="0" rIns="0" tIns="0" bIns="0"/>
           <a:p>
-            <a:endParaRPr b="0" lang="de-DE" sz="2600" spc="-1" strike="noStrike">
+            <a:endParaRPr b="0" lang="en-ZA" sz="3200" spc="-1" strike="noStrike">
               <a:solidFill>
                 <a:srgbClr val="000000"/>
               </a:solidFill>
@@ -395,7 +400,7 @@
       </p:grpSpPr>
       <p:sp>
         <p:nvSpPr>
-          <p:cNvPr id="35" name="PlaceHolder 1"/>
+          <p:cNvPr id="32" name="PlaceHolder 1"/>
           <p:cNvSpPr>
             <a:spLocks noGrp="1"/>
           </p:cNvSpPr>
@@ -406,7 +411,7 @@
         <p:spPr>
           <a:xfrm>
             <a:off x="504000" y="216000"/>
-            <a:ext cx="7020000" cy="936000"/>
+            <a:ext cx="7019640" cy="935640"/>
           </a:xfrm>
           <a:prstGeom prst="rect">
             <a:avLst/>
@@ -415,23 +420,24 @@
         <p:txBody>
           <a:bodyPr lIns="0" rIns="0" tIns="0" bIns="0" anchor="ctr"/>
           <a:p>
-            <a:endParaRPr b="0" lang="de-DE" sz="3570" spc="-1" strike="noStrike">
-              <a:solidFill>
-                <a:srgbClr val="ffffff"/>
-              </a:solidFill>
-              <a:uFill>
-                <a:solidFill>
-                  <a:srgbClr val="ffffff"/>
-                </a:solidFill>
-              </a:uFill>
-              <a:latin typeface="Arial"/>
-            </a:endParaRPr>
-          </a:p>
-        </p:txBody>
-      </p:sp>
-      <p:sp>
-        <p:nvSpPr>
-          <p:cNvPr id="36" name="PlaceHolder 2"/>
+            <a:pPr algn="ctr"/>
+            <a:endParaRPr b="0" lang="en-ZA" sz="4400" spc="-1" strike="noStrike">
+              <a:solidFill>
+                <a:srgbClr val="000000"/>
+              </a:solidFill>
+              <a:uFill>
+                <a:solidFill>
+                  <a:srgbClr val="ffffff"/>
+                </a:solidFill>
+              </a:uFill>
+              <a:latin typeface="Arial"/>
+            </a:endParaRPr>
+          </a:p>
+        </p:txBody>
+      </p:sp>
+      <p:sp>
+        <p:nvSpPr>
+          <p:cNvPr id="33" name="PlaceHolder 2"/>
           <p:cNvSpPr>
             <a:spLocks noGrp="1"/>
           </p:cNvSpPr>
@@ -442,7 +448,7 @@
         <p:spPr>
           <a:xfrm>
             <a:off x="504000" y="1368000"/>
-            <a:ext cx="2921040" cy="1568160"/>
+            <a:ext cx="9071640" cy="3287880"/>
           </a:xfrm>
           <a:prstGeom prst="rect">
             <a:avLst/>
@@ -451,23 +457,23 @@
         <p:txBody>
           <a:bodyPr lIns="0" rIns="0" tIns="0" bIns="0"/>
           <a:p>
-            <a:endParaRPr b="0" lang="de-DE" sz="2600" spc="-1" strike="noStrike">
-              <a:solidFill>
-                <a:srgbClr val="000000"/>
-              </a:solidFill>
-              <a:uFill>
-                <a:solidFill>
-                  <a:srgbClr val="ffffff"/>
-                </a:solidFill>
-              </a:uFill>
-              <a:latin typeface="Arial"/>
-            </a:endParaRPr>
-          </a:p>
-        </p:txBody>
-      </p:sp>
-      <p:sp>
-        <p:nvSpPr>
-          <p:cNvPr id="37" name="PlaceHolder 3"/>
+            <a:endParaRPr b="0" lang="en-ZA" sz="3200" spc="-1" strike="noStrike">
+              <a:solidFill>
+                <a:srgbClr val="000000"/>
+              </a:solidFill>
+              <a:uFill>
+                <a:solidFill>
+                  <a:srgbClr val="ffffff"/>
+                </a:solidFill>
+              </a:uFill>
+              <a:latin typeface="Arial"/>
+            </a:endParaRPr>
+          </a:p>
+        </p:txBody>
+      </p:sp>
+      <p:sp>
+        <p:nvSpPr>
+          <p:cNvPr id="34" name="PlaceHolder 3"/>
           <p:cNvSpPr>
             <a:spLocks noGrp="1"/>
           </p:cNvSpPr>
@@ -477,8 +483,8 @@
         </p:nvSpPr>
         <p:spPr>
           <a:xfrm>
-            <a:off x="3571560" y="1368000"/>
-            <a:ext cx="2921040" cy="1568160"/>
+            <a:off x="504000" y="1368000"/>
+            <a:ext cx="9071640" cy="3287880"/>
           </a:xfrm>
           <a:prstGeom prst="rect">
             <a:avLst/>
@@ -487,23 +493,246 @@
         <p:txBody>
           <a:bodyPr lIns="0" rIns="0" tIns="0" bIns="0"/>
           <a:p>
-            <a:endParaRPr b="0" lang="de-DE" sz="2600" spc="-1" strike="noStrike">
-              <a:solidFill>
-                <a:srgbClr val="000000"/>
-              </a:solidFill>
-              <a:uFill>
-                <a:solidFill>
-                  <a:srgbClr val="ffffff"/>
-                </a:solidFill>
-              </a:uFill>
-              <a:latin typeface="Arial"/>
-            </a:endParaRPr>
-          </a:p>
-        </p:txBody>
-      </p:sp>
-      <p:sp>
-        <p:nvSpPr>
-          <p:cNvPr id="38" name="PlaceHolder 4"/>
+            <a:endParaRPr b="0" lang="en-ZA" sz="3200" spc="-1" strike="noStrike">
+              <a:solidFill>
+                <a:srgbClr val="000000"/>
+              </a:solidFill>
+              <a:uFill>
+                <a:solidFill>
+                  <a:srgbClr val="ffffff"/>
+                </a:solidFill>
+              </a:uFill>
+              <a:latin typeface="Arial"/>
+            </a:endParaRPr>
+          </a:p>
+        </p:txBody>
+      </p:sp>
+      <p:pic>
+        <p:nvPicPr>
+          <p:cNvPr id="35" name="" descr=""/>
+          <p:cNvPicPr/>
+          <p:nvPr/>
+        </p:nvPicPr>
+        <p:blipFill>
+          <a:blip r:embed="rId2"/>
+          <a:stretch/>
+        </p:blipFill>
+        <p:spPr>
+          <a:xfrm>
+            <a:off x="2979360" y="1367640"/>
+            <a:ext cx="4120560" cy="3287880"/>
+          </a:xfrm>
+          <a:prstGeom prst="rect">
+            <a:avLst/>
+          </a:prstGeom>
+          <a:ln>
+            <a:noFill/>
+          </a:ln>
+        </p:spPr>
+      </p:pic>
+      <p:pic>
+        <p:nvPicPr>
+          <p:cNvPr id="36" name="" descr=""/>
+          <p:cNvPicPr/>
+          <p:nvPr/>
+        </p:nvPicPr>
+        <p:blipFill>
+          <a:blip r:embed="rId3"/>
+          <a:stretch/>
+        </p:blipFill>
+        <p:spPr>
+          <a:xfrm>
+            <a:off x="2979360" y="1367640"/>
+            <a:ext cx="4120560" cy="3287880"/>
+          </a:xfrm>
+          <a:prstGeom prst="rect">
+            <a:avLst/>
+          </a:prstGeom>
+          <a:ln>
+            <a:noFill/>
+          </a:ln>
+        </p:spPr>
+      </p:pic>
+    </p:spTree>
+  </p:cSld>
+</p:sldLayout>
+</file>
+
+<file path=ppt/slideLayouts/slideLayout13.xml><?xml version="1.0" encoding="utf-8"?>
+<p:sldLayout xmlns:a="http://schemas.openxmlformats.org/drawingml/2006/main" xmlns:p="http://schemas.openxmlformats.org/presentationml/2006/main" xmlns:r="http://schemas.openxmlformats.org/officeDocument/2006/relationships" xmlns:p14="http://schemas.microsoft.com/office/powerpoint/2010/main" xmlns:p15="http://schemas.microsoft.com/office/powerpoint/2012/main" xmlns:mc="http://schemas.openxmlformats.org/markup-compatibility/2006" type="blank" preserve="1">
+  <p:cSld name="Blank Slide">
+    <p:spTree>
+      <p:nvGrpSpPr>
+        <p:cNvPr id="1" name=""/>
+        <p:cNvGrpSpPr/>
+        <p:nvPr/>
+      </p:nvGrpSpPr>
+      <p:grpSpPr>
+        <a:xfrm>
+          <a:off x="0" y="0"/>
+          <a:ext cx="0" cy="0"/>
+          <a:chOff x="0" y="0"/>
+          <a:chExt cx="0" cy="0"/>
+        </a:xfrm>
+      </p:grpSpPr>
+    </p:spTree>
+  </p:cSld>
+</p:sldLayout>
+</file>
+
+<file path=ppt/slideLayouts/slideLayout14.xml><?xml version="1.0" encoding="utf-8"?>
+<p:sldLayout xmlns:a="http://schemas.openxmlformats.org/drawingml/2006/main" xmlns:p="http://schemas.openxmlformats.org/presentationml/2006/main" xmlns:r="http://schemas.openxmlformats.org/officeDocument/2006/relationships" xmlns:p14="http://schemas.microsoft.com/office/powerpoint/2010/main" xmlns:p15="http://schemas.microsoft.com/office/powerpoint/2012/main" xmlns:mc="http://schemas.openxmlformats.org/markup-compatibility/2006" type="tx" preserve="1">
+  <p:cSld name="Title Slide">
+    <p:spTree>
+      <p:nvGrpSpPr>
+        <p:cNvPr id="1" name=""/>
+        <p:cNvGrpSpPr/>
+        <p:nvPr/>
+      </p:nvGrpSpPr>
+      <p:grpSpPr>
+        <a:xfrm>
+          <a:off x="0" y="0"/>
+          <a:ext cx="0" cy="0"/>
+          <a:chOff x="0" y="0"/>
+          <a:chExt cx="0" cy="0"/>
+        </a:xfrm>
+      </p:grpSpPr>
+      <p:sp>
+        <p:nvSpPr>
+          <p:cNvPr id="40" name="PlaceHolder 1"/>
+          <p:cNvSpPr>
+            <a:spLocks noGrp="1"/>
+          </p:cNvSpPr>
+          <p:nvPr>
+            <p:ph type="title"/>
+          </p:nvPr>
+        </p:nvSpPr>
+        <p:spPr>
+          <a:xfrm>
+            <a:off x="504000" y="216000"/>
+            <a:ext cx="7019640" cy="935640"/>
+          </a:xfrm>
+          <a:prstGeom prst="rect">
+            <a:avLst/>
+          </a:prstGeom>
+        </p:spPr>
+        <p:txBody>
+          <a:bodyPr lIns="0" rIns="0" tIns="0" bIns="0" anchor="ctr"/>
+          <a:p>
+            <a:pPr algn="ctr"/>
+            <a:endParaRPr b="0" lang="en-ZA" sz="4400" spc="-1" strike="noStrike">
+              <a:solidFill>
+                <a:srgbClr val="000000"/>
+              </a:solidFill>
+              <a:uFill>
+                <a:solidFill>
+                  <a:srgbClr val="ffffff"/>
+                </a:solidFill>
+              </a:uFill>
+              <a:latin typeface="Arial"/>
+            </a:endParaRPr>
+          </a:p>
+        </p:txBody>
+      </p:sp>
+      <p:sp>
+        <p:nvSpPr>
+          <p:cNvPr id="41" name="PlaceHolder 2"/>
+          <p:cNvSpPr>
+            <a:spLocks noGrp="1"/>
+          </p:cNvSpPr>
+          <p:nvPr>
+            <p:ph type="subTitle"/>
+          </p:nvPr>
+        </p:nvSpPr>
+        <p:spPr>
+          <a:xfrm>
+            <a:off x="504000" y="1368000"/>
+            <a:ext cx="9071640" cy="3287880"/>
+          </a:xfrm>
+          <a:prstGeom prst="rect">
+            <a:avLst/>
+          </a:prstGeom>
+        </p:spPr>
+        <p:txBody>
+          <a:bodyPr lIns="0" rIns="0" tIns="0" bIns="0" anchor="ctr"/>
+          <a:p>
+            <a:pPr algn="ctr"/>
+            <a:endParaRPr b="0" lang="en-ZA" sz="3200" spc="-1" strike="noStrike">
+              <a:solidFill>
+                <a:srgbClr val="000000"/>
+              </a:solidFill>
+              <a:uFill>
+                <a:solidFill>
+                  <a:srgbClr val="ffffff"/>
+                </a:solidFill>
+              </a:uFill>
+              <a:latin typeface="Arial"/>
+            </a:endParaRPr>
+          </a:p>
+        </p:txBody>
+      </p:sp>
+    </p:spTree>
+  </p:cSld>
+</p:sldLayout>
+</file>
+
+<file path=ppt/slideLayouts/slideLayout15.xml><?xml version="1.0" encoding="utf-8"?>
+<p:sldLayout xmlns:a="http://schemas.openxmlformats.org/drawingml/2006/main" xmlns:p="http://schemas.openxmlformats.org/presentationml/2006/main" xmlns:r="http://schemas.openxmlformats.org/officeDocument/2006/relationships" xmlns:p14="http://schemas.microsoft.com/office/powerpoint/2010/main" xmlns:p15="http://schemas.microsoft.com/office/powerpoint/2012/main" xmlns:mc="http://schemas.openxmlformats.org/markup-compatibility/2006" type="obj" preserve="1">
+  <p:cSld name="Title, Content">
+    <p:spTree>
+      <p:nvGrpSpPr>
+        <p:cNvPr id="1" name=""/>
+        <p:cNvGrpSpPr/>
+        <p:nvPr/>
+      </p:nvGrpSpPr>
+      <p:grpSpPr>
+        <a:xfrm>
+          <a:off x="0" y="0"/>
+          <a:ext cx="0" cy="0"/>
+          <a:chOff x="0" y="0"/>
+          <a:chExt cx="0" cy="0"/>
+        </a:xfrm>
+      </p:grpSpPr>
+      <p:sp>
+        <p:nvSpPr>
+          <p:cNvPr id="42" name="PlaceHolder 1"/>
+          <p:cNvSpPr>
+            <a:spLocks noGrp="1"/>
+          </p:cNvSpPr>
+          <p:nvPr>
+            <p:ph type="title"/>
+          </p:nvPr>
+        </p:nvSpPr>
+        <p:spPr>
+          <a:xfrm>
+            <a:off x="504000" y="216000"/>
+            <a:ext cx="7019640" cy="935640"/>
+          </a:xfrm>
+          <a:prstGeom prst="rect">
+            <a:avLst/>
+          </a:prstGeom>
+        </p:spPr>
+        <p:txBody>
+          <a:bodyPr lIns="0" rIns="0" tIns="0" bIns="0" anchor="ctr"/>
+          <a:p>
+            <a:pPr algn="ctr"/>
+            <a:endParaRPr b="0" lang="en-ZA" sz="4400" spc="-1" strike="noStrike">
+              <a:solidFill>
+                <a:srgbClr val="000000"/>
+              </a:solidFill>
+              <a:uFill>
+                <a:solidFill>
+                  <a:srgbClr val="ffffff"/>
+                </a:solidFill>
+              </a:uFill>
+              <a:latin typeface="Arial"/>
+            </a:endParaRPr>
+          </a:p>
+        </p:txBody>
+      </p:sp>
+      <p:sp>
+        <p:nvSpPr>
+          <p:cNvPr id="43" name="PlaceHolder 2"/>
           <p:cNvSpPr>
             <a:spLocks noGrp="1"/>
           </p:cNvSpPr>
@@ -513,8 +742,8 @@
         </p:nvSpPr>
         <p:spPr>
           <a:xfrm>
-            <a:off x="6639120" y="1368000"/>
-            <a:ext cx="2921040" cy="1568160"/>
+            <a:off x="504000" y="1368000"/>
+            <a:ext cx="9071640" cy="3287880"/>
           </a:xfrm>
           <a:prstGeom prst="rect">
             <a:avLst/>
@@ -523,23 +752,82 @@
         <p:txBody>
           <a:bodyPr lIns="0" rIns="0" tIns="0" bIns="0"/>
           <a:p>
-            <a:endParaRPr b="0" lang="de-DE" sz="2600" spc="-1" strike="noStrike">
-              <a:solidFill>
-                <a:srgbClr val="000000"/>
-              </a:solidFill>
-              <a:uFill>
-                <a:solidFill>
-                  <a:srgbClr val="ffffff"/>
-                </a:solidFill>
-              </a:uFill>
-              <a:latin typeface="Arial"/>
-            </a:endParaRPr>
-          </a:p>
-        </p:txBody>
-      </p:sp>
-      <p:sp>
-        <p:nvSpPr>
-          <p:cNvPr id="39" name="PlaceHolder 5"/>
+            <a:endParaRPr b="0" lang="en-ZA" sz="3200" spc="-1" strike="noStrike">
+              <a:solidFill>
+                <a:srgbClr val="000000"/>
+              </a:solidFill>
+              <a:uFill>
+                <a:solidFill>
+                  <a:srgbClr val="ffffff"/>
+                </a:solidFill>
+              </a:uFill>
+              <a:latin typeface="Arial"/>
+            </a:endParaRPr>
+          </a:p>
+        </p:txBody>
+      </p:sp>
+    </p:spTree>
+  </p:cSld>
+</p:sldLayout>
+</file>
+
+<file path=ppt/slideLayouts/slideLayout16.xml><?xml version="1.0" encoding="utf-8"?>
+<p:sldLayout xmlns:a="http://schemas.openxmlformats.org/drawingml/2006/main" xmlns:p="http://schemas.openxmlformats.org/presentationml/2006/main" xmlns:r="http://schemas.openxmlformats.org/officeDocument/2006/relationships" xmlns:p14="http://schemas.microsoft.com/office/powerpoint/2010/main" xmlns:p15="http://schemas.microsoft.com/office/powerpoint/2012/main" xmlns:mc="http://schemas.openxmlformats.org/markup-compatibility/2006" type="twoObj" preserve="1">
+  <p:cSld name="Title, 2 Content">
+    <p:spTree>
+      <p:nvGrpSpPr>
+        <p:cNvPr id="1" name=""/>
+        <p:cNvGrpSpPr/>
+        <p:nvPr/>
+      </p:nvGrpSpPr>
+      <p:grpSpPr>
+        <a:xfrm>
+          <a:off x="0" y="0"/>
+          <a:ext cx="0" cy="0"/>
+          <a:chOff x="0" y="0"/>
+          <a:chExt cx="0" cy="0"/>
+        </a:xfrm>
+      </p:grpSpPr>
+      <p:sp>
+        <p:nvSpPr>
+          <p:cNvPr id="44" name="PlaceHolder 1"/>
+          <p:cNvSpPr>
+            <a:spLocks noGrp="1"/>
+          </p:cNvSpPr>
+          <p:nvPr>
+            <p:ph type="title"/>
+          </p:nvPr>
+        </p:nvSpPr>
+        <p:spPr>
+          <a:xfrm>
+            <a:off x="504000" y="216000"/>
+            <a:ext cx="7019640" cy="935640"/>
+          </a:xfrm>
+          <a:prstGeom prst="rect">
+            <a:avLst/>
+          </a:prstGeom>
+        </p:spPr>
+        <p:txBody>
+          <a:bodyPr lIns="0" rIns="0" tIns="0" bIns="0" anchor="ctr"/>
+          <a:p>
+            <a:pPr algn="ctr"/>
+            <a:endParaRPr b="0" lang="en-ZA" sz="4400" spc="-1" strike="noStrike">
+              <a:solidFill>
+                <a:srgbClr val="000000"/>
+              </a:solidFill>
+              <a:uFill>
+                <a:solidFill>
+                  <a:srgbClr val="ffffff"/>
+                </a:solidFill>
+              </a:uFill>
+              <a:latin typeface="Arial"/>
+            </a:endParaRPr>
+          </a:p>
+        </p:txBody>
+      </p:sp>
+      <p:sp>
+        <p:nvSpPr>
+          <p:cNvPr id="45" name="PlaceHolder 2"/>
           <p:cNvSpPr>
             <a:spLocks noGrp="1"/>
           </p:cNvSpPr>
@@ -549,8 +837,8 @@
         </p:nvSpPr>
         <p:spPr>
           <a:xfrm>
-            <a:off x="6639120" y="3085560"/>
-            <a:ext cx="2921040" cy="1568160"/>
+            <a:off x="504000" y="1368000"/>
+            <a:ext cx="4426920" cy="3287880"/>
           </a:xfrm>
           <a:prstGeom prst="rect">
             <a:avLst/>
@@ -559,23 +847,23 @@
         <p:txBody>
           <a:bodyPr lIns="0" rIns="0" tIns="0" bIns="0"/>
           <a:p>
-            <a:endParaRPr b="0" lang="de-DE" sz="2600" spc="-1" strike="noStrike">
-              <a:solidFill>
-                <a:srgbClr val="000000"/>
-              </a:solidFill>
-              <a:uFill>
-                <a:solidFill>
-                  <a:srgbClr val="ffffff"/>
-                </a:solidFill>
-              </a:uFill>
-              <a:latin typeface="Arial"/>
-            </a:endParaRPr>
-          </a:p>
-        </p:txBody>
-      </p:sp>
-      <p:sp>
-        <p:nvSpPr>
-          <p:cNvPr id="40" name="PlaceHolder 6"/>
+            <a:endParaRPr b="0" lang="en-ZA" sz="3200" spc="-1" strike="noStrike">
+              <a:solidFill>
+                <a:srgbClr val="000000"/>
+              </a:solidFill>
+              <a:uFill>
+                <a:solidFill>
+                  <a:srgbClr val="ffffff"/>
+                </a:solidFill>
+              </a:uFill>
+              <a:latin typeface="Arial"/>
+            </a:endParaRPr>
+          </a:p>
+        </p:txBody>
+      </p:sp>
+      <p:sp>
+        <p:nvSpPr>
+          <p:cNvPr id="46" name="PlaceHolder 3"/>
           <p:cNvSpPr>
             <a:spLocks noGrp="1"/>
           </p:cNvSpPr>
@@ -585,8 +873,8 @@
         </p:nvSpPr>
         <p:spPr>
           <a:xfrm>
-            <a:off x="3571560" y="3085560"/>
-            <a:ext cx="2921040" cy="1568160"/>
+            <a:off x="5152680" y="1368000"/>
+            <a:ext cx="4426920" cy="3287880"/>
           </a:xfrm>
           <a:prstGeom prst="rect">
             <a:avLst/>
@@ -595,23 +883,200 @@
         <p:txBody>
           <a:bodyPr lIns="0" rIns="0" tIns="0" bIns="0"/>
           <a:p>
-            <a:endParaRPr b="0" lang="de-DE" sz="2600" spc="-1" strike="noStrike">
-              <a:solidFill>
-                <a:srgbClr val="000000"/>
-              </a:solidFill>
-              <a:uFill>
-                <a:solidFill>
-                  <a:srgbClr val="ffffff"/>
-                </a:solidFill>
-              </a:uFill>
-              <a:latin typeface="Arial"/>
-            </a:endParaRPr>
-          </a:p>
-        </p:txBody>
-      </p:sp>
-      <p:sp>
-        <p:nvSpPr>
-          <p:cNvPr id="41" name="PlaceHolder 7"/>
+            <a:endParaRPr b="0" lang="en-ZA" sz="3200" spc="-1" strike="noStrike">
+              <a:solidFill>
+                <a:srgbClr val="000000"/>
+              </a:solidFill>
+              <a:uFill>
+                <a:solidFill>
+                  <a:srgbClr val="ffffff"/>
+                </a:solidFill>
+              </a:uFill>
+              <a:latin typeface="Arial"/>
+            </a:endParaRPr>
+          </a:p>
+        </p:txBody>
+      </p:sp>
+    </p:spTree>
+  </p:cSld>
+</p:sldLayout>
+</file>
+
+<file path=ppt/slideLayouts/slideLayout17.xml><?xml version="1.0" encoding="utf-8"?>
+<p:sldLayout xmlns:a="http://schemas.openxmlformats.org/drawingml/2006/main" xmlns:p="http://schemas.openxmlformats.org/presentationml/2006/main" xmlns:r="http://schemas.openxmlformats.org/officeDocument/2006/relationships" xmlns:p14="http://schemas.microsoft.com/office/powerpoint/2010/main" xmlns:p15="http://schemas.microsoft.com/office/powerpoint/2012/main" xmlns:mc="http://schemas.openxmlformats.org/markup-compatibility/2006" type="titleOnly" preserve="1">
+  <p:cSld name="Title Only">
+    <p:spTree>
+      <p:nvGrpSpPr>
+        <p:cNvPr id="1" name=""/>
+        <p:cNvGrpSpPr/>
+        <p:nvPr/>
+      </p:nvGrpSpPr>
+      <p:grpSpPr>
+        <a:xfrm>
+          <a:off x="0" y="0"/>
+          <a:ext cx="0" cy="0"/>
+          <a:chOff x="0" y="0"/>
+          <a:chExt cx="0" cy="0"/>
+        </a:xfrm>
+      </p:grpSpPr>
+      <p:sp>
+        <p:nvSpPr>
+          <p:cNvPr id="47" name="PlaceHolder 1"/>
+          <p:cNvSpPr>
+            <a:spLocks noGrp="1"/>
+          </p:cNvSpPr>
+          <p:nvPr>
+            <p:ph type="title"/>
+          </p:nvPr>
+        </p:nvSpPr>
+        <p:spPr>
+          <a:xfrm>
+            <a:off x="504000" y="216000"/>
+            <a:ext cx="7019640" cy="935640"/>
+          </a:xfrm>
+          <a:prstGeom prst="rect">
+            <a:avLst/>
+          </a:prstGeom>
+        </p:spPr>
+        <p:txBody>
+          <a:bodyPr lIns="0" rIns="0" tIns="0" bIns="0" anchor="ctr"/>
+          <a:p>
+            <a:pPr algn="ctr"/>
+            <a:endParaRPr b="0" lang="en-ZA" sz="4400" spc="-1" strike="noStrike">
+              <a:solidFill>
+                <a:srgbClr val="000000"/>
+              </a:solidFill>
+              <a:uFill>
+                <a:solidFill>
+                  <a:srgbClr val="ffffff"/>
+                </a:solidFill>
+              </a:uFill>
+              <a:latin typeface="Arial"/>
+            </a:endParaRPr>
+          </a:p>
+        </p:txBody>
+      </p:sp>
+    </p:spTree>
+  </p:cSld>
+</p:sldLayout>
+</file>
+
+<file path=ppt/slideLayouts/slideLayout18.xml><?xml version="1.0" encoding="utf-8"?>
+<p:sldLayout xmlns:a="http://schemas.openxmlformats.org/drawingml/2006/main" xmlns:p="http://schemas.openxmlformats.org/presentationml/2006/main" xmlns:r="http://schemas.openxmlformats.org/officeDocument/2006/relationships" xmlns:p14="http://schemas.microsoft.com/office/powerpoint/2010/main" xmlns:p15="http://schemas.microsoft.com/office/powerpoint/2012/main" xmlns:mc="http://schemas.openxmlformats.org/markup-compatibility/2006" type="objOnly" preserve="1">
+  <p:cSld name="Centered Text">
+    <p:spTree>
+      <p:nvGrpSpPr>
+        <p:cNvPr id="1" name=""/>
+        <p:cNvGrpSpPr/>
+        <p:nvPr/>
+      </p:nvGrpSpPr>
+      <p:grpSpPr>
+        <a:xfrm>
+          <a:off x="0" y="0"/>
+          <a:ext cx="0" cy="0"/>
+          <a:chOff x="0" y="0"/>
+          <a:chExt cx="0" cy="0"/>
+        </a:xfrm>
+      </p:grpSpPr>
+      <p:sp>
+        <p:nvSpPr>
+          <p:cNvPr id="48" name="PlaceHolder 1"/>
+          <p:cNvSpPr>
+            <a:spLocks noGrp="1"/>
+          </p:cNvSpPr>
+          <p:nvPr>
+            <p:ph type="subTitle"/>
+          </p:nvPr>
+        </p:nvSpPr>
+        <p:spPr>
+          <a:xfrm>
+            <a:off x="504000" y="216000"/>
+            <a:ext cx="7019640" cy="4338360"/>
+          </a:xfrm>
+          <a:prstGeom prst="rect">
+            <a:avLst/>
+          </a:prstGeom>
+        </p:spPr>
+        <p:txBody>
+          <a:bodyPr lIns="0" rIns="0" tIns="0" bIns="0" anchor="ctr"/>
+          <a:p>
+            <a:pPr algn="ctr"/>
+            <a:endParaRPr b="0" lang="en-ZA" sz="3200" spc="-1" strike="noStrike">
+              <a:solidFill>
+                <a:srgbClr val="000000"/>
+              </a:solidFill>
+              <a:uFill>
+                <a:solidFill>
+                  <a:srgbClr val="ffffff"/>
+                </a:solidFill>
+              </a:uFill>
+              <a:latin typeface="Arial"/>
+            </a:endParaRPr>
+          </a:p>
+        </p:txBody>
+      </p:sp>
+    </p:spTree>
+  </p:cSld>
+</p:sldLayout>
+</file>
+
+<file path=ppt/slideLayouts/slideLayout19.xml><?xml version="1.0" encoding="utf-8"?>
+<p:sldLayout xmlns:a="http://schemas.openxmlformats.org/drawingml/2006/main" xmlns:p="http://schemas.openxmlformats.org/presentationml/2006/main" xmlns:r="http://schemas.openxmlformats.org/officeDocument/2006/relationships" xmlns:p14="http://schemas.microsoft.com/office/powerpoint/2010/main" xmlns:p15="http://schemas.microsoft.com/office/powerpoint/2012/main" xmlns:mc="http://schemas.openxmlformats.org/markup-compatibility/2006" type="twoObjAndObj" preserve="1">
+  <p:cSld name="Title, 2 Content and Content">
+    <p:spTree>
+      <p:nvGrpSpPr>
+        <p:cNvPr id="1" name=""/>
+        <p:cNvGrpSpPr/>
+        <p:nvPr/>
+      </p:nvGrpSpPr>
+      <p:grpSpPr>
+        <a:xfrm>
+          <a:off x="0" y="0"/>
+          <a:ext cx="0" cy="0"/>
+          <a:chOff x="0" y="0"/>
+          <a:chExt cx="0" cy="0"/>
+        </a:xfrm>
+      </p:grpSpPr>
+      <p:sp>
+        <p:nvSpPr>
+          <p:cNvPr id="49" name="PlaceHolder 1"/>
+          <p:cNvSpPr>
+            <a:spLocks noGrp="1"/>
+          </p:cNvSpPr>
+          <p:nvPr>
+            <p:ph type="title"/>
+          </p:nvPr>
+        </p:nvSpPr>
+        <p:spPr>
+          <a:xfrm>
+            <a:off x="504000" y="216000"/>
+            <a:ext cx="7019640" cy="935640"/>
+          </a:xfrm>
+          <a:prstGeom prst="rect">
+            <a:avLst/>
+          </a:prstGeom>
+        </p:spPr>
+        <p:txBody>
+          <a:bodyPr lIns="0" rIns="0" tIns="0" bIns="0" anchor="ctr"/>
+          <a:p>
+            <a:pPr algn="ctr"/>
+            <a:endParaRPr b="0" lang="en-ZA" sz="4400" spc="-1" strike="noStrike">
+              <a:solidFill>
+                <a:srgbClr val="000000"/>
+              </a:solidFill>
+              <a:uFill>
+                <a:solidFill>
+                  <a:srgbClr val="ffffff"/>
+                </a:solidFill>
+              </a:uFill>
+              <a:latin typeface="Arial"/>
+            </a:endParaRPr>
+          </a:p>
+        </p:txBody>
+      </p:sp>
+      <p:sp>
+        <p:nvSpPr>
+          <p:cNvPr id="50" name="PlaceHolder 2"/>
           <p:cNvSpPr>
             <a:spLocks noGrp="1"/>
           </p:cNvSpPr>
@@ -621,8 +1086,44 @@
         </p:nvSpPr>
         <p:spPr>
           <a:xfrm>
+            <a:off x="504000" y="1368000"/>
+            <a:ext cx="4426920" cy="1568160"/>
+          </a:xfrm>
+          <a:prstGeom prst="rect">
+            <a:avLst/>
+          </a:prstGeom>
+        </p:spPr>
+        <p:txBody>
+          <a:bodyPr lIns="0" rIns="0" tIns="0" bIns="0"/>
+          <a:p>
+            <a:endParaRPr b="0" lang="en-ZA" sz="3200" spc="-1" strike="noStrike">
+              <a:solidFill>
+                <a:srgbClr val="000000"/>
+              </a:solidFill>
+              <a:uFill>
+                <a:solidFill>
+                  <a:srgbClr val="ffffff"/>
+                </a:solidFill>
+              </a:uFill>
+              <a:latin typeface="Arial"/>
+            </a:endParaRPr>
+          </a:p>
+        </p:txBody>
+      </p:sp>
+      <p:sp>
+        <p:nvSpPr>
+          <p:cNvPr id="51" name="PlaceHolder 3"/>
+          <p:cNvSpPr>
+            <a:spLocks noGrp="1"/>
+          </p:cNvSpPr>
+          <p:nvPr>
+            <p:ph type="body"/>
+          </p:nvPr>
+        </p:nvSpPr>
+        <p:spPr>
+          <a:xfrm>
             <a:off x="504000" y="3085560"/>
-            <a:ext cx="2921040" cy="1568160"/>
+            <a:ext cx="4426920" cy="1568160"/>
           </a:xfrm>
           <a:prstGeom prst="rect">
             <a:avLst/>
@@ -631,7 +1132,43 @@
         <p:txBody>
           <a:bodyPr lIns="0" rIns="0" tIns="0" bIns="0"/>
           <a:p>
-            <a:endParaRPr b="0" lang="de-DE" sz="2600" spc="-1" strike="noStrike">
+            <a:endParaRPr b="0" lang="en-ZA" sz="3200" spc="-1" strike="noStrike">
+              <a:solidFill>
+                <a:srgbClr val="000000"/>
+              </a:solidFill>
+              <a:uFill>
+                <a:solidFill>
+                  <a:srgbClr val="ffffff"/>
+                </a:solidFill>
+              </a:uFill>
+              <a:latin typeface="Arial"/>
+            </a:endParaRPr>
+          </a:p>
+        </p:txBody>
+      </p:sp>
+      <p:sp>
+        <p:nvSpPr>
+          <p:cNvPr id="52" name="PlaceHolder 4"/>
+          <p:cNvSpPr>
+            <a:spLocks noGrp="1"/>
+          </p:cNvSpPr>
+          <p:nvPr>
+            <p:ph type="body"/>
+          </p:nvPr>
+        </p:nvSpPr>
+        <p:spPr>
+          <a:xfrm>
+            <a:off x="5152680" y="1368000"/>
+            <a:ext cx="4426920" cy="3287880"/>
+          </a:xfrm>
+          <a:prstGeom prst="rect">
+            <a:avLst/>
+          </a:prstGeom>
+        </p:spPr>
+        <p:txBody>
+          <a:bodyPr lIns="0" rIns="0" tIns="0" bIns="0"/>
+          <a:p>
+            <a:endParaRPr b="0" lang="en-ZA" sz="3200" spc="-1" strike="noStrike">
               <a:solidFill>
                 <a:srgbClr val="000000"/>
               </a:solidFill>
@@ -669,7 +1206,7 @@
       </p:grpSpPr>
       <p:sp>
         <p:nvSpPr>
-          <p:cNvPr id="6" name="PlaceHolder 1"/>
+          <p:cNvPr id="3" name="PlaceHolder 1"/>
           <p:cNvSpPr>
             <a:spLocks noGrp="1"/>
           </p:cNvSpPr>
@@ -680,7 +1217,7 @@
         <p:spPr>
           <a:xfrm>
             <a:off x="504000" y="216000"/>
-            <a:ext cx="7020000" cy="936000"/>
+            <a:ext cx="7019640" cy="935640"/>
           </a:xfrm>
           <a:prstGeom prst="rect">
             <a:avLst/>
@@ -689,23 +1226,24 @@
         <p:txBody>
           <a:bodyPr lIns="0" rIns="0" tIns="0" bIns="0" anchor="ctr"/>
           <a:p>
-            <a:endParaRPr b="0" lang="de-DE" sz="3570" spc="-1" strike="noStrike">
-              <a:solidFill>
-                <a:srgbClr val="ffffff"/>
-              </a:solidFill>
-              <a:uFill>
-                <a:solidFill>
-                  <a:srgbClr val="ffffff"/>
-                </a:solidFill>
-              </a:uFill>
-              <a:latin typeface="Arial"/>
-            </a:endParaRPr>
-          </a:p>
-        </p:txBody>
-      </p:sp>
-      <p:sp>
-        <p:nvSpPr>
-          <p:cNvPr id="7" name="PlaceHolder 2"/>
+            <a:pPr algn="ctr"/>
+            <a:endParaRPr b="0" lang="en-ZA" sz="4400" spc="-1" strike="noStrike">
+              <a:solidFill>
+                <a:srgbClr val="000000"/>
+              </a:solidFill>
+              <a:uFill>
+                <a:solidFill>
+                  <a:srgbClr val="ffffff"/>
+                </a:solidFill>
+              </a:uFill>
+              <a:latin typeface="Arial"/>
+            </a:endParaRPr>
+          </a:p>
+        </p:txBody>
+      </p:sp>
+      <p:sp>
+        <p:nvSpPr>
+          <p:cNvPr id="4" name="PlaceHolder 2"/>
           <p:cNvSpPr>
             <a:spLocks noGrp="1"/>
           </p:cNvSpPr>
@@ -716,7 +1254,7 @@
         <p:spPr>
           <a:xfrm>
             <a:off x="504000" y="1368000"/>
-            <a:ext cx="9072000" cy="3288240"/>
+            <a:ext cx="9071640" cy="3287880"/>
           </a:xfrm>
           <a:prstGeom prst="rect">
             <a:avLst/>
@@ -726,20 +1264,865 @@
           <a:bodyPr lIns="0" rIns="0" tIns="0" bIns="0" anchor="ctr"/>
           <a:p>
             <a:pPr algn="ctr"/>
-            <a:endParaRPr b="0" lang="de-DE" sz="3200" spc="-1" strike="noStrike">
-              <a:solidFill>
-                <a:srgbClr val="000000"/>
-              </a:solidFill>
-              <a:uFill>
-                <a:solidFill>
-                  <a:srgbClr val="ffffff"/>
-                </a:solidFill>
-              </a:uFill>
-              <a:latin typeface="Arial"/>
-            </a:endParaRPr>
-          </a:p>
-        </p:txBody>
-      </p:sp>
+            <a:endParaRPr b="0" lang="en-ZA" sz="3200" spc="-1" strike="noStrike">
+              <a:solidFill>
+                <a:srgbClr val="000000"/>
+              </a:solidFill>
+              <a:uFill>
+                <a:solidFill>
+                  <a:srgbClr val="ffffff"/>
+                </a:solidFill>
+              </a:uFill>
+              <a:latin typeface="Arial"/>
+            </a:endParaRPr>
+          </a:p>
+        </p:txBody>
+      </p:sp>
+    </p:spTree>
+  </p:cSld>
+</p:sldLayout>
+</file>
+
+<file path=ppt/slideLayouts/slideLayout20.xml><?xml version="1.0" encoding="utf-8"?>
+<p:sldLayout xmlns:a="http://schemas.openxmlformats.org/drawingml/2006/main" xmlns:p="http://schemas.openxmlformats.org/presentationml/2006/main" xmlns:r="http://schemas.openxmlformats.org/officeDocument/2006/relationships" xmlns:p14="http://schemas.microsoft.com/office/powerpoint/2010/main" xmlns:p15="http://schemas.microsoft.com/office/powerpoint/2012/main" xmlns:mc="http://schemas.openxmlformats.org/markup-compatibility/2006" type="objAndTwoObj" preserve="1">
+  <p:cSld name="Title Content and 2 Content">
+    <p:spTree>
+      <p:nvGrpSpPr>
+        <p:cNvPr id="1" name=""/>
+        <p:cNvGrpSpPr/>
+        <p:nvPr/>
+      </p:nvGrpSpPr>
+      <p:grpSpPr>
+        <a:xfrm>
+          <a:off x="0" y="0"/>
+          <a:ext cx="0" cy="0"/>
+          <a:chOff x="0" y="0"/>
+          <a:chExt cx="0" cy="0"/>
+        </a:xfrm>
+      </p:grpSpPr>
+      <p:sp>
+        <p:nvSpPr>
+          <p:cNvPr id="53" name="PlaceHolder 1"/>
+          <p:cNvSpPr>
+            <a:spLocks noGrp="1"/>
+          </p:cNvSpPr>
+          <p:nvPr>
+            <p:ph type="title"/>
+          </p:nvPr>
+        </p:nvSpPr>
+        <p:spPr>
+          <a:xfrm>
+            <a:off x="504000" y="216000"/>
+            <a:ext cx="7019640" cy="935640"/>
+          </a:xfrm>
+          <a:prstGeom prst="rect">
+            <a:avLst/>
+          </a:prstGeom>
+        </p:spPr>
+        <p:txBody>
+          <a:bodyPr lIns="0" rIns="0" tIns="0" bIns="0" anchor="ctr"/>
+          <a:p>
+            <a:pPr algn="ctr"/>
+            <a:endParaRPr b="0" lang="en-ZA" sz="4400" spc="-1" strike="noStrike">
+              <a:solidFill>
+                <a:srgbClr val="000000"/>
+              </a:solidFill>
+              <a:uFill>
+                <a:solidFill>
+                  <a:srgbClr val="ffffff"/>
+                </a:solidFill>
+              </a:uFill>
+              <a:latin typeface="Arial"/>
+            </a:endParaRPr>
+          </a:p>
+        </p:txBody>
+      </p:sp>
+      <p:sp>
+        <p:nvSpPr>
+          <p:cNvPr id="54" name="PlaceHolder 2"/>
+          <p:cNvSpPr>
+            <a:spLocks noGrp="1"/>
+          </p:cNvSpPr>
+          <p:nvPr>
+            <p:ph type="body"/>
+          </p:nvPr>
+        </p:nvSpPr>
+        <p:spPr>
+          <a:xfrm>
+            <a:off x="504000" y="1368000"/>
+            <a:ext cx="4426920" cy="3287880"/>
+          </a:xfrm>
+          <a:prstGeom prst="rect">
+            <a:avLst/>
+          </a:prstGeom>
+        </p:spPr>
+        <p:txBody>
+          <a:bodyPr lIns="0" rIns="0" tIns="0" bIns="0"/>
+          <a:p>
+            <a:endParaRPr b="0" lang="en-ZA" sz="3200" spc="-1" strike="noStrike">
+              <a:solidFill>
+                <a:srgbClr val="000000"/>
+              </a:solidFill>
+              <a:uFill>
+                <a:solidFill>
+                  <a:srgbClr val="ffffff"/>
+                </a:solidFill>
+              </a:uFill>
+              <a:latin typeface="Arial"/>
+            </a:endParaRPr>
+          </a:p>
+        </p:txBody>
+      </p:sp>
+      <p:sp>
+        <p:nvSpPr>
+          <p:cNvPr id="55" name="PlaceHolder 3"/>
+          <p:cNvSpPr>
+            <a:spLocks noGrp="1"/>
+          </p:cNvSpPr>
+          <p:nvPr>
+            <p:ph type="body"/>
+          </p:nvPr>
+        </p:nvSpPr>
+        <p:spPr>
+          <a:xfrm>
+            <a:off x="5152680" y="1368000"/>
+            <a:ext cx="4426920" cy="1568160"/>
+          </a:xfrm>
+          <a:prstGeom prst="rect">
+            <a:avLst/>
+          </a:prstGeom>
+        </p:spPr>
+        <p:txBody>
+          <a:bodyPr lIns="0" rIns="0" tIns="0" bIns="0"/>
+          <a:p>
+            <a:endParaRPr b="0" lang="en-ZA" sz="3200" spc="-1" strike="noStrike">
+              <a:solidFill>
+                <a:srgbClr val="000000"/>
+              </a:solidFill>
+              <a:uFill>
+                <a:solidFill>
+                  <a:srgbClr val="ffffff"/>
+                </a:solidFill>
+              </a:uFill>
+              <a:latin typeface="Arial"/>
+            </a:endParaRPr>
+          </a:p>
+        </p:txBody>
+      </p:sp>
+      <p:sp>
+        <p:nvSpPr>
+          <p:cNvPr id="56" name="PlaceHolder 4"/>
+          <p:cNvSpPr>
+            <a:spLocks noGrp="1"/>
+          </p:cNvSpPr>
+          <p:nvPr>
+            <p:ph type="body"/>
+          </p:nvPr>
+        </p:nvSpPr>
+        <p:spPr>
+          <a:xfrm>
+            <a:off x="5152680" y="3085560"/>
+            <a:ext cx="4426920" cy="1568160"/>
+          </a:xfrm>
+          <a:prstGeom prst="rect">
+            <a:avLst/>
+          </a:prstGeom>
+        </p:spPr>
+        <p:txBody>
+          <a:bodyPr lIns="0" rIns="0" tIns="0" bIns="0"/>
+          <a:p>
+            <a:endParaRPr b="0" lang="en-ZA" sz="3200" spc="-1" strike="noStrike">
+              <a:solidFill>
+                <a:srgbClr val="000000"/>
+              </a:solidFill>
+              <a:uFill>
+                <a:solidFill>
+                  <a:srgbClr val="ffffff"/>
+                </a:solidFill>
+              </a:uFill>
+              <a:latin typeface="Arial"/>
+            </a:endParaRPr>
+          </a:p>
+        </p:txBody>
+      </p:sp>
+    </p:spTree>
+  </p:cSld>
+</p:sldLayout>
+</file>
+
+<file path=ppt/slideLayouts/slideLayout21.xml><?xml version="1.0" encoding="utf-8"?>
+<p:sldLayout xmlns:a="http://schemas.openxmlformats.org/drawingml/2006/main" xmlns:p="http://schemas.openxmlformats.org/presentationml/2006/main" xmlns:r="http://schemas.openxmlformats.org/officeDocument/2006/relationships" xmlns:p14="http://schemas.microsoft.com/office/powerpoint/2010/main" xmlns:p15="http://schemas.microsoft.com/office/powerpoint/2012/main" xmlns:mc="http://schemas.openxmlformats.org/markup-compatibility/2006" type="twoObjOverTx" preserve="1">
+  <p:cSld name="Title, 2 Content over Content">
+    <p:spTree>
+      <p:nvGrpSpPr>
+        <p:cNvPr id="1" name=""/>
+        <p:cNvGrpSpPr/>
+        <p:nvPr/>
+      </p:nvGrpSpPr>
+      <p:grpSpPr>
+        <a:xfrm>
+          <a:off x="0" y="0"/>
+          <a:ext cx="0" cy="0"/>
+          <a:chOff x="0" y="0"/>
+          <a:chExt cx="0" cy="0"/>
+        </a:xfrm>
+      </p:grpSpPr>
+      <p:sp>
+        <p:nvSpPr>
+          <p:cNvPr id="57" name="PlaceHolder 1"/>
+          <p:cNvSpPr>
+            <a:spLocks noGrp="1"/>
+          </p:cNvSpPr>
+          <p:nvPr>
+            <p:ph type="title"/>
+          </p:nvPr>
+        </p:nvSpPr>
+        <p:spPr>
+          <a:xfrm>
+            <a:off x="504000" y="216000"/>
+            <a:ext cx="7019640" cy="935640"/>
+          </a:xfrm>
+          <a:prstGeom prst="rect">
+            <a:avLst/>
+          </a:prstGeom>
+        </p:spPr>
+        <p:txBody>
+          <a:bodyPr lIns="0" rIns="0" tIns="0" bIns="0" anchor="ctr"/>
+          <a:p>
+            <a:pPr algn="ctr"/>
+            <a:endParaRPr b="0" lang="en-ZA" sz="4400" spc="-1" strike="noStrike">
+              <a:solidFill>
+                <a:srgbClr val="000000"/>
+              </a:solidFill>
+              <a:uFill>
+                <a:solidFill>
+                  <a:srgbClr val="ffffff"/>
+                </a:solidFill>
+              </a:uFill>
+              <a:latin typeface="Arial"/>
+            </a:endParaRPr>
+          </a:p>
+        </p:txBody>
+      </p:sp>
+      <p:sp>
+        <p:nvSpPr>
+          <p:cNvPr id="58" name="PlaceHolder 2"/>
+          <p:cNvSpPr>
+            <a:spLocks noGrp="1"/>
+          </p:cNvSpPr>
+          <p:nvPr>
+            <p:ph type="body"/>
+          </p:nvPr>
+        </p:nvSpPr>
+        <p:spPr>
+          <a:xfrm>
+            <a:off x="504000" y="1368000"/>
+            <a:ext cx="4426920" cy="1568160"/>
+          </a:xfrm>
+          <a:prstGeom prst="rect">
+            <a:avLst/>
+          </a:prstGeom>
+        </p:spPr>
+        <p:txBody>
+          <a:bodyPr lIns="0" rIns="0" tIns="0" bIns="0"/>
+          <a:p>
+            <a:endParaRPr b="0" lang="en-ZA" sz="3200" spc="-1" strike="noStrike">
+              <a:solidFill>
+                <a:srgbClr val="000000"/>
+              </a:solidFill>
+              <a:uFill>
+                <a:solidFill>
+                  <a:srgbClr val="ffffff"/>
+                </a:solidFill>
+              </a:uFill>
+              <a:latin typeface="Arial"/>
+            </a:endParaRPr>
+          </a:p>
+        </p:txBody>
+      </p:sp>
+      <p:sp>
+        <p:nvSpPr>
+          <p:cNvPr id="59" name="PlaceHolder 3"/>
+          <p:cNvSpPr>
+            <a:spLocks noGrp="1"/>
+          </p:cNvSpPr>
+          <p:nvPr>
+            <p:ph type="body"/>
+          </p:nvPr>
+        </p:nvSpPr>
+        <p:spPr>
+          <a:xfrm>
+            <a:off x="5152680" y="1368000"/>
+            <a:ext cx="4426920" cy="1568160"/>
+          </a:xfrm>
+          <a:prstGeom prst="rect">
+            <a:avLst/>
+          </a:prstGeom>
+        </p:spPr>
+        <p:txBody>
+          <a:bodyPr lIns="0" rIns="0" tIns="0" bIns="0"/>
+          <a:p>
+            <a:endParaRPr b="0" lang="en-ZA" sz="3200" spc="-1" strike="noStrike">
+              <a:solidFill>
+                <a:srgbClr val="000000"/>
+              </a:solidFill>
+              <a:uFill>
+                <a:solidFill>
+                  <a:srgbClr val="ffffff"/>
+                </a:solidFill>
+              </a:uFill>
+              <a:latin typeface="Arial"/>
+            </a:endParaRPr>
+          </a:p>
+        </p:txBody>
+      </p:sp>
+      <p:sp>
+        <p:nvSpPr>
+          <p:cNvPr id="60" name="PlaceHolder 4"/>
+          <p:cNvSpPr>
+            <a:spLocks noGrp="1"/>
+          </p:cNvSpPr>
+          <p:nvPr>
+            <p:ph type="body"/>
+          </p:nvPr>
+        </p:nvSpPr>
+        <p:spPr>
+          <a:xfrm>
+            <a:off x="504000" y="3085560"/>
+            <a:ext cx="9071640" cy="1568160"/>
+          </a:xfrm>
+          <a:prstGeom prst="rect">
+            <a:avLst/>
+          </a:prstGeom>
+        </p:spPr>
+        <p:txBody>
+          <a:bodyPr lIns="0" rIns="0" tIns="0" bIns="0"/>
+          <a:p>
+            <a:endParaRPr b="0" lang="en-ZA" sz="3200" spc="-1" strike="noStrike">
+              <a:solidFill>
+                <a:srgbClr val="000000"/>
+              </a:solidFill>
+              <a:uFill>
+                <a:solidFill>
+                  <a:srgbClr val="ffffff"/>
+                </a:solidFill>
+              </a:uFill>
+              <a:latin typeface="Arial"/>
+            </a:endParaRPr>
+          </a:p>
+        </p:txBody>
+      </p:sp>
+    </p:spTree>
+  </p:cSld>
+</p:sldLayout>
+</file>
+
+<file path=ppt/slideLayouts/slideLayout22.xml><?xml version="1.0" encoding="utf-8"?>
+<p:sldLayout xmlns:a="http://schemas.openxmlformats.org/drawingml/2006/main" xmlns:p="http://schemas.openxmlformats.org/presentationml/2006/main" xmlns:r="http://schemas.openxmlformats.org/officeDocument/2006/relationships" xmlns:p14="http://schemas.microsoft.com/office/powerpoint/2010/main" xmlns:p15="http://schemas.microsoft.com/office/powerpoint/2012/main" xmlns:mc="http://schemas.openxmlformats.org/markup-compatibility/2006" type="objOverTx" preserve="1">
+  <p:cSld name="Title, Content over Content">
+    <p:spTree>
+      <p:nvGrpSpPr>
+        <p:cNvPr id="1" name=""/>
+        <p:cNvGrpSpPr/>
+        <p:nvPr/>
+      </p:nvGrpSpPr>
+      <p:grpSpPr>
+        <a:xfrm>
+          <a:off x="0" y="0"/>
+          <a:ext cx="0" cy="0"/>
+          <a:chOff x="0" y="0"/>
+          <a:chExt cx="0" cy="0"/>
+        </a:xfrm>
+      </p:grpSpPr>
+      <p:sp>
+        <p:nvSpPr>
+          <p:cNvPr id="61" name="PlaceHolder 1"/>
+          <p:cNvSpPr>
+            <a:spLocks noGrp="1"/>
+          </p:cNvSpPr>
+          <p:nvPr>
+            <p:ph type="title"/>
+          </p:nvPr>
+        </p:nvSpPr>
+        <p:spPr>
+          <a:xfrm>
+            <a:off x="504000" y="216000"/>
+            <a:ext cx="7019640" cy="935640"/>
+          </a:xfrm>
+          <a:prstGeom prst="rect">
+            <a:avLst/>
+          </a:prstGeom>
+        </p:spPr>
+        <p:txBody>
+          <a:bodyPr lIns="0" rIns="0" tIns="0" bIns="0" anchor="ctr"/>
+          <a:p>
+            <a:pPr algn="ctr"/>
+            <a:endParaRPr b="0" lang="en-ZA" sz="4400" spc="-1" strike="noStrike">
+              <a:solidFill>
+                <a:srgbClr val="000000"/>
+              </a:solidFill>
+              <a:uFill>
+                <a:solidFill>
+                  <a:srgbClr val="ffffff"/>
+                </a:solidFill>
+              </a:uFill>
+              <a:latin typeface="Arial"/>
+            </a:endParaRPr>
+          </a:p>
+        </p:txBody>
+      </p:sp>
+      <p:sp>
+        <p:nvSpPr>
+          <p:cNvPr id="62" name="PlaceHolder 2"/>
+          <p:cNvSpPr>
+            <a:spLocks noGrp="1"/>
+          </p:cNvSpPr>
+          <p:nvPr>
+            <p:ph type="body"/>
+          </p:nvPr>
+        </p:nvSpPr>
+        <p:spPr>
+          <a:xfrm>
+            <a:off x="504000" y="1368000"/>
+            <a:ext cx="9071640" cy="1568160"/>
+          </a:xfrm>
+          <a:prstGeom prst="rect">
+            <a:avLst/>
+          </a:prstGeom>
+        </p:spPr>
+        <p:txBody>
+          <a:bodyPr lIns="0" rIns="0" tIns="0" bIns="0"/>
+          <a:p>
+            <a:endParaRPr b="0" lang="en-ZA" sz="3200" spc="-1" strike="noStrike">
+              <a:solidFill>
+                <a:srgbClr val="000000"/>
+              </a:solidFill>
+              <a:uFill>
+                <a:solidFill>
+                  <a:srgbClr val="ffffff"/>
+                </a:solidFill>
+              </a:uFill>
+              <a:latin typeface="Arial"/>
+            </a:endParaRPr>
+          </a:p>
+        </p:txBody>
+      </p:sp>
+      <p:sp>
+        <p:nvSpPr>
+          <p:cNvPr id="63" name="PlaceHolder 3"/>
+          <p:cNvSpPr>
+            <a:spLocks noGrp="1"/>
+          </p:cNvSpPr>
+          <p:nvPr>
+            <p:ph type="body"/>
+          </p:nvPr>
+        </p:nvSpPr>
+        <p:spPr>
+          <a:xfrm>
+            <a:off x="504000" y="3085560"/>
+            <a:ext cx="9071640" cy="1568160"/>
+          </a:xfrm>
+          <a:prstGeom prst="rect">
+            <a:avLst/>
+          </a:prstGeom>
+        </p:spPr>
+        <p:txBody>
+          <a:bodyPr lIns="0" rIns="0" tIns="0" bIns="0"/>
+          <a:p>
+            <a:endParaRPr b="0" lang="en-ZA" sz="3200" spc="-1" strike="noStrike">
+              <a:solidFill>
+                <a:srgbClr val="000000"/>
+              </a:solidFill>
+              <a:uFill>
+                <a:solidFill>
+                  <a:srgbClr val="ffffff"/>
+                </a:solidFill>
+              </a:uFill>
+              <a:latin typeface="Arial"/>
+            </a:endParaRPr>
+          </a:p>
+        </p:txBody>
+      </p:sp>
+    </p:spTree>
+  </p:cSld>
+</p:sldLayout>
+</file>
+
+<file path=ppt/slideLayouts/slideLayout23.xml><?xml version="1.0" encoding="utf-8"?>
+<p:sldLayout xmlns:a="http://schemas.openxmlformats.org/drawingml/2006/main" xmlns:p="http://schemas.openxmlformats.org/presentationml/2006/main" xmlns:r="http://schemas.openxmlformats.org/officeDocument/2006/relationships" xmlns:p14="http://schemas.microsoft.com/office/powerpoint/2010/main" xmlns:p15="http://schemas.microsoft.com/office/powerpoint/2012/main" xmlns:mc="http://schemas.openxmlformats.org/markup-compatibility/2006" type="fourObj" preserve="1">
+  <p:cSld name="Title, 4 Content">
+    <p:spTree>
+      <p:nvGrpSpPr>
+        <p:cNvPr id="1" name=""/>
+        <p:cNvGrpSpPr/>
+        <p:nvPr/>
+      </p:nvGrpSpPr>
+      <p:grpSpPr>
+        <a:xfrm>
+          <a:off x="0" y="0"/>
+          <a:ext cx="0" cy="0"/>
+          <a:chOff x="0" y="0"/>
+          <a:chExt cx="0" cy="0"/>
+        </a:xfrm>
+      </p:grpSpPr>
+      <p:sp>
+        <p:nvSpPr>
+          <p:cNvPr id="64" name="PlaceHolder 1"/>
+          <p:cNvSpPr>
+            <a:spLocks noGrp="1"/>
+          </p:cNvSpPr>
+          <p:nvPr>
+            <p:ph type="title"/>
+          </p:nvPr>
+        </p:nvSpPr>
+        <p:spPr>
+          <a:xfrm>
+            <a:off x="504000" y="216000"/>
+            <a:ext cx="7019640" cy="935640"/>
+          </a:xfrm>
+          <a:prstGeom prst="rect">
+            <a:avLst/>
+          </a:prstGeom>
+        </p:spPr>
+        <p:txBody>
+          <a:bodyPr lIns="0" rIns="0" tIns="0" bIns="0" anchor="ctr"/>
+          <a:p>
+            <a:pPr algn="ctr"/>
+            <a:endParaRPr b="0" lang="en-ZA" sz="4400" spc="-1" strike="noStrike">
+              <a:solidFill>
+                <a:srgbClr val="000000"/>
+              </a:solidFill>
+              <a:uFill>
+                <a:solidFill>
+                  <a:srgbClr val="ffffff"/>
+                </a:solidFill>
+              </a:uFill>
+              <a:latin typeface="Arial"/>
+            </a:endParaRPr>
+          </a:p>
+        </p:txBody>
+      </p:sp>
+      <p:sp>
+        <p:nvSpPr>
+          <p:cNvPr id="65" name="PlaceHolder 2"/>
+          <p:cNvSpPr>
+            <a:spLocks noGrp="1"/>
+          </p:cNvSpPr>
+          <p:nvPr>
+            <p:ph type="body"/>
+          </p:nvPr>
+        </p:nvSpPr>
+        <p:spPr>
+          <a:xfrm>
+            <a:off x="504000" y="1368000"/>
+            <a:ext cx="4426920" cy="1568160"/>
+          </a:xfrm>
+          <a:prstGeom prst="rect">
+            <a:avLst/>
+          </a:prstGeom>
+        </p:spPr>
+        <p:txBody>
+          <a:bodyPr lIns="0" rIns="0" tIns="0" bIns="0"/>
+          <a:p>
+            <a:endParaRPr b="0" lang="en-ZA" sz="3200" spc="-1" strike="noStrike">
+              <a:solidFill>
+                <a:srgbClr val="000000"/>
+              </a:solidFill>
+              <a:uFill>
+                <a:solidFill>
+                  <a:srgbClr val="ffffff"/>
+                </a:solidFill>
+              </a:uFill>
+              <a:latin typeface="Arial"/>
+            </a:endParaRPr>
+          </a:p>
+        </p:txBody>
+      </p:sp>
+      <p:sp>
+        <p:nvSpPr>
+          <p:cNvPr id="66" name="PlaceHolder 3"/>
+          <p:cNvSpPr>
+            <a:spLocks noGrp="1"/>
+          </p:cNvSpPr>
+          <p:nvPr>
+            <p:ph type="body"/>
+          </p:nvPr>
+        </p:nvSpPr>
+        <p:spPr>
+          <a:xfrm>
+            <a:off x="5152680" y="1368000"/>
+            <a:ext cx="4426920" cy="1568160"/>
+          </a:xfrm>
+          <a:prstGeom prst="rect">
+            <a:avLst/>
+          </a:prstGeom>
+        </p:spPr>
+        <p:txBody>
+          <a:bodyPr lIns="0" rIns="0" tIns="0" bIns="0"/>
+          <a:p>
+            <a:endParaRPr b="0" lang="en-ZA" sz="3200" spc="-1" strike="noStrike">
+              <a:solidFill>
+                <a:srgbClr val="000000"/>
+              </a:solidFill>
+              <a:uFill>
+                <a:solidFill>
+                  <a:srgbClr val="ffffff"/>
+                </a:solidFill>
+              </a:uFill>
+              <a:latin typeface="Arial"/>
+            </a:endParaRPr>
+          </a:p>
+        </p:txBody>
+      </p:sp>
+      <p:sp>
+        <p:nvSpPr>
+          <p:cNvPr id="67" name="PlaceHolder 4"/>
+          <p:cNvSpPr>
+            <a:spLocks noGrp="1"/>
+          </p:cNvSpPr>
+          <p:nvPr>
+            <p:ph type="body"/>
+          </p:nvPr>
+        </p:nvSpPr>
+        <p:spPr>
+          <a:xfrm>
+            <a:off x="5152680" y="3085560"/>
+            <a:ext cx="4426920" cy="1568160"/>
+          </a:xfrm>
+          <a:prstGeom prst="rect">
+            <a:avLst/>
+          </a:prstGeom>
+        </p:spPr>
+        <p:txBody>
+          <a:bodyPr lIns="0" rIns="0" tIns="0" bIns="0"/>
+          <a:p>
+            <a:endParaRPr b="0" lang="en-ZA" sz="3200" spc="-1" strike="noStrike">
+              <a:solidFill>
+                <a:srgbClr val="000000"/>
+              </a:solidFill>
+              <a:uFill>
+                <a:solidFill>
+                  <a:srgbClr val="ffffff"/>
+                </a:solidFill>
+              </a:uFill>
+              <a:latin typeface="Arial"/>
+            </a:endParaRPr>
+          </a:p>
+        </p:txBody>
+      </p:sp>
+      <p:sp>
+        <p:nvSpPr>
+          <p:cNvPr id="68" name="PlaceHolder 5"/>
+          <p:cNvSpPr>
+            <a:spLocks noGrp="1"/>
+          </p:cNvSpPr>
+          <p:nvPr>
+            <p:ph type="body"/>
+          </p:nvPr>
+        </p:nvSpPr>
+        <p:spPr>
+          <a:xfrm>
+            <a:off x="504000" y="3085560"/>
+            <a:ext cx="4426920" cy="1568160"/>
+          </a:xfrm>
+          <a:prstGeom prst="rect">
+            <a:avLst/>
+          </a:prstGeom>
+        </p:spPr>
+        <p:txBody>
+          <a:bodyPr lIns="0" rIns="0" tIns="0" bIns="0"/>
+          <a:p>
+            <a:endParaRPr b="0" lang="en-ZA" sz="3200" spc="-1" strike="noStrike">
+              <a:solidFill>
+                <a:srgbClr val="000000"/>
+              </a:solidFill>
+              <a:uFill>
+                <a:solidFill>
+                  <a:srgbClr val="ffffff"/>
+                </a:solidFill>
+              </a:uFill>
+              <a:latin typeface="Arial"/>
+            </a:endParaRPr>
+          </a:p>
+        </p:txBody>
+      </p:sp>
+    </p:spTree>
+  </p:cSld>
+</p:sldLayout>
+</file>
+
+<file path=ppt/slideLayouts/slideLayout24.xml><?xml version="1.0" encoding="utf-8"?>
+<p:sldLayout xmlns:a="http://schemas.openxmlformats.org/drawingml/2006/main" xmlns:p="http://schemas.openxmlformats.org/presentationml/2006/main" xmlns:r="http://schemas.openxmlformats.org/officeDocument/2006/relationships" xmlns:p14="http://schemas.microsoft.com/office/powerpoint/2010/main" xmlns:p15="http://schemas.microsoft.com/office/powerpoint/2012/main" xmlns:mc="http://schemas.openxmlformats.org/markup-compatibility/2006" type="blank" preserve="1">
+  <p:cSld name="Title, 6 Content">
+    <p:spTree>
+      <p:nvGrpSpPr>
+        <p:cNvPr id="1" name=""/>
+        <p:cNvGrpSpPr/>
+        <p:nvPr/>
+      </p:nvGrpSpPr>
+      <p:grpSpPr>
+        <a:xfrm>
+          <a:off x="0" y="0"/>
+          <a:ext cx="0" cy="0"/>
+          <a:chOff x="0" y="0"/>
+          <a:chExt cx="0" cy="0"/>
+        </a:xfrm>
+      </p:grpSpPr>
+      <p:sp>
+        <p:nvSpPr>
+          <p:cNvPr id="69" name="PlaceHolder 1"/>
+          <p:cNvSpPr>
+            <a:spLocks noGrp="1"/>
+          </p:cNvSpPr>
+          <p:nvPr>
+            <p:ph type="title"/>
+          </p:nvPr>
+        </p:nvSpPr>
+        <p:spPr>
+          <a:xfrm>
+            <a:off x="504000" y="216000"/>
+            <a:ext cx="7019640" cy="935640"/>
+          </a:xfrm>
+          <a:prstGeom prst="rect">
+            <a:avLst/>
+          </a:prstGeom>
+        </p:spPr>
+        <p:txBody>
+          <a:bodyPr lIns="0" rIns="0" tIns="0" bIns="0" anchor="ctr"/>
+          <a:p>
+            <a:pPr algn="ctr"/>
+            <a:endParaRPr b="0" lang="en-ZA" sz="4400" spc="-1" strike="noStrike">
+              <a:solidFill>
+                <a:srgbClr val="000000"/>
+              </a:solidFill>
+              <a:uFill>
+                <a:solidFill>
+                  <a:srgbClr val="ffffff"/>
+                </a:solidFill>
+              </a:uFill>
+              <a:latin typeface="Arial"/>
+            </a:endParaRPr>
+          </a:p>
+        </p:txBody>
+      </p:sp>
+      <p:sp>
+        <p:nvSpPr>
+          <p:cNvPr id="70" name="PlaceHolder 2"/>
+          <p:cNvSpPr>
+            <a:spLocks noGrp="1"/>
+          </p:cNvSpPr>
+          <p:nvPr>
+            <p:ph type="body"/>
+          </p:nvPr>
+        </p:nvSpPr>
+        <p:spPr>
+          <a:xfrm>
+            <a:off x="504000" y="1368000"/>
+            <a:ext cx="9071640" cy="3287880"/>
+          </a:xfrm>
+          <a:prstGeom prst="rect">
+            <a:avLst/>
+          </a:prstGeom>
+        </p:spPr>
+        <p:txBody>
+          <a:bodyPr lIns="0" rIns="0" tIns="0" bIns="0"/>
+          <a:p>
+            <a:endParaRPr b="0" lang="en-ZA" sz="3200" spc="-1" strike="noStrike">
+              <a:solidFill>
+                <a:srgbClr val="000000"/>
+              </a:solidFill>
+              <a:uFill>
+                <a:solidFill>
+                  <a:srgbClr val="ffffff"/>
+                </a:solidFill>
+              </a:uFill>
+              <a:latin typeface="Arial"/>
+            </a:endParaRPr>
+          </a:p>
+        </p:txBody>
+      </p:sp>
+      <p:sp>
+        <p:nvSpPr>
+          <p:cNvPr id="71" name="PlaceHolder 3"/>
+          <p:cNvSpPr>
+            <a:spLocks noGrp="1"/>
+          </p:cNvSpPr>
+          <p:nvPr>
+            <p:ph type="body"/>
+          </p:nvPr>
+        </p:nvSpPr>
+        <p:spPr>
+          <a:xfrm>
+            <a:off x="504000" y="1368000"/>
+            <a:ext cx="9071640" cy="3287880"/>
+          </a:xfrm>
+          <a:prstGeom prst="rect">
+            <a:avLst/>
+          </a:prstGeom>
+        </p:spPr>
+        <p:txBody>
+          <a:bodyPr lIns="0" rIns="0" tIns="0" bIns="0"/>
+          <a:p>
+            <a:endParaRPr b="0" lang="en-ZA" sz="3200" spc="-1" strike="noStrike">
+              <a:solidFill>
+                <a:srgbClr val="000000"/>
+              </a:solidFill>
+              <a:uFill>
+                <a:solidFill>
+                  <a:srgbClr val="ffffff"/>
+                </a:solidFill>
+              </a:uFill>
+              <a:latin typeface="Arial"/>
+            </a:endParaRPr>
+          </a:p>
+        </p:txBody>
+      </p:sp>
+      <p:pic>
+        <p:nvPicPr>
+          <p:cNvPr id="72" name="" descr=""/>
+          <p:cNvPicPr/>
+          <p:nvPr/>
+        </p:nvPicPr>
+        <p:blipFill>
+          <a:blip r:embed="rId2"/>
+          <a:stretch/>
+        </p:blipFill>
+        <p:spPr>
+          <a:xfrm>
+            <a:off x="2979360" y="1367640"/>
+            <a:ext cx="4120560" cy="3287880"/>
+          </a:xfrm>
+          <a:prstGeom prst="rect">
+            <a:avLst/>
+          </a:prstGeom>
+          <a:ln>
+            <a:noFill/>
+          </a:ln>
+        </p:spPr>
+      </p:pic>
+      <p:pic>
+        <p:nvPicPr>
+          <p:cNvPr id="73" name="" descr=""/>
+          <p:cNvPicPr/>
+          <p:nvPr/>
+        </p:nvPicPr>
+        <p:blipFill>
+          <a:blip r:embed="rId3"/>
+          <a:stretch/>
+        </p:blipFill>
+        <p:spPr>
+          <a:xfrm>
+            <a:off x="2979360" y="1367640"/>
+            <a:ext cx="4120560" cy="3287880"/>
+          </a:xfrm>
+          <a:prstGeom prst="rect">
+            <a:avLst/>
+          </a:prstGeom>
+          <a:ln>
+            <a:noFill/>
+          </a:ln>
+        </p:spPr>
+      </p:pic>
     </p:spTree>
   </p:cSld>
 </p:sldLayout>
@@ -764,7 +2147,7 @@
       </p:grpSpPr>
       <p:sp>
         <p:nvSpPr>
-          <p:cNvPr id="8" name="PlaceHolder 1"/>
+          <p:cNvPr id="5" name="PlaceHolder 1"/>
           <p:cNvSpPr>
             <a:spLocks noGrp="1"/>
           </p:cNvSpPr>
@@ -775,7 +2158,7 @@
         <p:spPr>
           <a:xfrm>
             <a:off x="504000" y="216000"/>
-            <a:ext cx="7020000" cy="936000"/>
+            <a:ext cx="7019640" cy="935640"/>
           </a:xfrm>
           <a:prstGeom prst="rect">
             <a:avLst/>
@@ -784,23 +2167,24 @@
         <p:txBody>
           <a:bodyPr lIns="0" rIns="0" tIns="0" bIns="0" anchor="ctr"/>
           <a:p>
-            <a:endParaRPr b="0" lang="de-DE" sz="3570" spc="-1" strike="noStrike">
-              <a:solidFill>
-                <a:srgbClr val="ffffff"/>
-              </a:solidFill>
-              <a:uFill>
-                <a:solidFill>
-                  <a:srgbClr val="ffffff"/>
-                </a:solidFill>
-              </a:uFill>
-              <a:latin typeface="Arial"/>
-            </a:endParaRPr>
-          </a:p>
-        </p:txBody>
-      </p:sp>
-      <p:sp>
-        <p:nvSpPr>
-          <p:cNvPr id="9" name="PlaceHolder 2"/>
+            <a:pPr algn="ctr"/>
+            <a:endParaRPr b="0" lang="en-ZA" sz="4400" spc="-1" strike="noStrike">
+              <a:solidFill>
+                <a:srgbClr val="000000"/>
+              </a:solidFill>
+              <a:uFill>
+                <a:solidFill>
+                  <a:srgbClr val="ffffff"/>
+                </a:solidFill>
+              </a:uFill>
+              <a:latin typeface="Arial"/>
+            </a:endParaRPr>
+          </a:p>
+        </p:txBody>
+      </p:sp>
+      <p:sp>
+        <p:nvSpPr>
+          <p:cNvPr id="6" name="PlaceHolder 2"/>
           <p:cNvSpPr>
             <a:spLocks noGrp="1"/>
           </p:cNvSpPr>
@@ -811,7 +2195,7 @@
         <p:spPr>
           <a:xfrm>
             <a:off x="504000" y="1368000"/>
-            <a:ext cx="9072000" cy="3288240"/>
+            <a:ext cx="9071640" cy="3287880"/>
           </a:xfrm>
           <a:prstGeom prst="rect">
             <a:avLst/>
@@ -820,7 +2204,7 @@
         <p:txBody>
           <a:bodyPr lIns="0" rIns="0" tIns="0" bIns="0"/>
           <a:p>
-            <a:endParaRPr b="0" lang="de-DE" sz="2600" spc="-1" strike="noStrike">
+            <a:endParaRPr b="0" lang="en-ZA" sz="3200" spc="-1" strike="noStrike">
               <a:solidFill>
                 <a:srgbClr val="000000"/>
               </a:solidFill>
@@ -858,7 +2242,7 @@
       </p:grpSpPr>
       <p:sp>
         <p:nvSpPr>
-          <p:cNvPr id="10" name="PlaceHolder 1"/>
+          <p:cNvPr id="7" name="PlaceHolder 1"/>
           <p:cNvSpPr>
             <a:spLocks noGrp="1"/>
           </p:cNvSpPr>
@@ -869,7 +2253,7 @@
         <p:spPr>
           <a:xfrm>
             <a:off x="504000" y="216000"/>
-            <a:ext cx="7020000" cy="936000"/>
+            <a:ext cx="7019640" cy="935640"/>
           </a:xfrm>
           <a:prstGeom prst="rect">
             <a:avLst/>
@@ -878,23 +2262,24 @@
         <p:txBody>
           <a:bodyPr lIns="0" rIns="0" tIns="0" bIns="0" anchor="ctr"/>
           <a:p>
-            <a:endParaRPr b="0" lang="de-DE" sz="3570" spc="-1" strike="noStrike">
-              <a:solidFill>
-                <a:srgbClr val="ffffff"/>
-              </a:solidFill>
-              <a:uFill>
-                <a:solidFill>
-                  <a:srgbClr val="ffffff"/>
-                </a:solidFill>
-              </a:uFill>
-              <a:latin typeface="Arial"/>
-            </a:endParaRPr>
-          </a:p>
-        </p:txBody>
-      </p:sp>
-      <p:sp>
-        <p:nvSpPr>
-          <p:cNvPr id="11" name="PlaceHolder 2"/>
+            <a:pPr algn="ctr"/>
+            <a:endParaRPr b="0" lang="en-ZA" sz="4400" spc="-1" strike="noStrike">
+              <a:solidFill>
+                <a:srgbClr val="000000"/>
+              </a:solidFill>
+              <a:uFill>
+                <a:solidFill>
+                  <a:srgbClr val="ffffff"/>
+                </a:solidFill>
+              </a:uFill>
+              <a:latin typeface="Arial"/>
+            </a:endParaRPr>
+          </a:p>
+        </p:txBody>
+      </p:sp>
+      <p:sp>
+        <p:nvSpPr>
+          <p:cNvPr id="8" name="PlaceHolder 2"/>
           <p:cNvSpPr>
             <a:spLocks noGrp="1"/>
           </p:cNvSpPr>
@@ -905,7 +2290,7 @@
         <p:spPr>
           <a:xfrm>
             <a:off x="504000" y="1368000"/>
-            <a:ext cx="4426920" cy="3288240"/>
+            <a:ext cx="4426920" cy="3287880"/>
           </a:xfrm>
           <a:prstGeom prst="rect">
             <a:avLst/>
@@ -914,23 +2299,23 @@
         <p:txBody>
           <a:bodyPr lIns="0" rIns="0" tIns="0" bIns="0"/>
           <a:p>
-            <a:endParaRPr b="0" lang="de-DE" sz="2600" spc="-1" strike="noStrike">
-              <a:solidFill>
-                <a:srgbClr val="000000"/>
-              </a:solidFill>
-              <a:uFill>
-                <a:solidFill>
-                  <a:srgbClr val="ffffff"/>
-                </a:solidFill>
-              </a:uFill>
-              <a:latin typeface="Arial"/>
-            </a:endParaRPr>
-          </a:p>
-        </p:txBody>
-      </p:sp>
-      <p:sp>
-        <p:nvSpPr>
-          <p:cNvPr id="12" name="PlaceHolder 3"/>
+            <a:endParaRPr b="0" lang="en-ZA" sz="3200" spc="-1" strike="noStrike">
+              <a:solidFill>
+                <a:srgbClr val="000000"/>
+              </a:solidFill>
+              <a:uFill>
+                <a:solidFill>
+                  <a:srgbClr val="ffffff"/>
+                </a:solidFill>
+              </a:uFill>
+              <a:latin typeface="Arial"/>
+            </a:endParaRPr>
+          </a:p>
+        </p:txBody>
+      </p:sp>
+      <p:sp>
+        <p:nvSpPr>
+          <p:cNvPr id="9" name="PlaceHolder 3"/>
           <p:cNvSpPr>
             <a:spLocks noGrp="1"/>
           </p:cNvSpPr>
@@ -941,7 +2326,7 @@
         <p:spPr>
           <a:xfrm>
             <a:off x="5152680" y="1368000"/>
-            <a:ext cx="4426920" cy="3288240"/>
+            <a:ext cx="4426920" cy="3287880"/>
           </a:xfrm>
           <a:prstGeom prst="rect">
             <a:avLst/>
@@ -950,7 +2335,7 @@
         <p:txBody>
           <a:bodyPr lIns="0" rIns="0" tIns="0" bIns="0"/>
           <a:p>
-            <a:endParaRPr b="0" lang="de-DE" sz="2600" spc="-1" strike="noStrike">
+            <a:endParaRPr b="0" lang="en-ZA" sz="3200" spc="-1" strike="noStrike">
               <a:solidFill>
                 <a:srgbClr val="000000"/>
               </a:solidFill>
@@ -988,7 +2373,7 @@
       </p:grpSpPr>
       <p:sp>
         <p:nvSpPr>
-          <p:cNvPr id="13" name="PlaceHolder 1"/>
+          <p:cNvPr id="10" name="PlaceHolder 1"/>
           <p:cNvSpPr>
             <a:spLocks noGrp="1"/>
           </p:cNvSpPr>
@@ -999,7 +2384,7 @@
         <p:spPr>
           <a:xfrm>
             <a:off x="504000" y="216000"/>
-            <a:ext cx="7020000" cy="936000"/>
+            <a:ext cx="7019640" cy="935640"/>
           </a:xfrm>
           <a:prstGeom prst="rect">
             <a:avLst/>
@@ -1008,9 +2393,10 @@
         <p:txBody>
           <a:bodyPr lIns="0" rIns="0" tIns="0" bIns="0" anchor="ctr"/>
           <a:p>
-            <a:endParaRPr b="0" lang="de-DE" sz="3570" spc="-1" strike="noStrike">
-              <a:solidFill>
-                <a:srgbClr val="ffffff"/>
+            <a:pPr algn="ctr"/>
+            <a:endParaRPr b="0" lang="en-ZA" sz="4400" spc="-1" strike="noStrike">
+              <a:solidFill>
+                <a:srgbClr val="000000"/>
               </a:solidFill>
               <a:uFill>
                 <a:solidFill>
@@ -1046,7 +2432,7 @@
       </p:grpSpPr>
       <p:sp>
         <p:nvSpPr>
-          <p:cNvPr id="14" name="PlaceHolder 1"/>
+          <p:cNvPr id="11" name="PlaceHolder 1"/>
           <p:cNvSpPr>
             <a:spLocks noGrp="1"/>
           </p:cNvSpPr>
@@ -1057,7 +2443,7 @@
         <p:spPr>
           <a:xfrm>
             <a:off x="504000" y="216000"/>
-            <a:ext cx="7020000" cy="4340160"/>
+            <a:ext cx="7019640" cy="4338360"/>
           </a:xfrm>
           <a:prstGeom prst="rect">
             <a:avLst/>
@@ -1067,7 +2453,7 @@
           <a:bodyPr lIns="0" rIns="0" tIns="0" bIns="0" anchor="ctr"/>
           <a:p>
             <a:pPr algn="ctr"/>
-            <a:endParaRPr b="0" lang="de-DE" sz="3200" spc="-1" strike="noStrike">
+            <a:endParaRPr b="0" lang="en-ZA" sz="3200" spc="-1" strike="noStrike">
               <a:solidFill>
                 <a:srgbClr val="000000"/>
               </a:solidFill>
@@ -1105,7 +2491,7 @@
       </p:grpSpPr>
       <p:sp>
         <p:nvSpPr>
-          <p:cNvPr id="15" name="PlaceHolder 1"/>
+          <p:cNvPr id="12" name="PlaceHolder 1"/>
           <p:cNvSpPr>
             <a:spLocks noGrp="1"/>
           </p:cNvSpPr>
@@ -1116,7 +2502,7 @@
         <p:spPr>
           <a:xfrm>
             <a:off x="504000" y="216000"/>
-            <a:ext cx="7020000" cy="936000"/>
+            <a:ext cx="7019640" cy="935640"/>
           </a:xfrm>
           <a:prstGeom prst="rect">
             <a:avLst/>
@@ -1125,23 +2511,24 @@
         <p:txBody>
           <a:bodyPr lIns="0" rIns="0" tIns="0" bIns="0" anchor="ctr"/>
           <a:p>
-            <a:endParaRPr b="0" lang="de-DE" sz="3570" spc="-1" strike="noStrike">
-              <a:solidFill>
-                <a:srgbClr val="ffffff"/>
-              </a:solidFill>
-              <a:uFill>
-                <a:solidFill>
-                  <a:srgbClr val="ffffff"/>
-                </a:solidFill>
-              </a:uFill>
-              <a:latin typeface="Arial"/>
-            </a:endParaRPr>
-          </a:p>
-        </p:txBody>
-      </p:sp>
-      <p:sp>
-        <p:nvSpPr>
-          <p:cNvPr id="16" name="PlaceHolder 2"/>
+            <a:pPr algn="ctr"/>
+            <a:endParaRPr b="0" lang="en-ZA" sz="4400" spc="-1" strike="noStrike">
+              <a:solidFill>
+                <a:srgbClr val="000000"/>
+              </a:solidFill>
+              <a:uFill>
+                <a:solidFill>
+                  <a:srgbClr val="ffffff"/>
+                </a:solidFill>
+              </a:uFill>
+              <a:latin typeface="Arial"/>
+            </a:endParaRPr>
+          </a:p>
+        </p:txBody>
+      </p:sp>
+      <p:sp>
+        <p:nvSpPr>
+          <p:cNvPr id="13" name="PlaceHolder 2"/>
           <p:cNvSpPr>
             <a:spLocks noGrp="1"/>
           </p:cNvSpPr>
@@ -1161,23 +2548,23 @@
         <p:txBody>
           <a:bodyPr lIns="0" rIns="0" tIns="0" bIns="0"/>
           <a:p>
-            <a:endParaRPr b="0" lang="de-DE" sz="2600" spc="-1" strike="noStrike">
-              <a:solidFill>
-                <a:srgbClr val="000000"/>
-              </a:solidFill>
-              <a:uFill>
-                <a:solidFill>
-                  <a:srgbClr val="ffffff"/>
-                </a:solidFill>
-              </a:uFill>
-              <a:latin typeface="Arial"/>
-            </a:endParaRPr>
-          </a:p>
-        </p:txBody>
-      </p:sp>
-      <p:sp>
-        <p:nvSpPr>
-          <p:cNvPr id="17" name="PlaceHolder 3"/>
+            <a:endParaRPr b="0" lang="en-ZA" sz="3200" spc="-1" strike="noStrike">
+              <a:solidFill>
+                <a:srgbClr val="000000"/>
+              </a:solidFill>
+              <a:uFill>
+                <a:solidFill>
+                  <a:srgbClr val="ffffff"/>
+                </a:solidFill>
+              </a:uFill>
+              <a:latin typeface="Arial"/>
+            </a:endParaRPr>
+          </a:p>
+        </p:txBody>
+      </p:sp>
+      <p:sp>
+        <p:nvSpPr>
+          <p:cNvPr id="14" name="PlaceHolder 3"/>
           <p:cNvSpPr>
             <a:spLocks noGrp="1"/>
           </p:cNvSpPr>
@@ -1197,23 +2584,23 @@
         <p:txBody>
           <a:bodyPr lIns="0" rIns="0" tIns="0" bIns="0"/>
           <a:p>
-            <a:endParaRPr b="0" lang="de-DE" sz="2600" spc="-1" strike="noStrike">
-              <a:solidFill>
-                <a:srgbClr val="000000"/>
-              </a:solidFill>
-              <a:uFill>
-                <a:solidFill>
-                  <a:srgbClr val="ffffff"/>
-                </a:solidFill>
-              </a:uFill>
-              <a:latin typeface="Arial"/>
-            </a:endParaRPr>
-          </a:p>
-        </p:txBody>
-      </p:sp>
-      <p:sp>
-        <p:nvSpPr>
-          <p:cNvPr id="18" name="PlaceHolder 4"/>
+            <a:endParaRPr b="0" lang="en-ZA" sz="3200" spc="-1" strike="noStrike">
+              <a:solidFill>
+                <a:srgbClr val="000000"/>
+              </a:solidFill>
+              <a:uFill>
+                <a:solidFill>
+                  <a:srgbClr val="ffffff"/>
+                </a:solidFill>
+              </a:uFill>
+              <a:latin typeface="Arial"/>
+            </a:endParaRPr>
+          </a:p>
+        </p:txBody>
+      </p:sp>
+      <p:sp>
+        <p:nvSpPr>
+          <p:cNvPr id="15" name="PlaceHolder 4"/>
           <p:cNvSpPr>
             <a:spLocks noGrp="1"/>
           </p:cNvSpPr>
@@ -1224,7 +2611,7 @@
         <p:spPr>
           <a:xfrm>
             <a:off x="5152680" y="1368000"/>
-            <a:ext cx="4426920" cy="3288240"/>
+            <a:ext cx="4426920" cy="3287880"/>
           </a:xfrm>
           <a:prstGeom prst="rect">
             <a:avLst/>
@@ -1233,7 +2620,7 @@
         <p:txBody>
           <a:bodyPr lIns="0" rIns="0" tIns="0" bIns="0"/>
           <a:p>
-            <a:endParaRPr b="0" lang="de-DE" sz="2600" spc="-1" strike="noStrike">
+            <a:endParaRPr b="0" lang="en-ZA" sz="3200" spc="-1" strike="noStrike">
               <a:solidFill>
                 <a:srgbClr val="000000"/>
               </a:solidFill>
@@ -1271,7 +2658,7 @@
       </p:grpSpPr>
       <p:sp>
         <p:nvSpPr>
-          <p:cNvPr id="19" name="PlaceHolder 1"/>
+          <p:cNvPr id="16" name="PlaceHolder 1"/>
           <p:cNvSpPr>
             <a:spLocks noGrp="1"/>
           </p:cNvSpPr>
@@ -1282,7 +2669,7 @@
         <p:spPr>
           <a:xfrm>
             <a:off x="504000" y="216000"/>
-            <a:ext cx="7020000" cy="936000"/>
+            <a:ext cx="7019640" cy="935640"/>
           </a:xfrm>
           <a:prstGeom prst="rect">
             <a:avLst/>
@@ -1291,23 +2678,24 @@
         <p:txBody>
           <a:bodyPr lIns="0" rIns="0" tIns="0" bIns="0" anchor="ctr"/>
           <a:p>
-            <a:endParaRPr b="0" lang="de-DE" sz="3570" spc="-1" strike="noStrike">
-              <a:solidFill>
-                <a:srgbClr val="ffffff"/>
-              </a:solidFill>
-              <a:uFill>
-                <a:solidFill>
-                  <a:srgbClr val="ffffff"/>
-                </a:solidFill>
-              </a:uFill>
-              <a:latin typeface="Arial"/>
-            </a:endParaRPr>
-          </a:p>
-        </p:txBody>
-      </p:sp>
-      <p:sp>
-        <p:nvSpPr>
-          <p:cNvPr id="20" name="PlaceHolder 2"/>
+            <a:pPr algn="ctr"/>
+            <a:endParaRPr b="0" lang="en-ZA" sz="4400" spc="-1" strike="noStrike">
+              <a:solidFill>
+                <a:srgbClr val="000000"/>
+              </a:solidFill>
+              <a:uFill>
+                <a:solidFill>
+                  <a:srgbClr val="ffffff"/>
+                </a:solidFill>
+              </a:uFill>
+              <a:latin typeface="Arial"/>
+            </a:endParaRPr>
+          </a:p>
+        </p:txBody>
+      </p:sp>
+      <p:sp>
+        <p:nvSpPr>
+          <p:cNvPr id="17" name="PlaceHolder 2"/>
           <p:cNvSpPr>
             <a:spLocks noGrp="1"/>
           </p:cNvSpPr>
@@ -1318,7 +2706,7 @@
         <p:spPr>
           <a:xfrm>
             <a:off x="504000" y="1368000"/>
-            <a:ext cx="4426920" cy="3288240"/>
+            <a:ext cx="4426920" cy="3287880"/>
           </a:xfrm>
           <a:prstGeom prst="rect">
             <a:avLst/>
@@ -1327,23 +2715,23 @@
         <p:txBody>
           <a:bodyPr lIns="0" rIns="0" tIns="0" bIns="0"/>
           <a:p>
-            <a:endParaRPr b="0" lang="de-DE" sz="2600" spc="-1" strike="noStrike">
-              <a:solidFill>
-                <a:srgbClr val="000000"/>
-              </a:solidFill>
-              <a:uFill>
-                <a:solidFill>
-                  <a:srgbClr val="ffffff"/>
-                </a:solidFill>
-              </a:uFill>
-              <a:latin typeface="Arial"/>
-            </a:endParaRPr>
-          </a:p>
-        </p:txBody>
-      </p:sp>
-      <p:sp>
-        <p:nvSpPr>
-          <p:cNvPr id="21" name="PlaceHolder 3"/>
+            <a:endParaRPr b="0" lang="en-ZA" sz="3200" spc="-1" strike="noStrike">
+              <a:solidFill>
+                <a:srgbClr val="000000"/>
+              </a:solidFill>
+              <a:uFill>
+                <a:solidFill>
+                  <a:srgbClr val="ffffff"/>
+                </a:solidFill>
+              </a:uFill>
+              <a:latin typeface="Arial"/>
+            </a:endParaRPr>
+          </a:p>
+        </p:txBody>
+      </p:sp>
+      <p:sp>
+        <p:nvSpPr>
+          <p:cNvPr id="18" name="PlaceHolder 3"/>
           <p:cNvSpPr>
             <a:spLocks noGrp="1"/>
           </p:cNvSpPr>
@@ -1363,23 +2751,23 @@
         <p:txBody>
           <a:bodyPr lIns="0" rIns="0" tIns="0" bIns="0"/>
           <a:p>
-            <a:endParaRPr b="0" lang="de-DE" sz="2600" spc="-1" strike="noStrike">
-              <a:solidFill>
-                <a:srgbClr val="000000"/>
-              </a:solidFill>
-              <a:uFill>
-                <a:solidFill>
-                  <a:srgbClr val="ffffff"/>
-                </a:solidFill>
-              </a:uFill>
-              <a:latin typeface="Arial"/>
-            </a:endParaRPr>
-          </a:p>
-        </p:txBody>
-      </p:sp>
-      <p:sp>
-        <p:nvSpPr>
-          <p:cNvPr id="22" name="PlaceHolder 4"/>
+            <a:endParaRPr b="0" lang="en-ZA" sz="3200" spc="-1" strike="noStrike">
+              <a:solidFill>
+                <a:srgbClr val="000000"/>
+              </a:solidFill>
+              <a:uFill>
+                <a:solidFill>
+                  <a:srgbClr val="ffffff"/>
+                </a:solidFill>
+              </a:uFill>
+              <a:latin typeface="Arial"/>
+            </a:endParaRPr>
+          </a:p>
+        </p:txBody>
+      </p:sp>
+      <p:sp>
+        <p:nvSpPr>
+          <p:cNvPr id="19" name="PlaceHolder 4"/>
           <p:cNvSpPr>
             <a:spLocks noGrp="1"/>
           </p:cNvSpPr>
@@ -1399,7 +2787,7 @@
         <p:txBody>
           <a:bodyPr lIns="0" rIns="0" tIns="0" bIns="0"/>
           <a:p>
-            <a:endParaRPr b="0" lang="de-DE" sz="2600" spc="-1" strike="noStrike">
+            <a:endParaRPr b="0" lang="en-ZA" sz="3200" spc="-1" strike="noStrike">
               <a:solidFill>
                 <a:srgbClr val="000000"/>
               </a:solidFill>
@@ -1437,7 +2825,7 @@
       </p:grpSpPr>
       <p:sp>
         <p:nvSpPr>
-          <p:cNvPr id="23" name="PlaceHolder 1"/>
+          <p:cNvPr id="20" name="PlaceHolder 1"/>
           <p:cNvSpPr>
             <a:spLocks noGrp="1"/>
           </p:cNvSpPr>
@@ -1448,7 +2836,7 @@
         <p:spPr>
           <a:xfrm>
             <a:off x="504000" y="216000"/>
-            <a:ext cx="7020000" cy="936000"/>
+            <a:ext cx="7019640" cy="935640"/>
           </a:xfrm>
           <a:prstGeom prst="rect">
             <a:avLst/>
@@ -1457,23 +2845,24 @@
         <p:txBody>
           <a:bodyPr lIns="0" rIns="0" tIns="0" bIns="0" anchor="ctr"/>
           <a:p>
-            <a:endParaRPr b="0" lang="de-DE" sz="3570" spc="-1" strike="noStrike">
-              <a:solidFill>
-                <a:srgbClr val="ffffff"/>
-              </a:solidFill>
-              <a:uFill>
-                <a:solidFill>
-                  <a:srgbClr val="ffffff"/>
-                </a:solidFill>
-              </a:uFill>
-              <a:latin typeface="Arial"/>
-            </a:endParaRPr>
-          </a:p>
-        </p:txBody>
-      </p:sp>
-      <p:sp>
-        <p:nvSpPr>
-          <p:cNvPr id="24" name="PlaceHolder 2"/>
+            <a:pPr algn="ctr"/>
+            <a:endParaRPr b="0" lang="en-ZA" sz="4400" spc="-1" strike="noStrike">
+              <a:solidFill>
+                <a:srgbClr val="000000"/>
+              </a:solidFill>
+              <a:uFill>
+                <a:solidFill>
+                  <a:srgbClr val="ffffff"/>
+                </a:solidFill>
+              </a:uFill>
+              <a:latin typeface="Arial"/>
+            </a:endParaRPr>
+          </a:p>
+        </p:txBody>
+      </p:sp>
+      <p:sp>
+        <p:nvSpPr>
+          <p:cNvPr id="21" name="PlaceHolder 2"/>
           <p:cNvSpPr>
             <a:spLocks noGrp="1"/>
           </p:cNvSpPr>
@@ -1493,23 +2882,23 @@
         <p:txBody>
           <a:bodyPr lIns="0" rIns="0" tIns="0" bIns="0"/>
           <a:p>
-            <a:endParaRPr b="0" lang="de-DE" sz="2600" spc="-1" strike="noStrike">
-              <a:solidFill>
-                <a:srgbClr val="000000"/>
-              </a:solidFill>
-              <a:uFill>
-                <a:solidFill>
-                  <a:srgbClr val="ffffff"/>
-                </a:solidFill>
-              </a:uFill>
-              <a:latin typeface="Arial"/>
-            </a:endParaRPr>
-          </a:p>
-        </p:txBody>
-      </p:sp>
-      <p:sp>
-        <p:nvSpPr>
-          <p:cNvPr id="25" name="PlaceHolder 3"/>
+            <a:endParaRPr b="0" lang="en-ZA" sz="3200" spc="-1" strike="noStrike">
+              <a:solidFill>
+                <a:srgbClr val="000000"/>
+              </a:solidFill>
+              <a:uFill>
+                <a:solidFill>
+                  <a:srgbClr val="ffffff"/>
+                </a:solidFill>
+              </a:uFill>
+              <a:latin typeface="Arial"/>
+            </a:endParaRPr>
+          </a:p>
+        </p:txBody>
+      </p:sp>
+      <p:sp>
+        <p:nvSpPr>
+          <p:cNvPr id="22" name="PlaceHolder 3"/>
           <p:cNvSpPr>
             <a:spLocks noGrp="1"/>
           </p:cNvSpPr>
@@ -1529,23 +2918,23 @@
         <p:txBody>
           <a:bodyPr lIns="0" rIns="0" tIns="0" bIns="0"/>
           <a:p>
-            <a:endParaRPr b="0" lang="de-DE" sz="2600" spc="-1" strike="noStrike">
-              <a:solidFill>
-                <a:srgbClr val="000000"/>
-              </a:solidFill>
-              <a:uFill>
-                <a:solidFill>
-                  <a:srgbClr val="ffffff"/>
-                </a:solidFill>
-              </a:uFill>
-              <a:latin typeface="Arial"/>
-            </a:endParaRPr>
-          </a:p>
-        </p:txBody>
-      </p:sp>
-      <p:sp>
-        <p:nvSpPr>
-          <p:cNvPr id="26" name="PlaceHolder 4"/>
+            <a:endParaRPr b="0" lang="en-ZA" sz="3200" spc="-1" strike="noStrike">
+              <a:solidFill>
+                <a:srgbClr val="000000"/>
+              </a:solidFill>
+              <a:uFill>
+                <a:solidFill>
+                  <a:srgbClr val="ffffff"/>
+                </a:solidFill>
+              </a:uFill>
+              <a:latin typeface="Arial"/>
+            </a:endParaRPr>
+          </a:p>
+        </p:txBody>
+      </p:sp>
+      <p:sp>
+        <p:nvSpPr>
+          <p:cNvPr id="23" name="PlaceHolder 4"/>
           <p:cNvSpPr>
             <a:spLocks noGrp="1"/>
           </p:cNvSpPr>
@@ -1556,7 +2945,7 @@
         <p:spPr>
           <a:xfrm>
             <a:off x="504000" y="3085560"/>
-            <a:ext cx="9072000" cy="1568160"/>
+            <a:ext cx="9071640" cy="1568160"/>
           </a:xfrm>
           <a:prstGeom prst="rect">
             <a:avLst/>
@@ -1565,7 +2954,7 @@
         <p:txBody>
           <a:bodyPr lIns="0" rIns="0" tIns="0" bIns="0"/>
           <a:p>
-            <a:endParaRPr b="0" lang="de-DE" sz="2600" spc="-1" strike="noStrike">
+            <a:endParaRPr b="0" lang="en-ZA" sz="3200" spc="-1" strike="noStrike">
               <a:solidFill>
                 <a:srgbClr val="000000"/>
               </a:solidFill>
@@ -1614,7 +3003,7 @@
         <p:spPr>
           <a:xfrm>
             <a:off x="-58320" y="81000"/>
-            <a:ext cx="7794360" cy="1205640"/>
+            <a:ext cx="7794000" cy="1205280"/>
           </a:xfrm>
           <a:prstGeom prst="rect">
             <a:avLst/>
@@ -1637,7 +3026,7 @@
         <p:spPr>
           <a:xfrm>
             <a:off x="504000" y="216000"/>
-            <a:ext cx="7020000" cy="936000"/>
+            <a:ext cx="7019640" cy="935640"/>
           </a:xfrm>
           <a:prstGeom prst="rect">
             <a:avLst/>
@@ -1646,23 +3035,10 @@
         <p:txBody>
           <a:bodyPr lIns="0" rIns="0" tIns="0" bIns="0" anchor="ctr"/>
           <a:p>
-            <a:r>
-              <a:rPr b="0" lang="de-DE" sz="3570" spc="-1" strike="noStrike">
-                <a:solidFill>
-                  <a:srgbClr val="ffffff"/>
-                </a:solidFill>
-                <a:uFill>
-                  <a:solidFill>
-                    <a:srgbClr val="ffffff"/>
-                  </a:solidFill>
-                </a:uFill>
-                <a:latin typeface="Arial"/>
-              </a:rPr>
-              <a:t>Click to edit the title text format</a:t>
-            </a:r>
-            <a:endParaRPr b="0" lang="de-DE" sz="3570" spc="-1" strike="noStrike">
-              <a:solidFill>
-                <a:srgbClr val="ffffff"/>
+            <a:pPr algn="ctr"/>
+            <a:endParaRPr b="0" lang="en-ZA" sz="4400" spc="-1" strike="noStrike">
+              <a:solidFill>
+                <a:srgbClr val="000000"/>
               </a:solidFill>
               <a:uFill>
                 <a:solidFill>
@@ -1686,8 +3062,8 @@
         </p:nvSpPr>
         <p:spPr>
           <a:xfrm>
-            <a:off x="504000" y="1368000"/>
-            <a:ext cx="9072000" cy="3288240"/>
+            <a:off x="504000" y="1326600"/>
+            <a:ext cx="9072000" cy="3288600"/>
           </a:xfrm>
           <a:prstGeom prst="rect">
             <a:avLst/>
@@ -1697,9 +3073,6 @@
           <a:bodyPr lIns="0" rIns="0" tIns="0" bIns="0"/>
           <a:p>
             <a:pPr marL="432000" indent="-324000">
-              <a:spcAft>
-                <a:spcPts val="1148"/>
-              </a:spcAft>
               <a:buClr>
                 <a:srgbClr val="000000"/>
               </a:buClr>
@@ -1708,7 +3081,7 @@
               <a:buChar char=""/>
             </a:pPr>
             <a:r>
-              <a:rPr b="0" lang="de-DE" sz="2600" spc="-1" strike="noStrike">
+              <a:rPr b="0" lang="en-ZA" sz="3200" spc="-1" strike="noStrike">
                 <a:solidFill>
                   <a:srgbClr val="000000"/>
                 </a:solidFill>
@@ -1721,7 +3094,7 @@
               </a:rPr>
               <a:t>Click to edit the outline text format</a:t>
             </a:r>
-            <a:endParaRPr b="0" lang="de-DE" sz="2600" spc="-1" strike="noStrike">
+            <a:endParaRPr b="0" lang="en-ZA" sz="3200" spc="-1" strike="noStrike">
               <a:solidFill>
                 <a:srgbClr val="000000"/>
               </a:solidFill>
@@ -1735,9 +3108,6 @@
           </a:p>
           <a:p>
             <a:pPr lvl="1" marL="864000" indent="-324000">
-              <a:spcAft>
-                <a:spcPts val="918"/>
-              </a:spcAft>
               <a:buClr>
                 <a:srgbClr val="000000"/>
               </a:buClr>
@@ -1746,7 +3116,7 @@
               <a:buChar char=""/>
             </a:pPr>
             <a:r>
-              <a:rPr b="0" lang="de-DE" sz="2280" spc="-1" strike="noStrike">
+              <a:rPr b="0" lang="en-ZA" sz="2800" spc="-1" strike="noStrike">
                 <a:solidFill>
                   <a:srgbClr val="000000"/>
                 </a:solidFill>
@@ -1759,7 +3129,7 @@
               </a:rPr>
               <a:t>Second Outline Level</a:t>
             </a:r>
-            <a:endParaRPr b="0" lang="de-DE" sz="2280" spc="-1" strike="noStrike">
+            <a:endParaRPr b="0" lang="en-ZA" sz="2800" spc="-1" strike="noStrike">
               <a:solidFill>
                 <a:srgbClr val="000000"/>
               </a:solidFill>
@@ -1773,9 +3143,6 @@
           </a:p>
           <a:p>
             <a:pPr lvl="2" marL="1296000" indent="-288000">
-              <a:spcAft>
-                <a:spcPts val="689"/>
-              </a:spcAft>
               <a:buClr>
                 <a:srgbClr val="000000"/>
               </a:buClr>
@@ -1784,7 +3151,7 @@
               <a:buChar char=""/>
             </a:pPr>
             <a:r>
-              <a:rPr b="0" lang="de-DE" sz="1950" spc="-1" strike="noStrike">
+              <a:rPr b="0" lang="en-ZA" sz="2400" spc="-1" strike="noStrike">
                 <a:solidFill>
                   <a:srgbClr val="000000"/>
                 </a:solidFill>
@@ -1797,7 +3164,7 @@
               </a:rPr>
               <a:t>Third Outline Level</a:t>
             </a:r>
-            <a:endParaRPr b="0" lang="de-DE" sz="1950" spc="-1" strike="noStrike">
+            <a:endParaRPr b="0" lang="en-ZA" sz="2400" spc="-1" strike="noStrike">
               <a:solidFill>
                 <a:srgbClr val="000000"/>
               </a:solidFill>
@@ -1811,9 +3178,6 @@
           </a:p>
           <a:p>
             <a:pPr lvl="3" marL="1728000" indent="-216000">
-              <a:spcAft>
-                <a:spcPts val="459"/>
-              </a:spcAft>
               <a:buClr>
                 <a:srgbClr val="000000"/>
               </a:buClr>
@@ -1822,7 +3186,7 @@
               <a:buChar char=""/>
             </a:pPr>
             <a:r>
-              <a:rPr b="0" lang="de-DE" sz="1629" spc="-1" strike="noStrike">
+              <a:rPr b="0" lang="en-ZA" sz="2000" spc="-1" strike="noStrike">
                 <a:solidFill>
                   <a:srgbClr val="000000"/>
                 </a:solidFill>
@@ -1835,7 +3199,7 @@
               </a:rPr>
               <a:t>Fourth Outline Level</a:t>
             </a:r>
-            <a:endParaRPr b="0" lang="de-DE" sz="1629" spc="-1" strike="noStrike">
+            <a:endParaRPr b="0" lang="en-ZA" sz="2000" spc="-1" strike="noStrike">
               <a:solidFill>
                 <a:srgbClr val="000000"/>
               </a:solidFill>
@@ -1849,9 +3213,6 @@
           </a:p>
           <a:p>
             <a:pPr lvl="4" marL="2160000" indent="-216000">
-              <a:spcAft>
-                <a:spcPts val="230"/>
-              </a:spcAft>
               <a:buClr>
                 <a:srgbClr val="000000"/>
               </a:buClr>
@@ -1860,7 +3221,7 @@
               <a:buChar char=""/>
             </a:pPr>
             <a:r>
-              <a:rPr b="0" lang="de-DE" sz="1629" spc="-1" strike="noStrike">
+              <a:rPr b="0" lang="en-ZA" sz="2000" spc="-1" strike="noStrike">
                 <a:solidFill>
                   <a:srgbClr val="000000"/>
                 </a:solidFill>
@@ -1873,7 +3234,7 @@
               </a:rPr>
               <a:t>Fifth Outline Level</a:t>
             </a:r>
-            <a:endParaRPr b="0" lang="de-DE" sz="1629" spc="-1" strike="noStrike">
+            <a:endParaRPr b="0" lang="en-ZA" sz="2000" spc="-1" strike="noStrike">
               <a:solidFill>
                 <a:srgbClr val="000000"/>
               </a:solidFill>
@@ -1887,9 +3248,6 @@
           </a:p>
           <a:p>
             <a:pPr lvl="5" marL="2592000" indent="-216000">
-              <a:spcAft>
-                <a:spcPts val="230"/>
-              </a:spcAft>
               <a:buClr>
                 <a:srgbClr val="000000"/>
               </a:buClr>
@@ -1898,7 +3256,7 @@
               <a:buChar char=""/>
             </a:pPr>
             <a:r>
-              <a:rPr b="0" lang="de-DE" sz="1629" spc="-1" strike="noStrike">
+              <a:rPr b="0" lang="en-ZA" sz="2000" spc="-1" strike="noStrike">
                 <a:solidFill>
                   <a:srgbClr val="000000"/>
                 </a:solidFill>
@@ -1911,7 +3269,7 @@
               </a:rPr>
               <a:t>Sixth Outline Level</a:t>
             </a:r>
-            <a:endParaRPr b="0" lang="de-DE" sz="1629" spc="-1" strike="noStrike">
+            <a:endParaRPr b="0" lang="en-ZA" sz="2000" spc="-1" strike="noStrike">
               <a:solidFill>
                 <a:srgbClr val="000000"/>
               </a:solidFill>
@@ -1925,9 +3283,6 @@
           </a:p>
           <a:p>
             <a:pPr lvl="6" marL="3024000" indent="-216000">
-              <a:spcAft>
-                <a:spcPts val="230"/>
-              </a:spcAft>
               <a:buClr>
                 <a:srgbClr val="000000"/>
               </a:buClr>
@@ -1936,7 +3291,7 @@
               <a:buChar char=""/>
             </a:pPr>
             <a:r>
-              <a:rPr b="0" lang="de-DE" sz="1629" spc="-1" strike="noStrike">
+              <a:rPr b="0" lang="en-ZA" sz="2000" spc="-1" strike="noStrike">
                 <a:solidFill>
                   <a:srgbClr val="000000"/>
                 </a:solidFill>
@@ -1949,159 +3304,7 @@
               </a:rPr>
               <a:t>Seventh Outline Level</a:t>
             </a:r>
-            <a:endParaRPr b="0" lang="de-DE" sz="1629" spc="-1" strike="noStrike">
-              <a:solidFill>
-                <a:srgbClr val="000000"/>
-              </a:solidFill>
-              <a:uFill>
-                <a:solidFill>
-                  <a:srgbClr val="ffffff"/>
-                </a:solidFill>
-              </a:uFill>
-              <a:latin typeface="Arial"/>
-            </a:endParaRPr>
-          </a:p>
-        </p:txBody>
-      </p:sp>
-      <p:sp>
-        <p:nvSpPr>
-          <p:cNvPr id="3" name="PlaceHolder 3"/>
-          <p:cNvSpPr>
-            <a:spLocks noGrp="1"/>
-          </p:cNvSpPr>
-          <p:nvPr>
-            <p:ph type="dt"/>
-          </p:nvPr>
-        </p:nvSpPr>
-        <p:spPr>
-          <a:xfrm>
-            <a:off x="504000" y="5164920"/>
-            <a:ext cx="2348280" cy="390600"/>
-          </a:xfrm>
-          <a:prstGeom prst="rect">
-            <a:avLst/>
-          </a:prstGeom>
-        </p:spPr>
-        <p:txBody>
-          <a:bodyPr lIns="0" rIns="0" tIns="0" bIns="0"/>
-          <a:p>
-            <a:r>
-              <a:rPr b="0" lang="de-DE" sz="1400" spc="-1" strike="noStrike">
-                <a:solidFill>
-                  <a:srgbClr val="000000"/>
-                </a:solidFill>
-                <a:uFill>
-                  <a:solidFill>
-                    <a:srgbClr val="ffffff"/>
-                  </a:solidFill>
-                </a:uFill>
-                <a:latin typeface="Arial"/>
-              </a:rPr>
-              <a:t>&lt;date/time&gt;</a:t>
-            </a:r>
-            <a:endParaRPr b="0" lang="de-DE" sz="1400" spc="-1" strike="noStrike">
-              <a:solidFill>
-                <a:srgbClr val="000000"/>
-              </a:solidFill>
-              <a:uFill>
-                <a:solidFill>
-                  <a:srgbClr val="ffffff"/>
-                </a:solidFill>
-              </a:uFill>
-              <a:latin typeface="Arial"/>
-            </a:endParaRPr>
-          </a:p>
-        </p:txBody>
-      </p:sp>
-      <p:sp>
-        <p:nvSpPr>
-          <p:cNvPr id="4" name="PlaceHolder 4"/>
-          <p:cNvSpPr>
-            <a:spLocks noGrp="1"/>
-          </p:cNvSpPr>
-          <p:nvPr>
-            <p:ph type="ftr"/>
-          </p:nvPr>
-        </p:nvSpPr>
-        <p:spPr>
-          <a:xfrm>
-            <a:off x="3447000" y="5164920"/>
-            <a:ext cx="3195000" cy="390600"/>
-          </a:xfrm>
-          <a:prstGeom prst="rect">
-            <a:avLst/>
-          </a:prstGeom>
-        </p:spPr>
-        <p:txBody>
-          <a:bodyPr lIns="0" rIns="0" tIns="0" bIns="0"/>
-          <a:p>
-            <a:pPr algn="ctr"/>
-            <a:r>
-              <a:rPr b="0" lang="de-DE" sz="1400" spc="-1" strike="noStrike">
-                <a:solidFill>
-                  <a:srgbClr val="000000"/>
-                </a:solidFill>
-                <a:uFill>
-                  <a:solidFill>
-                    <a:srgbClr val="ffffff"/>
-                  </a:solidFill>
-                </a:uFill>
-                <a:latin typeface="Arial"/>
-              </a:rPr>
-              <a:t>&lt;footer&gt;</a:t>
-            </a:r>
-            <a:endParaRPr b="0" lang="de-DE" sz="1400" spc="-1" strike="noStrike">
-              <a:solidFill>
-                <a:srgbClr val="000000"/>
-              </a:solidFill>
-              <a:uFill>
-                <a:solidFill>
-                  <a:srgbClr val="ffffff"/>
-                </a:solidFill>
-              </a:uFill>
-              <a:latin typeface="Arial"/>
-            </a:endParaRPr>
-          </a:p>
-        </p:txBody>
-      </p:sp>
-      <p:sp>
-        <p:nvSpPr>
-          <p:cNvPr id="5" name="PlaceHolder 5"/>
-          <p:cNvSpPr>
-            <a:spLocks noGrp="1"/>
-          </p:cNvSpPr>
-          <p:nvPr>
-            <p:ph type="sldNum"/>
-          </p:nvPr>
-        </p:nvSpPr>
-        <p:spPr>
-          <a:xfrm>
-            <a:off x="7227000" y="5164920"/>
-            <a:ext cx="2348280" cy="390600"/>
-          </a:xfrm>
-          <a:prstGeom prst="rect">
-            <a:avLst/>
-          </a:prstGeom>
-        </p:spPr>
-        <p:txBody>
-          <a:bodyPr lIns="0" rIns="0" tIns="0" bIns="0"/>
-          <a:p>
-            <a:pPr algn="r"/>
-            <a:fld id="{7DCCC87B-F05A-4DF6-BF8E-8F9F4DF4430F}" type="slidenum">
-              <a:rPr b="0" lang="de-DE" sz="1400" spc="-1" strike="noStrike">
-                <a:solidFill>
-                  <a:srgbClr val="000000"/>
-                </a:solidFill>
-                <a:uFill>
-                  <a:solidFill>
-                    <a:srgbClr val="ffffff"/>
-                  </a:solidFill>
-                </a:uFill>
-                <a:latin typeface="Arial"/>
-              </a:rPr>
-              <a:t>&lt;number&gt;</a:t>
-            </a:fld>
-            <a:endParaRPr b="0" lang="de-DE" sz="1400" spc="-1" strike="noStrike">
+            <a:endParaRPr b="0" lang="en-ZA" sz="2000" spc="-1" strike="noStrike">
               <a:solidFill>
                 <a:srgbClr val="000000"/>
               </a:solidFill>
@@ -2131,6 +3334,371 @@
     <p:sldLayoutId id="2147483658" r:id="rId12"/>
     <p:sldLayoutId id="2147483659" r:id="rId13"/>
     <p:sldLayoutId id="2147483660" r:id="rId14"/>
+  </p:sldLayoutIdLst>
+</p:sldMaster>
+</file>
+
+<file path=ppt/slideMasters/slideMaster2.xml><?xml version="1.0" encoding="utf-8"?>
+<p:sldMaster xmlns:a="http://schemas.openxmlformats.org/drawingml/2006/main" xmlns:p="http://schemas.openxmlformats.org/presentationml/2006/main" xmlns:r="http://schemas.openxmlformats.org/officeDocument/2006/relationships" xmlns:p14="http://schemas.microsoft.com/office/powerpoint/2010/main" xmlns:p15="http://schemas.microsoft.com/office/powerpoint/2012/main" xmlns:mc="http://schemas.openxmlformats.org/markup-compatibility/2006">
+  <p:cSld>
+    <p:spTree>
+      <p:nvGrpSpPr>
+        <p:cNvPr id="1" name=""/>
+        <p:cNvGrpSpPr/>
+        <p:nvPr/>
+      </p:nvGrpSpPr>
+      <p:grpSpPr>
+        <a:xfrm>
+          <a:off x="0" y="0"/>
+          <a:ext cx="0" cy="0"/>
+          <a:chOff x="0" y="0"/>
+          <a:chExt cx="0" cy="0"/>
+        </a:xfrm>
+      </p:grpSpPr>
+      <p:pic>
+        <p:nvPicPr>
+          <p:cNvPr id="37" name="" descr=""/>
+          <p:cNvPicPr/>
+          <p:nvPr/>
+        </p:nvPicPr>
+        <p:blipFill>
+          <a:blip r:embed="rId2"/>
+          <a:stretch/>
+        </p:blipFill>
+        <p:spPr>
+          <a:xfrm>
+            <a:off x="-58320" y="81000"/>
+            <a:ext cx="7794000" cy="1205280"/>
+          </a:xfrm>
+          <a:prstGeom prst="rect">
+            <a:avLst/>
+          </a:prstGeom>
+          <a:ln>
+            <a:noFill/>
+          </a:ln>
+        </p:spPr>
+      </p:pic>
+      <p:sp>
+        <p:nvSpPr>
+          <p:cNvPr id="38" name="PlaceHolder 1"/>
+          <p:cNvSpPr>
+            <a:spLocks noGrp="1"/>
+          </p:cNvSpPr>
+          <p:nvPr>
+            <p:ph type="title"/>
+          </p:nvPr>
+        </p:nvSpPr>
+        <p:spPr>
+          <a:xfrm>
+            <a:off x="504000" y="216000"/>
+            <a:ext cx="7019640" cy="935640"/>
+          </a:xfrm>
+          <a:prstGeom prst="rect">
+            <a:avLst/>
+          </a:prstGeom>
+        </p:spPr>
+        <p:txBody>
+          <a:bodyPr lIns="0" rIns="0" tIns="0" bIns="0" anchor="ctr"/>
+          <a:p>
+            <a:pPr algn="ctr"/>
+            <a:endParaRPr b="0" lang="en-ZA" sz="4400" spc="-1" strike="noStrike">
+              <a:solidFill>
+                <a:srgbClr val="000000"/>
+              </a:solidFill>
+              <a:uFill>
+                <a:solidFill>
+                  <a:srgbClr val="ffffff"/>
+                </a:solidFill>
+              </a:uFill>
+              <a:latin typeface="Arial"/>
+            </a:endParaRPr>
+          </a:p>
+        </p:txBody>
+      </p:sp>
+      <p:sp>
+        <p:nvSpPr>
+          <p:cNvPr id="39" name="PlaceHolder 2"/>
+          <p:cNvSpPr>
+            <a:spLocks noGrp="1"/>
+          </p:cNvSpPr>
+          <p:nvPr>
+            <p:ph type="body"/>
+          </p:nvPr>
+        </p:nvSpPr>
+        <p:spPr>
+          <a:xfrm>
+            <a:off x="504000" y="1368000"/>
+            <a:ext cx="9071640" cy="3287880"/>
+          </a:xfrm>
+          <a:prstGeom prst="rect">
+            <a:avLst/>
+          </a:prstGeom>
+        </p:spPr>
+        <p:txBody>
+          <a:bodyPr lIns="0" rIns="0" tIns="0" bIns="0"/>
+          <a:p>
+            <a:pPr marL="432000" indent="-324000">
+              <a:buClr>
+                <a:srgbClr val="000000"/>
+              </a:buClr>
+              <a:buSzPct val="45000"/>
+              <a:buFont typeface="Wingdings" charset="2"/>
+              <a:buChar char=""/>
+            </a:pPr>
+            <a:r>
+              <a:rPr b="0" lang="en-ZA" sz="1800" spc="-1" strike="noStrike">
+                <a:solidFill>
+                  <a:srgbClr val="000000"/>
+                </a:solidFill>
+                <a:uFill>
+                  <a:solidFill>
+                    <a:srgbClr val="ffffff"/>
+                  </a:solidFill>
+                </a:uFill>
+                <a:latin typeface="Arial"/>
+              </a:rPr>
+              <a:t>Click to edit the outline text format</a:t>
+            </a:r>
+            <a:endParaRPr b="0" lang="en-ZA" sz="1800" spc="-1" strike="noStrike">
+              <a:solidFill>
+                <a:srgbClr val="000000"/>
+              </a:solidFill>
+              <a:uFill>
+                <a:solidFill>
+                  <a:srgbClr val="ffffff"/>
+                </a:solidFill>
+              </a:uFill>
+              <a:latin typeface="Arial"/>
+            </a:endParaRPr>
+          </a:p>
+          <a:p>
+            <a:pPr lvl="1" marL="864000" indent="-324000">
+              <a:buClr>
+                <a:srgbClr val="000000"/>
+              </a:buClr>
+              <a:buSzPct val="75000"/>
+              <a:buFont typeface="Symbol" charset="2"/>
+              <a:buChar char=""/>
+            </a:pPr>
+            <a:r>
+              <a:rPr b="0" lang="en-ZA" sz="1800" spc="-1" strike="noStrike">
+                <a:solidFill>
+                  <a:srgbClr val="000000"/>
+                </a:solidFill>
+                <a:uFill>
+                  <a:solidFill>
+                    <a:srgbClr val="ffffff"/>
+                  </a:solidFill>
+                </a:uFill>
+                <a:latin typeface="Arial"/>
+              </a:rPr>
+              <a:t>Second Outline Level</a:t>
+            </a:r>
+            <a:endParaRPr b="0" lang="en-ZA" sz="1800" spc="-1" strike="noStrike">
+              <a:solidFill>
+                <a:srgbClr val="000000"/>
+              </a:solidFill>
+              <a:uFill>
+                <a:solidFill>
+                  <a:srgbClr val="ffffff"/>
+                </a:solidFill>
+              </a:uFill>
+              <a:latin typeface="Arial"/>
+            </a:endParaRPr>
+          </a:p>
+          <a:p>
+            <a:pPr lvl="2" marL="1296000" indent="-288000">
+              <a:buClr>
+                <a:srgbClr val="000000"/>
+              </a:buClr>
+              <a:buSzPct val="45000"/>
+              <a:buFont typeface="Wingdings" charset="2"/>
+              <a:buChar char=""/>
+            </a:pPr>
+            <a:r>
+              <a:rPr b="0" lang="en-ZA" sz="1800" spc="-1" strike="noStrike">
+                <a:solidFill>
+                  <a:srgbClr val="000000"/>
+                </a:solidFill>
+                <a:uFill>
+                  <a:solidFill>
+                    <a:srgbClr val="ffffff"/>
+                  </a:solidFill>
+                </a:uFill>
+                <a:latin typeface="Arial"/>
+              </a:rPr>
+              <a:t>Third Outline Level</a:t>
+            </a:r>
+            <a:endParaRPr b="0" lang="en-ZA" sz="1800" spc="-1" strike="noStrike">
+              <a:solidFill>
+                <a:srgbClr val="000000"/>
+              </a:solidFill>
+              <a:uFill>
+                <a:solidFill>
+                  <a:srgbClr val="ffffff"/>
+                </a:solidFill>
+              </a:uFill>
+              <a:latin typeface="Arial"/>
+            </a:endParaRPr>
+          </a:p>
+          <a:p>
+            <a:pPr lvl="3" marL="1728000" indent="-216000">
+              <a:buClr>
+                <a:srgbClr val="000000"/>
+              </a:buClr>
+              <a:buSzPct val="75000"/>
+              <a:buFont typeface="Symbol" charset="2"/>
+              <a:buChar char=""/>
+            </a:pPr>
+            <a:r>
+              <a:rPr b="0" lang="en-ZA" sz="1800" spc="-1" strike="noStrike">
+                <a:solidFill>
+                  <a:srgbClr val="000000"/>
+                </a:solidFill>
+                <a:uFill>
+                  <a:solidFill>
+                    <a:srgbClr val="ffffff"/>
+                  </a:solidFill>
+                </a:uFill>
+                <a:latin typeface="Arial"/>
+              </a:rPr>
+              <a:t>Fourth Outline Level</a:t>
+            </a:r>
+            <a:endParaRPr b="0" lang="en-ZA" sz="1800" spc="-1" strike="noStrike">
+              <a:solidFill>
+                <a:srgbClr val="000000"/>
+              </a:solidFill>
+              <a:uFill>
+                <a:solidFill>
+                  <a:srgbClr val="ffffff"/>
+                </a:solidFill>
+              </a:uFill>
+              <a:latin typeface="Arial"/>
+            </a:endParaRPr>
+          </a:p>
+          <a:p>
+            <a:pPr lvl="4" marL="2160000" indent="-216000">
+              <a:buClr>
+                <a:srgbClr val="000000"/>
+              </a:buClr>
+              <a:buSzPct val="45000"/>
+              <a:buFont typeface="Wingdings" charset="2"/>
+              <a:buChar char=""/>
+            </a:pPr>
+            <a:r>
+              <a:rPr b="0" lang="en-ZA" sz="1800" spc="-1" strike="noStrike">
+                <a:solidFill>
+                  <a:srgbClr val="000000"/>
+                </a:solidFill>
+                <a:uFill>
+                  <a:solidFill>
+                    <a:srgbClr val="ffffff"/>
+                  </a:solidFill>
+                </a:uFill>
+                <a:latin typeface="Arial"/>
+              </a:rPr>
+              <a:t>Fifth Outline Level</a:t>
+            </a:r>
+            <a:endParaRPr b="0" lang="en-ZA" sz="1800" spc="-1" strike="noStrike">
+              <a:solidFill>
+                <a:srgbClr val="000000"/>
+              </a:solidFill>
+              <a:uFill>
+                <a:solidFill>
+                  <a:srgbClr val="ffffff"/>
+                </a:solidFill>
+              </a:uFill>
+              <a:latin typeface="Arial"/>
+            </a:endParaRPr>
+          </a:p>
+          <a:p>
+            <a:pPr lvl="5" marL="2592000" indent="-216000">
+              <a:buClr>
+                <a:srgbClr val="000000"/>
+              </a:buClr>
+              <a:buSzPct val="45000"/>
+              <a:buFont typeface="Wingdings" charset="2"/>
+              <a:buChar char=""/>
+            </a:pPr>
+            <a:r>
+              <a:rPr b="0" lang="en-ZA" sz="1800" spc="-1" strike="noStrike">
+                <a:solidFill>
+                  <a:srgbClr val="000000"/>
+                </a:solidFill>
+                <a:uFill>
+                  <a:solidFill>
+                    <a:srgbClr val="ffffff"/>
+                  </a:solidFill>
+                </a:uFill>
+                <a:latin typeface="Arial"/>
+              </a:rPr>
+              <a:t>Sixth Outline Level</a:t>
+            </a:r>
+            <a:endParaRPr b="0" lang="en-ZA" sz="1800" spc="-1" strike="noStrike">
+              <a:solidFill>
+                <a:srgbClr val="000000"/>
+              </a:solidFill>
+              <a:uFill>
+                <a:solidFill>
+                  <a:srgbClr val="ffffff"/>
+                </a:solidFill>
+              </a:uFill>
+              <a:latin typeface="Arial"/>
+            </a:endParaRPr>
+          </a:p>
+          <a:p>
+            <a:pPr lvl="6" marL="3024000" indent="-216000">
+              <a:buClr>
+                <a:srgbClr val="000000"/>
+              </a:buClr>
+              <a:buSzPct val="45000"/>
+              <a:buFont typeface="Wingdings" charset="2"/>
+              <a:buChar char=""/>
+            </a:pPr>
+            <a:r>
+              <a:rPr b="0" lang="en-ZA" sz="1800" spc="-1" strike="noStrike">
+                <a:solidFill>
+                  <a:srgbClr val="000000"/>
+                </a:solidFill>
+                <a:uFill>
+                  <a:solidFill>
+                    <a:srgbClr val="ffffff"/>
+                  </a:solidFill>
+                </a:uFill>
+                <a:latin typeface="Arial"/>
+              </a:rPr>
+              <a:t>Seventh Outline Level</a:t>
+            </a:r>
+            <a:endParaRPr b="0" lang="en-ZA" sz="1800" spc="-1" strike="noStrike">
+              <a:solidFill>
+                <a:srgbClr val="000000"/>
+              </a:solidFill>
+              <a:uFill>
+                <a:solidFill>
+                  <a:srgbClr val="ffffff"/>
+                </a:solidFill>
+              </a:uFill>
+              <a:latin typeface="Arial"/>
+            </a:endParaRPr>
+          </a:p>
+        </p:txBody>
+      </p:sp>
+    </p:spTree>
+  </p:cSld>
+  <p:clrMap bg1="lt1" bg2="lt2" tx1="dk1" tx2="dk2" accent1="accent1" accent2="accent2" accent3="accent3" accent4="accent4" accent5="accent5" accent6="accent6" hlink="hlink" folHlink="folHlink"/>
+  <p:sldLayoutIdLst>
+    <p:sldLayoutId id="2147483662" r:id="rId3"/>
+    <p:sldLayoutId id="2147483663" r:id="rId4"/>
+    <p:sldLayoutId id="2147483664" r:id="rId5"/>
+    <p:sldLayoutId id="2147483665" r:id="rId6"/>
+    <p:sldLayoutId id="2147483666" r:id="rId7"/>
+    <p:sldLayoutId id="2147483667" r:id="rId8"/>
+    <p:sldLayoutId id="2147483668" r:id="rId9"/>
+    <p:sldLayoutId id="2147483669" r:id="rId10"/>
+    <p:sldLayoutId id="2147483670" r:id="rId11"/>
+    <p:sldLayoutId id="2147483671" r:id="rId12"/>
+    <p:sldLayoutId id="2147483672" r:id="rId13"/>
+    <p:sldLayoutId id="2147483673" r:id="rId14"/>
   </p:sldLayoutIdLst>
 </p:sldMaster>
 </file>
@@ -2154,14 +3722,14 @@
       </p:grpSpPr>
       <p:sp>
         <p:nvSpPr>
-          <p:cNvPr id="42" name="TextShape 1"/>
-          <p:cNvSpPr txBox="1"/>
+          <p:cNvPr id="74" name="CustomShape 1"/>
+          <p:cNvSpPr/>
           <p:nvPr/>
         </p:nvSpPr>
         <p:spPr>
           <a:xfrm>
             <a:off x="504000" y="216000"/>
-            <a:ext cx="7020000" cy="936000"/>
+            <a:ext cx="7019640" cy="935640"/>
           </a:xfrm>
           <a:prstGeom prst="rect">
             <a:avLst/>
@@ -2171,33 +3739,53 @@
             <a:noFill/>
           </a:ln>
         </p:spPr>
+        <p:style>
+          <a:lnRef idx="0"/>
+          <a:fillRef idx="0"/>
+          <a:effectRef idx="0"/>
+          <a:fontRef idx="minor"/>
+        </p:style>
         <p:txBody>
           <a:bodyPr lIns="0" rIns="0" tIns="0" bIns="0" anchor="ctr"/>
           <a:p>
-            <a:endParaRPr b="0" lang="de-DE" sz="3570" spc="-1" strike="noStrike">
-              <a:solidFill>
-                <a:srgbClr val="ffffff"/>
-              </a:solidFill>
-              <a:uFill>
-                <a:solidFill>
-                  <a:srgbClr val="ffffff"/>
-                </a:solidFill>
-              </a:uFill>
-              <a:latin typeface="Arial"/>
-            </a:endParaRPr>
-          </a:p>
-        </p:txBody>
-      </p:sp>
-      <p:sp>
-        <p:nvSpPr>
-          <p:cNvPr id="43" name="TextShape 2"/>
-          <p:cNvSpPr txBox="1"/>
+            <a:r>
+              <a:rPr b="0" lang="en-ZA" sz="1800" spc="-1" strike="noStrike">
+                <a:solidFill>
+                  <a:srgbClr val="000000"/>
+                </a:solidFill>
+                <a:uFill>
+                  <a:solidFill>
+                    <a:srgbClr val="ffffff"/>
+                  </a:solidFill>
+                </a:uFill>
+                <a:latin typeface="Arial"/>
+              </a:rPr>
+              <a:t>Computer based filing system</a:t>
+            </a:r>
+            <a:endParaRPr b="0" lang="en-ZA" sz="1800" spc="-1" strike="noStrike">
+              <a:solidFill>
+                <a:srgbClr val="000000"/>
+              </a:solidFill>
+              <a:uFill>
+                <a:solidFill>
+                  <a:srgbClr val="ffffff"/>
+                </a:solidFill>
+              </a:uFill>
+              <a:latin typeface="Arial"/>
+            </a:endParaRPr>
+          </a:p>
+        </p:txBody>
+      </p:sp>
+      <p:sp>
+        <p:nvSpPr>
+          <p:cNvPr id="75" name="CustomShape 2"/>
+          <p:cNvSpPr/>
           <p:nvPr/>
         </p:nvSpPr>
         <p:spPr>
           <a:xfrm>
             <a:off x="504000" y="1368000"/>
-            <a:ext cx="9072000" cy="3288240"/>
+            <a:ext cx="9071640" cy="3287880"/>
           </a:xfrm>
           <a:prstGeom prst="rect">
             <a:avLst/>
@@ -2207,27 +3795,16 @@
             <a:noFill/>
           </a:ln>
         </p:spPr>
-        <p:txBody>
-          <a:bodyPr lIns="0" rIns="0" tIns="0" bIns="0" anchor="ctr"/>
-          <a:p>
-            <a:pPr algn="ctr"/>
-            <a:endParaRPr b="0" lang="de-DE" sz="3200" spc="-1" strike="noStrike">
-              <a:solidFill>
-                <a:srgbClr val="000000"/>
-              </a:solidFill>
-              <a:uFill>
-                <a:solidFill>
-                  <a:srgbClr val="ffffff"/>
-                </a:solidFill>
-              </a:uFill>
-              <a:latin typeface="Arial"/>
-            </a:endParaRPr>
-          </a:p>
-        </p:txBody>
+        <p:style>
+          <a:lnRef idx="0"/>
+          <a:fillRef idx="0"/>
+          <a:effectRef idx="0"/>
+          <a:fontRef idx="minor"/>
+        </p:style>
       </p:sp>
       <p:pic>
         <p:nvPicPr>
-          <p:cNvPr id="44" name="" descr=""/>
+          <p:cNvPr id="76" name="" descr=""/>
           <p:cNvPicPr/>
           <p:nvPr/>
         </p:nvPicPr>
@@ -2238,7 +3815,7 @@
         <p:spPr>
           <a:xfrm>
             <a:off x="4023360" y="1368000"/>
-            <a:ext cx="3017520" cy="3134880"/>
+            <a:ext cx="3017160" cy="3134520"/>
           </a:xfrm>
           <a:prstGeom prst="rect">
             <a:avLst/>
@@ -2299,14 +3876,14 @@
       </p:grpSpPr>
       <p:sp>
         <p:nvSpPr>
-          <p:cNvPr id="61" name="TextShape 1"/>
-          <p:cNvSpPr txBox="1"/>
+          <p:cNvPr id="99" name="CustomShape 1"/>
+          <p:cNvSpPr/>
           <p:nvPr/>
         </p:nvSpPr>
         <p:spPr>
           <a:xfrm>
             <a:off x="504000" y="216000"/>
-            <a:ext cx="7020000" cy="936000"/>
+            <a:ext cx="7019640" cy="935640"/>
           </a:xfrm>
           <a:prstGeom prst="rect">
             <a:avLst/>
@@ -2316,26 +3893,16 @@
             <a:noFill/>
           </a:ln>
         </p:spPr>
-        <p:txBody>
-          <a:bodyPr lIns="0" rIns="0" tIns="0" bIns="0" anchor="ctr"/>
-          <a:p>
-            <a:endParaRPr b="0" lang="de-DE" sz="3570" spc="-1" strike="noStrike">
-              <a:solidFill>
-                <a:srgbClr val="ffffff"/>
-              </a:solidFill>
-              <a:uFill>
-                <a:solidFill>
-                  <a:srgbClr val="ffffff"/>
-                </a:solidFill>
-              </a:uFill>
-              <a:latin typeface="Arial"/>
-            </a:endParaRPr>
-          </a:p>
-        </p:txBody>
+        <p:style>
+          <a:lnRef idx="0"/>
+          <a:fillRef idx="0"/>
+          <a:effectRef idx="0"/>
+          <a:fontRef idx="minor"/>
+        </p:style>
       </p:sp>
       <p:pic>
         <p:nvPicPr>
-          <p:cNvPr id="62" name="" descr=""/>
+          <p:cNvPr id="100" name="" descr=""/>
           <p:cNvPicPr/>
           <p:nvPr/>
         </p:nvPicPr>
@@ -2345,8 +3912,8 @@
         </p:blipFill>
         <p:spPr>
           <a:xfrm>
-            <a:off x="3601440" y="1368000"/>
-            <a:ext cx="2876760" cy="3288240"/>
+            <a:off x="2274120" y="1368000"/>
+            <a:ext cx="5531040" cy="3287880"/>
           </a:xfrm>
           <a:prstGeom prst="rect">
             <a:avLst/>
@@ -2356,8 +3923,85 @@
           </a:ln>
         </p:spPr>
       </p:pic>
+      <p:sp>
+        <p:nvSpPr>
+          <p:cNvPr id="101" name="TextShape 2"/>
+          <p:cNvSpPr txBox="1"/>
+          <p:nvPr/>
+        </p:nvSpPr>
+        <p:spPr>
+          <a:xfrm>
+            <a:off x="216000" y="288000"/>
+            <a:ext cx="4536000" cy="346320"/>
+          </a:xfrm>
+          <a:prstGeom prst="rect">
+            <a:avLst/>
+          </a:prstGeom>
+          <a:noFill/>
+          <a:ln>
+            <a:noFill/>
+          </a:ln>
+        </p:spPr>
+        <p:txBody>
+          <a:bodyPr lIns="90000" rIns="90000" tIns="45000" bIns="45000"/>
+          <a:p>
+            <a:r>
+              <a:rPr b="0" lang="en-ZA" sz="1800" spc="-1" strike="noStrike">
+                <a:solidFill>
+                  <a:srgbClr val="000000"/>
+                </a:solidFill>
+                <a:uFill>
+                  <a:solidFill>
+                    <a:srgbClr val="ffffff"/>
+                  </a:solidFill>
+                </a:uFill>
+                <a:latin typeface="Arial"/>
+              </a:rPr>
+              <a:t>Example</a:t>
+            </a:r>
+            <a:endParaRPr b="0" lang="en-ZA" sz="1800" spc="-1" strike="noStrike">
+              <a:solidFill>
+                <a:srgbClr val="000000"/>
+              </a:solidFill>
+              <a:uFill>
+                <a:solidFill>
+                  <a:srgbClr val="ffffff"/>
+                </a:solidFill>
+              </a:uFill>
+              <a:latin typeface="Arial"/>
+            </a:endParaRPr>
+          </a:p>
+        </p:txBody>
+      </p:sp>
     </p:spTree>
   </p:cSld>
+  <p:timing>
+    <p:tnLst>
+      <p:par>
+        <p:cTn id="17" dur="indefinite" restart="never" nodeType="tmRoot">
+          <p:childTnLst>
+            <p:seq>
+              <p:cTn id="18" nodeType="mainSeq"/>
+              <p:prevCondLst>
+                <p:cond delay="0" evt="onPrev">
+                  <p:tgtEl>
+                    <p:sldTgt/>
+                  </p:tgtEl>
+                </p:cond>
+              </p:prevCondLst>
+              <p:nextCondLst>
+                <p:cond delay="0" evt="onNext">
+                  <p:tgtEl>
+                    <p:sldTgt/>
+                  </p:tgtEl>
+                </p:cond>
+              </p:nextCondLst>
+            </p:seq>
+          </p:childTnLst>
+        </p:cTn>
+      </p:par>
+    </p:tnLst>
+  </p:timing>
 </p:sld>
 </file>
 
@@ -2380,14 +4024,14 @@
       </p:grpSpPr>
       <p:sp>
         <p:nvSpPr>
-          <p:cNvPr id="63" name="TextShape 1"/>
+          <p:cNvPr id="102" name="TextShape 1"/>
           <p:cNvSpPr txBox="1"/>
           <p:nvPr/>
         </p:nvSpPr>
         <p:spPr>
           <a:xfrm>
             <a:off x="504000" y="216000"/>
-            <a:ext cx="7020000" cy="936000"/>
+            <a:ext cx="7019640" cy="935640"/>
           </a:xfrm>
           <a:prstGeom prst="rect">
             <a:avLst/>
@@ -2400,9 +4044,24 @@
         <p:txBody>
           <a:bodyPr lIns="0" rIns="0" tIns="0" bIns="0" anchor="ctr"/>
           <a:p>
-            <a:endParaRPr b="0" lang="de-DE" sz="3570" spc="-1" strike="noStrike">
-              <a:solidFill>
-                <a:srgbClr val="ffffff"/>
+            <a:pPr algn="ctr"/>
+            <a:r>
+              <a:rPr b="0" lang="en-ZA" sz="4400" spc="-1" strike="noStrike">
+                <a:solidFill>
+                  <a:srgbClr val="000000"/>
+                </a:solidFill>
+                <a:uFill>
+                  <a:solidFill>
+                    <a:srgbClr val="ffffff"/>
+                  </a:solidFill>
+                </a:uFill>
+                <a:latin typeface="Arial"/>
+              </a:rPr>
+              <a:t>CSS for UI</a:t>
+            </a:r>
+            <a:endParaRPr b="0" lang="en-ZA" sz="4400" spc="-1" strike="noStrike">
+              <a:solidFill>
+                <a:srgbClr val="000000"/>
               </a:solidFill>
               <a:uFill>
                 <a:solidFill>
@@ -2416,7 +4075,7 @@
       </p:sp>
       <p:pic>
         <p:nvPicPr>
-          <p:cNvPr id="64" name="" descr=""/>
+          <p:cNvPr id="103" name="" descr=""/>
           <p:cNvPicPr/>
           <p:nvPr/>
         </p:nvPicPr>
@@ -2426,8 +4085,8 @@
         </p:blipFill>
         <p:spPr>
           <a:xfrm>
-            <a:off x="2130840" y="1368000"/>
-            <a:ext cx="5818320" cy="3288240"/>
+            <a:off x="3553920" y="1367640"/>
+            <a:ext cx="2971080" cy="3287880"/>
           </a:xfrm>
           <a:prstGeom prst="rect">
             <a:avLst/>
@@ -2439,6 +4098,302 @@
       </p:pic>
     </p:spTree>
   </p:cSld>
+</p:sld>
+</file>
+
+<file path=ppt/slides/slide12.xml><?xml version="1.0" encoding="utf-8"?>
+<p:sld xmlns:a="http://schemas.openxmlformats.org/drawingml/2006/main" xmlns:p="http://schemas.openxmlformats.org/presentationml/2006/main" xmlns:r="http://schemas.openxmlformats.org/officeDocument/2006/relationships" xmlns:p14="http://schemas.microsoft.com/office/powerpoint/2010/main" xmlns:p15="http://schemas.microsoft.com/office/powerpoint/2012/main" xmlns:mc="http://schemas.openxmlformats.org/markup-compatibility/2006">
+  <p:cSld>
+    <p:spTree>
+      <p:nvGrpSpPr>
+        <p:cNvPr id="1" name=""/>
+        <p:cNvGrpSpPr/>
+        <p:nvPr/>
+      </p:nvGrpSpPr>
+      <p:grpSpPr>
+        <a:xfrm>
+          <a:off x="0" y="0"/>
+          <a:ext cx="0" cy="0"/>
+          <a:chOff x="0" y="0"/>
+          <a:chExt cx="0" cy="0"/>
+        </a:xfrm>
+      </p:grpSpPr>
+      <p:sp>
+        <p:nvSpPr>
+          <p:cNvPr id="104" name="CustomShape 1"/>
+          <p:cNvSpPr/>
+          <p:nvPr/>
+        </p:nvSpPr>
+        <p:spPr>
+          <a:xfrm>
+            <a:off x="504000" y="216000"/>
+            <a:ext cx="7019640" cy="935640"/>
+          </a:xfrm>
+          <a:prstGeom prst="rect">
+            <a:avLst/>
+          </a:prstGeom>
+          <a:noFill/>
+          <a:ln>
+            <a:noFill/>
+          </a:ln>
+        </p:spPr>
+        <p:style>
+          <a:lnRef idx="0"/>
+          <a:fillRef idx="0"/>
+          <a:effectRef idx="0"/>
+          <a:fontRef idx="minor"/>
+        </p:style>
+      </p:sp>
+      <p:pic>
+        <p:nvPicPr>
+          <p:cNvPr id="105" name="" descr=""/>
+          <p:cNvPicPr/>
+          <p:nvPr/>
+        </p:nvPicPr>
+        <p:blipFill>
+          <a:blip r:embed="rId1"/>
+          <a:stretch/>
+        </p:blipFill>
+        <p:spPr>
+          <a:xfrm>
+            <a:off x="3601440" y="1368000"/>
+            <a:ext cx="2876400" cy="3287880"/>
+          </a:xfrm>
+          <a:prstGeom prst="rect">
+            <a:avLst/>
+          </a:prstGeom>
+          <a:ln>
+            <a:noFill/>
+          </a:ln>
+        </p:spPr>
+      </p:pic>
+      <p:sp>
+        <p:nvSpPr>
+          <p:cNvPr id="106" name="TextShape 2"/>
+          <p:cNvSpPr txBox="1"/>
+          <p:nvPr/>
+        </p:nvSpPr>
+        <p:spPr>
+          <a:xfrm>
+            <a:off x="288000" y="360000"/>
+            <a:ext cx="5616000" cy="346320"/>
+          </a:xfrm>
+          <a:prstGeom prst="rect">
+            <a:avLst/>
+          </a:prstGeom>
+          <a:noFill/>
+          <a:ln>
+            <a:noFill/>
+          </a:ln>
+        </p:spPr>
+        <p:txBody>
+          <a:bodyPr lIns="90000" rIns="90000" tIns="45000" bIns="45000"/>
+          <a:p>
+            <a:r>
+              <a:rPr b="0" lang="en-ZA" sz="1800" spc="-1" strike="noStrike">
+                <a:solidFill>
+                  <a:srgbClr val="000000"/>
+                </a:solidFill>
+                <a:uFill>
+                  <a:solidFill>
+                    <a:srgbClr val="ffffff"/>
+                  </a:solidFill>
+                </a:uFill>
+                <a:latin typeface="Arial"/>
+              </a:rPr>
+              <a:t>Example</a:t>
+            </a:r>
+            <a:endParaRPr b="0" lang="en-ZA" sz="1800" spc="-1" strike="noStrike">
+              <a:solidFill>
+                <a:srgbClr val="000000"/>
+              </a:solidFill>
+              <a:uFill>
+                <a:solidFill>
+                  <a:srgbClr val="ffffff"/>
+                </a:solidFill>
+              </a:uFill>
+              <a:latin typeface="Arial"/>
+            </a:endParaRPr>
+          </a:p>
+        </p:txBody>
+      </p:sp>
+    </p:spTree>
+  </p:cSld>
+  <p:timing>
+    <p:tnLst>
+      <p:par>
+        <p:cTn id="19" dur="indefinite" restart="never" nodeType="tmRoot">
+          <p:childTnLst>
+            <p:seq>
+              <p:cTn id="20" nodeType="mainSeq"/>
+              <p:prevCondLst>
+                <p:cond delay="0" evt="onPrev">
+                  <p:tgtEl>
+                    <p:sldTgt/>
+                  </p:tgtEl>
+                </p:cond>
+              </p:prevCondLst>
+              <p:nextCondLst>
+                <p:cond delay="0" evt="onNext">
+                  <p:tgtEl>
+                    <p:sldTgt/>
+                  </p:tgtEl>
+                </p:cond>
+              </p:nextCondLst>
+            </p:seq>
+          </p:childTnLst>
+        </p:cTn>
+      </p:par>
+    </p:tnLst>
+  </p:timing>
+</p:sld>
+</file>
+
+<file path=ppt/slides/slide13.xml><?xml version="1.0" encoding="utf-8"?>
+<p:sld xmlns:a="http://schemas.openxmlformats.org/drawingml/2006/main" xmlns:p="http://schemas.openxmlformats.org/presentationml/2006/main" xmlns:r="http://schemas.openxmlformats.org/officeDocument/2006/relationships" xmlns:p14="http://schemas.microsoft.com/office/powerpoint/2010/main" xmlns:p15="http://schemas.microsoft.com/office/powerpoint/2012/main" xmlns:mc="http://schemas.openxmlformats.org/markup-compatibility/2006">
+  <p:cSld>
+    <p:spTree>
+      <p:nvGrpSpPr>
+        <p:cNvPr id="1" name=""/>
+        <p:cNvGrpSpPr/>
+        <p:nvPr/>
+      </p:nvGrpSpPr>
+      <p:grpSpPr>
+        <a:xfrm>
+          <a:off x="0" y="0"/>
+          <a:ext cx="0" cy="0"/>
+          <a:chOff x="0" y="0"/>
+          <a:chExt cx="0" cy="0"/>
+        </a:xfrm>
+      </p:grpSpPr>
+      <p:sp>
+        <p:nvSpPr>
+          <p:cNvPr id="107" name="CustomShape 1"/>
+          <p:cNvSpPr/>
+          <p:nvPr/>
+        </p:nvSpPr>
+        <p:spPr>
+          <a:xfrm>
+            <a:off x="504000" y="216000"/>
+            <a:ext cx="7019640" cy="935640"/>
+          </a:xfrm>
+          <a:prstGeom prst="rect">
+            <a:avLst/>
+          </a:prstGeom>
+          <a:noFill/>
+          <a:ln>
+            <a:noFill/>
+          </a:ln>
+        </p:spPr>
+        <p:style>
+          <a:lnRef idx="0"/>
+          <a:fillRef idx="0"/>
+          <a:effectRef idx="0"/>
+          <a:fontRef idx="minor"/>
+        </p:style>
+      </p:sp>
+      <p:pic>
+        <p:nvPicPr>
+          <p:cNvPr id="108" name="" descr=""/>
+          <p:cNvPicPr/>
+          <p:nvPr/>
+        </p:nvPicPr>
+        <p:blipFill>
+          <a:blip r:embed="rId1"/>
+          <a:stretch/>
+        </p:blipFill>
+        <p:spPr>
+          <a:xfrm>
+            <a:off x="2130840" y="1368000"/>
+            <a:ext cx="5817960" cy="3287880"/>
+          </a:xfrm>
+          <a:prstGeom prst="rect">
+            <a:avLst/>
+          </a:prstGeom>
+          <a:ln>
+            <a:noFill/>
+          </a:ln>
+        </p:spPr>
+      </p:pic>
+      <p:sp>
+        <p:nvSpPr>
+          <p:cNvPr id="109" name="TextShape 2"/>
+          <p:cNvSpPr txBox="1"/>
+          <p:nvPr/>
+        </p:nvSpPr>
+        <p:spPr>
+          <a:xfrm>
+            <a:off x="504000" y="360000"/>
+            <a:ext cx="5832000" cy="346320"/>
+          </a:xfrm>
+          <a:prstGeom prst="rect">
+            <a:avLst/>
+          </a:prstGeom>
+          <a:noFill/>
+          <a:ln>
+            <a:noFill/>
+          </a:ln>
+        </p:spPr>
+        <p:txBody>
+          <a:bodyPr lIns="90000" rIns="90000" tIns="45000" bIns="45000"/>
+          <a:p>
+            <a:r>
+              <a:rPr b="0" lang="en-ZA" sz="1800" spc="-1" strike="noStrike">
+                <a:solidFill>
+                  <a:srgbClr val="000000"/>
+                </a:solidFill>
+                <a:uFill>
+                  <a:solidFill>
+                    <a:srgbClr val="ffffff"/>
+                  </a:solidFill>
+                </a:uFill>
+                <a:latin typeface="Arial"/>
+              </a:rPr>
+              <a:t>Example</a:t>
+            </a:r>
+            <a:endParaRPr b="0" lang="en-ZA" sz="1800" spc="-1" strike="noStrike">
+              <a:solidFill>
+                <a:srgbClr val="000000"/>
+              </a:solidFill>
+              <a:uFill>
+                <a:solidFill>
+                  <a:srgbClr val="ffffff"/>
+                </a:solidFill>
+              </a:uFill>
+              <a:latin typeface="Arial"/>
+            </a:endParaRPr>
+          </a:p>
+        </p:txBody>
+      </p:sp>
+    </p:spTree>
+  </p:cSld>
+  <p:timing>
+    <p:tnLst>
+      <p:par>
+        <p:cTn id="21" dur="indefinite" restart="never" nodeType="tmRoot">
+          <p:childTnLst>
+            <p:seq>
+              <p:cTn id="22" nodeType="mainSeq"/>
+              <p:prevCondLst>
+                <p:cond delay="0" evt="onPrev">
+                  <p:tgtEl>
+                    <p:sldTgt/>
+                  </p:tgtEl>
+                </p:cond>
+              </p:prevCondLst>
+              <p:nextCondLst>
+                <p:cond delay="0" evt="onNext">
+                  <p:tgtEl>
+                    <p:sldTgt/>
+                  </p:tgtEl>
+                </p:cond>
+              </p:nextCondLst>
+            </p:seq>
+          </p:childTnLst>
+        </p:cTn>
+      </p:par>
+    </p:tnLst>
+  </p:timing>
 </p:sld>
 </file>
 
@@ -2461,14 +4416,14 @@
       </p:grpSpPr>
       <p:sp>
         <p:nvSpPr>
-          <p:cNvPr id="45" name="TextShape 1"/>
-          <p:cNvSpPr txBox="1"/>
+          <p:cNvPr id="77" name="CustomShape 1"/>
+          <p:cNvSpPr/>
           <p:nvPr/>
         </p:nvSpPr>
         <p:spPr>
           <a:xfrm>
             <a:off x="504000" y="216000"/>
-            <a:ext cx="7020000" cy="936000"/>
+            <a:ext cx="7019640" cy="935640"/>
           </a:xfrm>
           <a:prstGeom prst="rect">
             <a:avLst/>
@@ -2478,26 +4433,16 @@
             <a:noFill/>
           </a:ln>
         </p:spPr>
-        <p:txBody>
-          <a:bodyPr lIns="0" rIns="0" tIns="0" bIns="0" anchor="ctr"/>
-          <a:p>
-            <a:endParaRPr b="0" lang="de-DE" sz="3570" spc="-1" strike="noStrike">
-              <a:solidFill>
-                <a:srgbClr val="ffffff"/>
-              </a:solidFill>
-              <a:uFill>
-                <a:solidFill>
-                  <a:srgbClr val="ffffff"/>
-                </a:solidFill>
-              </a:uFill>
-              <a:latin typeface="Arial"/>
-            </a:endParaRPr>
-          </a:p>
-        </p:txBody>
+        <p:style>
+          <a:lnRef idx="0"/>
+          <a:fillRef idx="0"/>
+          <a:effectRef idx="0"/>
+          <a:fontRef idx="minor"/>
+        </p:style>
       </p:sp>
       <p:pic>
         <p:nvPicPr>
-          <p:cNvPr id="46" name="" descr=""/>
+          <p:cNvPr id="78" name="" descr=""/>
           <p:cNvPicPr/>
           <p:nvPr/>
         </p:nvPicPr>
@@ -2508,7 +4453,7 @@
         <p:spPr>
           <a:xfrm>
             <a:off x="2658240" y="1368000"/>
-            <a:ext cx="4763160" cy="3288240"/>
+            <a:ext cx="4762800" cy="3287880"/>
           </a:xfrm>
           <a:prstGeom prst="rect">
             <a:avLst/>
@@ -2518,8 +4463,85 @@
           </a:ln>
         </p:spPr>
       </p:pic>
+      <p:sp>
+        <p:nvSpPr>
+          <p:cNvPr id="79" name="TextShape 2"/>
+          <p:cNvSpPr txBox="1"/>
+          <p:nvPr/>
+        </p:nvSpPr>
+        <p:spPr>
+          <a:xfrm>
+            <a:off x="216000" y="288000"/>
+            <a:ext cx="7056000" cy="346320"/>
+          </a:xfrm>
+          <a:prstGeom prst="rect">
+            <a:avLst/>
+          </a:prstGeom>
+          <a:noFill/>
+          <a:ln>
+            <a:noFill/>
+          </a:ln>
+        </p:spPr>
+        <p:txBody>
+          <a:bodyPr lIns="90000" rIns="90000" tIns="45000" bIns="45000"/>
+          <a:p>
+            <a:r>
+              <a:rPr b="0" lang="en-ZA" sz="1800" spc="-1" strike="noStrike">
+                <a:solidFill>
+                  <a:srgbClr val="000000"/>
+                </a:solidFill>
+                <a:uFill>
+                  <a:solidFill>
+                    <a:srgbClr val="ffffff"/>
+                  </a:solidFill>
+                </a:uFill>
+                <a:latin typeface="Arial"/>
+              </a:rPr>
+              <a:t>Microsft Excel</a:t>
+            </a:r>
+            <a:endParaRPr b="0" lang="en-ZA" sz="1800" spc="-1" strike="noStrike">
+              <a:solidFill>
+                <a:srgbClr val="000000"/>
+              </a:solidFill>
+              <a:uFill>
+                <a:solidFill>
+                  <a:srgbClr val="ffffff"/>
+                </a:solidFill>
+              </a:uFill>
+              <a:latin typeface="Arial"/>
+            </a:endParaRPr>
+          </a:p>
+        </p:txBody>
+      </p:sp>
     </p:spTree>
   </p:cSld>
+  <p:timing>
+    <p:tnLst>
+      <p:par>
+        <p:cTn id="3" dur="indefinite" restart="never" nodeType="tmRoot">
+          <p:childTnLst>
+            <p:seq>
+              <p:cTn id="4" nodeType="mainSeq"/>
+              <p:prevCondLst>
+                <p:cond delay="0" evt="onPrev">
+                  <p:tgtEl>
+                    <p:sldTgt/>
+                  </p:tgtEl>
+                </p:cond>
+              </p:prevCondLst>
+              <p:nextCondLst>
+                <p:cond delay="0" evt="onNext">
+                  <p:tgtEl>
+                    <p:sldTgt/>
+                  </p:tgtEl>
+                </p:cond>
+              </p:nextCondLst>
+            </p:seq>
+          </p:childTnLst>
+        </p:cTn>
+      </p:par>
+    </p:tnLst>
+  </p:timing>
 </p:sld>
 </file>
 
@@ -2542,14 +4564,14 @@
       </p:grpSpPr>
       <p:sp>
         <p:nvSpPr>
-          <p:cNvPr id="47" name="TextShape 1"/>
+          <p:cNvPr id="80" name="TextShape 1"/>
           <p:cNvSpPr txBox="1"/>
           <p:nvPr/>
         </p:nvSpPr>
         <p:spPr>
           <a:xfrm>
             <a:off x="504000" y="216000"/>
-            <a:ext cx="7020000" cy="936000"/>
+            <a:ext cx="7019640" cy="935640"/>
           </a:xfrm>
           <a:prstGeom prst="rect">
             <a:avLst/>
@@ -2562,9 +4584,24 @@
         <p:txBody>
           <a:bodyPr lIns="0" rIns="0" tIns="0" bIns="0" anchor="ctr"/>
           <a:p>
-            <a:endParaRPr b="0" lang="de-DE" sz="3570" spc="-1" strike="noStrike">
-              <a:solidFill>
-                <a:srgbClr val="ffffff"/>
+            <a:pPr algn="ctr"/>
+            <a:r>
+              <a:rPr b="0" lang="en-ZA" sz="4400" spc="-1" strike="noStrike">
+                <a:solidFill>
+                  <a:srgbClr val="000000"/>
+                </a:solidFill>
+                <a:uFill>
+                  <a:solidFill>
+                    <a:srgbClr val="ffffff"/>
+                  </a:solidFill>
+                </a:uFill>
+                <a:latin typeface="Arial"/>
+              </a:rPr>
+              <a:t>PHP and MySQL</a:t>
+            </a:r>
+            <a:endParaRPr b="0" lang="en-ZA" sz="4400" spc="-1" strike="noStrike">
+              <a:solidFill>
+                <a:srgbClr val="000000"/>
               </a:solidFill>
               <a:uFill>
                 <a:solidFill>
@@ -2578,7 +4615,7 @@
       </p:sp>
       <p:pic>
         <p:nvPicPr>
-          <p:cNvPr id="48" name="" descr=""/>
+          <p:cNvPr id="81" name="" descr=""/>
           <p:cNvPicPr/>
           <p:nvPr/>
         </p:nvPicPr>
@@ -2588,8 +4625,8 @@
         </p:blipFill>
         <p:spPr>
           <a:xfrm>
-            <a:off x="2539440" y="1368000"/>
-            <a:ext cx="5001120" cy="3288240"/>
+            <a:off x="582840" y="1367640"/>
+            <a:ext cx="8913240" cy="3287880"/>
           </a:xfrm>
           <a:prstGeom prst="rect">
             <a:avLst/>
@@ -2623,14 +4660,14 @@
       </p:grpSpPr>
       <p:sp>
         <p:nvSpPr>
-          <p:cNvPr id="49" name="TextShape 1"/>
-          <p:cNvSpPr txBox="1"/>
+          <p:cNvPr id="82" name="CustomShape 1"/>
+          <p:cNvSpPr/>
           <p:nvPr/>
         </p:nvSpPr>
         <p:spPr>
           <a:xfrm>
             <a:off x="504000" y="216000"/>
-            <a:ext cx="7020000" cy="936000"/>
+            <a:ext cx="7019640" cy="935640"/>
           </a:xfrm>
           <a:prstGeom prst="rect">
             <a:avLst/>
@@ -2640,26 +4677,16 @@
             <a:noFill/>
           </a:ln>
         </p:spPr>
-        <p:txBody>
-          <a:bodyPr lIns="0" rIns="0" tIns="0" bIns="0" anchor="ctr"/>
-          <a:p>
-            <a:endParaRPr b="0" lang="de-DE" sz="3570" spc="-1" strike="noStrike">
-              <a:solidFill>
-                <a:srgbClr val="ffffff"/>
-              </a:solidFill>
-              <a:uFill>
-                <a:solidFill>
-                  <a:srgbClr val="ffffff"/>
-                </a:solidFill>
-              </a:uFill>
-              <a:latin typeface="Arial"/>
-            </a:endParaRPr>
-          </a:p>
-        </p:txBody>
+        <p:style>
+          <a:lnRef idx="0"/>
+          <a:fillRef idx="0"/>
+          <a:effectRef idx="0"/>
+          <a:fontRef idx="minor"/>
+        </p:style>
       </p:sp>
       <p:pic>
         <p:nvPicPr>
-          <p:cNvPr id="50" name="" descr=""/>
+          <p:cNvPr id="83" name="" descr=""/>
           <p:cNvPicPr/>
           <p:nvPr/>
         </p:nvPicPr>
@@ -2669,8 +4696,8 @@
         </p:blipFill>
         <p:spPr>
           <a:xfrm>
-            <a:off x="2505600" y="1368000"/>
-            <a:ext cx="5068800" cy="3288240"/>
+            <a:off x="2539440" y="1368000"/>
+            <a:ext cx="5000760" cy="3287880"/>
           </a:xfrm>
           <a:prstGeom prst="rect">
             <a:avLst/>
@@ -2680,8 +4707,85 @@
           </a:ln>
         </p:spPr>
       </p:pic>
+      <p:sp>
+        <p:nvSpPr>
+          <p:cNvPr id="84" name="TextShape 2"/>
+          <p:cNvSpPr txBox="1"/>
+          <p:nvPr/>
+        </p:nvSpPr>
+        <p:spPr>
+          <a:xfrm>
+            <a:off x="144000" y="216000"/>
+            <a:ext cx="7379640" cy="346320"/>
+          </a:xfrm>
+          <a:prstGeom prst="rect">
+            <a:avLst/>
+          </a:prstGeom>
+          <a:noFill/>
+          <a:ln>
+            <a:noFill/>
+          </a:ln>
+        </p:spPr>
+        <p:txBody>
+          <a:bodyPr lIns="90000" rIns="90000" tIns="45000" bIns="45000"/>
+          <a:p>
+            <a:r>
+              <a:rPr b="0" lang="en-ZA" sz="1800" spc="-1" strike="noStrike">
+                <a:solidFill>
+                  <a:srgbClr val="000000"/>
+                </a:solidFill>
+                <a:uFill>
+                  <a:solidFill>
+                    <a:srgbClr val="ffffff"/>
+                  </a:solidFill>
+                </a:uFill>
+                <a:latin typeface="Arial"/>
+              </a:rPr>
+              <a:t>Client-server database communication</a:t>
+            </a:r>
+            <a:endParaRPr b="0" lang="en-ZA" sz="1800" spc="-1" strike="noStrike">
+              <a:solidFill>
+                <a:srgbClr val="000000"/>
+              </a:solidFill>
+              <a:uFill>
+                <a:solidFill>
+                  <a:srgbClr val="ffffff"/>
+                </a:solidFill>
+              </a:uFill>
+              <a:latin typeface="Arial"/>
+            </a:endParaRPr>
+          </a:p>
+        </p:txBody>
+      </p:sp>
     </p:spTree>
   </p:cSld>
+  <p:timing>
+    <p:tnLst>
+      <p:par>
+        <p:cTn id="5" dur="indefinite" restart="never" nodeType="tmRoot">
+          <p:childTnLst>
+            <p:seq>
+              <p:cTn id="6" nodeType="mainSeq"/>
+              <p:prevCondLst>
+                <p:cond delay="0" evt="onPrev">
+                  <p:tgtEl>
+                    <p:sldTgt/>
+                  </p:tgtEl>
+                </p:cond>
+              </p:prevCondLst>
+              <p:nextCondLst>
+                <p:cond delay="0" evt="onNext">
+                  <p:tgtEl>
+                    <p:sldTgt/>
+                  </p:tgtEl>
+                </p:cond>
+              </p:nextCondLst>
+            </p:seq>
+          </p:childTnLst>
+        </p:cTn>
+      </p:par>
+    </p:tnLst>
+  </p:timing>
 </p:sld>
 </file>
 
@@ -2704,14 +4808,14 @@
       </p:grpSpPr>
       <p:sp>
         <p:nvSpPr>
-          <p:cNvPr id="51" name="TextShape 1"/>
-          <p:cNvSpPr txBox="1"/>
+          <p:cNvPr id="85" name="CustomShape 1"/>
+          <p:cNvSpPr/>
           <p:nvPr/>
         </p:nvSpPr>
         <p:spPr>
           <a:xfrm>
             <a:off x="504000" y="216000"/>
-            <a:ext cx="7020000" cy="936000"/>
+            <a:ext cx="7019640" cy="935640"/>
           </a:xfrm>
           <a:prstGeom prst="rect">
             <a:avLst/>
@@ -2721,26 +4825,16 @@
             <a:noFill/>
           </a:ln>
         </p:spPr>
-        <p:txBody>
-          <a:bodyPr lIns="0" rIns="0" tIns="0" bIns="0" anchor="ctr"/>
-          <a:p>
-            <a:endParaRPr b="0" lang="de-DE" sz="3570" spc="-1" strike="noStrike">
-              <a:solidFill>
-                <a:srgbClr val="ffffff"/>
-              </a:solidFill>
-              <a:uFill>
-                <a:solidFill>
-                  <a:srgbClr val="ffffff"/>
-                </a:solidFill>
-              </a:uFill>
-              <a:latin typeface="Arial"/>
-            </a:endParaRPr>
-          </a:p>
-        </p:txBody>
+        <p:style>
+          <a:lnRef idx="0"/>
+          <a:fillRef idx="0"/>
+          <a:effectRef idx="0"/>
+          <a:fontRef idx="minor"/>
+        </p:style>
       </p:sp>
       <p:pic>
         <p:nvPicPr>
-          <p:cNvPr id="52" name="" descr=""/>
+          <p:cNvPr id="86" name="" descr=""/>
           <p:cNvPicPr/>
           <p:nvPr/>
         </p:nvPicPr>
@@ -2750,8 +4844,8 @@
         </p:blipFill>
         <p:spPr>
           <a:xfrm>
-            <a:off x="549720" y="1368000"/>
-            <a:ext cx="8980560" cy="3288240"/>
+            <a:off x="2505600" y="1368000"/>
+            <a:ext cx="5068440" cy="3287880"/>
           </a:xfrm>
           <a:prstGeom prst="rect">
             <a:avLst/>
@@ -2761,8 +4855,85 @@
           </a:ln>
         </p:spPr>
       </p:pic>
+      <p:sp>
+        <p:nvSpPr>
+          <p:cNvPr id="87" name="TextShape 2"/>
+          <p:cNvSpPr txBox="1"/>
+          <p:nvPr/>
+        </p:nvSpPr>
+        <p:spPr>
+          <a:xfrm>
+            <a:off x="144000" y="216000"/>
+            <a:ext cx="7379640" cy="346320"/>
+          </a:xfrm>
+          <a:prstGeom prst="rect">
+            <a:avLst/>
+          </a:prstGeom>
+          <a:noFill/>
+          <a:ln>
+            <a:noFill/>
+          </a:ln>
+        </p:spPr>
+        <p:txBody>
+          <a:bodyPr lIns="90000" rIns="90000" tIns="45000" bIns="45000"/>
+          <a:p>
+            <a:r>
+              <a:rPr b="0" lang="en-ZA" sz="1800" spc="-1" strike="noStrike">
+                <a:solidFill>
+                  <a:srgbClr val="000000"/>
+                </a:solidFill>
+                <a:uFill>
+                  <a:solidFill>
+                    <a:srgbClr val="ffffff"/>
+                  </a:solidFill>
+                </a:uFill>
+                <a:latin typeface="Arial"/>
+              </a:rPr>
+              <a:t>Relational Database</a:t>
+            </a:r>
+            <a:endParaRPr b="0" lang="en-ZA" sz="1800" spc="-1" strike="noStrike">
+              <a:solidFill>
+                <a:srgbClr val="000000"/>
+              </a:solidFill>
+              <a:uFill>
+                <a:solidFill>
+                  <a:srgbClr val="ffffff"/>
+                </a:solidFill>
+              </a:uFill>
+              <a:latin typeface="Arial"/>
+            </a:endParaRPr>
+          </a:p>
+        </p:txBody>
+      </p:sp>
     </p:spTree>
   </p:cSld>
+  <p:timing>
+    <p:tnLst>
+      <p:par>
+        <p:cTn id="7" dur="indefinite" restart="never" nodeType="tmRoot">
+          <p:childTnLst>
+            <p:seq>
+              <p:cTn id="8" nodeType="mainSeq"/>
+              <p:prevCondLst>
+                <p:cond delay="0" evt="onPrev">
+                  <p:tgtEl>
+                    <p:sldTgt/>
+                  </p:tgtEl>
+                </p:cond>
+              </p:prevCondLst>
+              <p:nextCondLst>
+                <p:cond delay="0" evt="onNext">
+                  <p:tgtEl>
+                    <p:sldTgt/>
+                  </p:tgtEl>
+                </p:cond>
+              </p:nextCondLst>
+            </p:seq>
+          </p:childTnLst>
+        </p:cTn>
+      </p:par>
+    </p:tnLst>
+  </p:timing>
 </p:sld>
 </file>
 
@@ -2785,14 +4956,14 @@
       </p:grpSpPr>
       <p:sp>
         <p:nvSpPr>
-          <p:cNvPr id="53" name="TextShape 1"/>
-          <p:cNvSpPr txBox="1"/>
+          <p:cNvPr id="88" name="CustomShape 1"/>
+          <p:cNvSpPr/>
           <p:nvPr/>
         </p:nvSpPr>
         <p:spPr>
           <a:xfrm>
             <a:off x="504000" y="216000"/>
-            <a:ext cx="7020000" cy="936000"/>
+            <a:ext cx="7019640" cy="935640"/>
           </a:xfrm>
           <a:prstGeom prst="rect">
             <a:avLst/>
@@ -2802,26 +4973,16 @@
             <a:noFill/>
           </a:ln>
         </p:spPr>
-        <p:txBody>
-          <a:bodyPr lIns="0" rIns="0" tIns="0" bIns="0" anchor="ctr"/>
-          <a:p>
-            <a:endParaRPr b="0" lang="de-DE" sz="3570" spc="-1" strike="noStrike">
-              <a:solidFill>
-                <a:srgbClr val="ffffff"/>
-              </a:solidFill>
-              <a:uFill>
-                <a:solidFill>
-                  <a:srgbClr val="ffffff"/>
-                </a:solidFill>
-              </a:uFill>
-              <a:latin typeface="Arial"/>
-            </a:endParaRPr>
-          </a:p>
-        </p:txBody>
+        <p:style>
+          <a:lnRef idx="0"/>
+          <a:fillRef idx="0"/>
+          <a:effectRef idx="0"/>
+          <a:fontRef idx="minor"/>
+        </p:style>
       </p:sp>
       <p:pic>
         <p:nvPicPr>
-          <p:cNvPr id="54" name="" descr=""/>
+          <p:cNvPr id="89" name="" descr=""/>
           <p:cNvPicPr/>
           <p:nvPr/>
         </p:nvPicPr>
@@ -2831,8 +4992,8 @@
         </p:blipFill>
         <p:spPr>
           <a:xfrm>
-            <a:off x="3395880" y="1368000"/>
-            <a:ext cx="3288240" cy="3288240"/>
+            <a:off x="549720" y="1368000"/>
+            <a:ext cx="8980200" cy="3287880"/>
           </a:xfrm>
           <a:prstGeom prst="rect">
             <a:avLst/>
@@ -2842,8 +5003,85 @@
           </a:ln>
         </p:spPr>
       </p:pic>
+      <p:sp>
+        <p:nvSpPr>
+          <p:cNvPr id="90" name="TextShape 2"/>
+          <p:cNvSpPr txBox="1"/>
+          <p:nvPr/>
+        </p:nvSpPr>
+        <p:spPr>
+          <a:xfrm>
+            <a:off x="432000" y="288000"/>
+            <a:ext cx="6192000" cy="346320"/>
+          </a:xfrm>
+          <a:prstGeom prst="rect">
+            <a:avLst/>
+          </a:prstGeom>
+          <a:noFill/>
+          <a:ln>
+            <a:noFill/>
+          </a:ln>
+        </p:spPr>
+        <p:txBody>
+          <a:bodyPr lIns="90000" rIns="90000" tIns="45000" bIns="45000"/>
+          <a:p>
+            <a:r>
+              <a:rPr b="0" lang="en-ZA" sz="1800" spc="-1" strike="noStrike">
+                <a:solidFill>
+                  <a:srgbClr val="000000"/>
+                </a:solidFill>
+                <a:uFill>
+                  <a:solidFill>
+                    <a:srgbClr val="ffffff"/>
+                  </a:solidFill>
+                </a:uFill>
+                <a:latin typeface="Arial"/>
+              </a:rPr>
+              <a:t>Website</a:t>
+            </a:r>
+            <a:endParaRPr b="0" lang="en-ZA" sz="1800" spc="-1" strike="noStrike">
+              <a:solidFill>
+                <a:srgbClr val="000000"/>
+              </a:solidFill>
+              <a:uFill>
+                <a:solidFill>
+                  <a:srgbClr val="ffffff"/>
+                </a:solidFill>
+              </a:uFill>
+              <a:latin typeface="Arial"/>
+            </a:endParaRPr>
+          </a:p>
+        </p:txBody>
+      </p:sp>
     </p:spTree>
   </p:cSld>
+  <p:timing>
+    <p:tnLst>
+      <p:par>
+        <p:cTn id="9" dur="indefinite" restart="never" nodeType="tmRoot">
+          <p:childTnLst>
+            <p:seq>
+              <p:cTn id="10" nodeType="mainSeq"/>
+              <p:prevCondLst>
+                <p:cond delay="0" evt="onPrev">
+                  <p:tgtEl>
+                    <p:sldTgt/>
+                  </p:tgtEl>
+                </p:cond>
+              </p:prevCondLst>
+              <p:nextCondLst>
+                <p:cond delay="0" evt="onNext">
+                  <p:tgtEl>
+                    <p:sldTgt/>
+                  </p:tgtEl>
+                </p:cond>
+              </p:nextCondLst>
+            </p:seq>
+          </p:childTnLst>
+        </p:cTn>
+      </p:par>
+    </p:tnLst>
+  </p:timing>
 </p:sld>
 </file>
 
@@ -2866,14 +5104,14 @@
       </p:grpSpPr>
       <p:sp>
         <p:nvSpPr>
-          <p:cNvPr id="55" name="TextShape 1"/>
-          <p:cNvSpPr txBox="1"/>
+          <p:cNvPr id="91" name="CustomShape 1"/>
+          <p:cNvSpPr/>
           <p:nvPr/>
         </p:nvSpPr>
         <p:spPr>
           <a:xfrm>
             <a:off x="504000" y="216000"/>
-            <a:ext cx="7020000" cy="936000"/>
+            <a:ext cx="7019640" cy="935640"/>
           </a:xfrm>
           <a:prstGeom prst="rect">
             <a:avLst/>
@@ -2883,26 +5121,16 @@
             <a:noFill/>
           </a:ln>
         </p:spPr>
-        <p:txBody>
-          <a:bodyPr lIns="0" rIns="0" tIns="0" bIns="0" anchor="ctr"/>
-          <a:p>
-            <a:endParaRPr b="0" lang="de-DE" sz="3570" spc="-1" strike="noStrike">
-              <a:solidFill>
-                <a:srgbClr val="ffffff"/>
-              </a:solidFill>
-              <a:uFill>
-                <a:solidFill>
-                  <a:srgbClr val="ffffff"/>
-                </a:solidFill>
-              </a:uFill>
-              <a:latin typeface="Arial"/>
-            </a:endParaRPr>
-          </a:p>
-        </p:txBody>
+        <p:style>
+          <a:lnRef idx="0"/>
+          <a:fillRef idx="0"/>
+          <a:effectRef idx="0"/>
+          <a:fontRef idx="minor"/>
+        </p:style>
       </p:sp>
       <p:pic>
         <p:nvPicPr>
-          <p:cNvPr id="56" name="" descr=""/>
+          <p:cNvPr id="92" name="" descr=""/>
           <p:cNvPicPr/>
           <p:nvPr/>
         </p:nvPicPr>
@@ -2912,8 +5140,8 @@
         </p:blipFill>
         <p:spPr>
           <a:xfrm>
-            <a:off x="1203120" y="1368000"/>
-            <a:ext cx="7673400" cy="3288240"/>
+            <a:off x="3395880" y="1368000"/>
+            <a:ext cx="3287880" cy="3287880"/>
           </a:xfrm>
           <a:prstGeom prst="rect">
             <a:avLst/>
@@ -2923,8 +5151,85 @@
           </a:ln>
         </p:spPr>
       </p:pic>
+      <p:sp>
+        <p:nvSpPr>
+          <p:cNvPr id="93" name="TextShape 2"/>
+          <p:cNvSpPr txBox="1"/>
+          <p:nvPr/>
+        </p:nvSpPr>
+        <p:spPr>
+          <a:xfrm>
+            <a:off x="2160000" y="432000"/>
+            <a:ext cx="3960000" cy="346320"/>
+          </a:xfrm>
+          <a:prstGeom prst="rect">
+            <a:avLst/>
+          </a:prstGeom>
+          <a:noFill/>
+          <a:ln>
+            <a:noFill/>
+          </a:ln>
+        </p:spPr>
+        <p:txBody>
+          <a:bodyPr lIns="90000" rIns="90000" tIns="45000" bIns="45000"/>
+          <a:p>
+            <a:r>
+              <a:rPr b="0" lang="en-ZA" sz="1800" spc="-1" strike="noStrike">
+                <a:solidFill>
+                  <a:srgbClr val="000000"/>
+                </a:solidFill>
+                <a:uFill>
+                  <a:solidFill>
+                    <a:srgbClr val="ffffff"/>
+                  </a:solidFill>
+                </a:uFill>
+                <a:latin typeface="Arial"/>
+              </a:rPr>
+              <a:t>HTML5</a:t>
+            </a:r>
+            <a:endParaRPr b="0" lang="en-ZA" sz="1800" spc="-1" strike="noStrike">
+              <a:solidFill>
+                <a:srgbClr val="000000"/>
+              </a:solidFill>
+              <a:uFill>
+                <a:solidFill>
+                  <a:srgbClr val="ffffff"/>
+                </a:solidFill>
+              </a:uFill>
+              <a:latin typeface="Arial"/>
+            </a:endParaRPr>
+          </a:p>
+        </p:txBody>
+      </p:sp>
     </p:spTree>
   </p:cSld>
+  <p:timing>
+    <p:tnLst>
+      <p:par>
+        <p:cTn id="11" dur="indefinite" restart="never" nodeType="tmRoot">
+          <p:childTnLst>
+            <p:seq>
+              <p:cTn id="12" nodeType="mainSeq"/>
+              <p:prevCondLst>
+                <p:cond delay="0" evt="onPrev">
+                  <p:tgtEl>
+                    <p:sldTgt/>
+                  </p:tgtEl>
+                </p:cond>
+              </p:prevCondLst>
+              <p:nextCondLst>
+                <p:cond delay="0" evt="onNext">
+                  <p:tgtEl>
+                    <p:sldTgt/>
+                  </p:tgtEl>
+                </p:cond>
+              </p:nextCondLst>
+            </p:seq>
+          </p:childTnLst>
+        </p:cTn>
+      </p:par>
+    </p:tnLst>
+  </p:timing>
 </p:sld>
 </file>
 
@@ -2947,14 +5252,14 @@
       </p:grpSpPr>
       <p:sp>
         <p:nvSpPr>
-          <p:cNvPr id="57" name="TextShape 1"/>
-          <p:cNvSpPr txBox="1"/>
+          <p:cNvPr id="94" name="CustomShape 1"/>
+          <p:cNvSpPr/>
           <p:nvPr/>
         </p:nvSpPr>
         <p:spPr>
           <a:xfrm>
             <a:off x="504000" y="216000"/>
-            <a:ext cx="7020000" cy="936000"/>
+            <a:ext cx="7019640" cy="935640"/>
           </a:xfrm>
           <a:prstGeom prst="rect">
             <a:avLst/>
@@ -2964,12 +5269,32 @@
             <a:noFill/>
           </a:ln>
         </p:spPr>
+        <p:style>
+          <a:lnRef idx="0"/>
+          <a:fillRef idx="0"/>
+          <a:effectRef idx="0"/>
+          <a:fontRef idx="minor"/>
+        </p:style>
         <p:txBody>
           <a:bodyPr lIns="0" rIns="0" tIns="0" bIns="0" anchor="ctr"/>
           <a:p>
-            <a:endParaRPr b="0" lang="de-DE" sz="3570" spc="-1" strike="noStrike">
-              <a:solidFill>
-                <a:srgbClr val="ffffff"/>
+            <a:r>
+              <a:rPr b="0" lang="en-ZA" sz="1800" spc="-1" strike="noStrike">
+                <a:solidFill>
+                  <a:srgbClr val="000000"/>
+                </a:solidFill>
+                <a:uFill>
+                  <a:solidFill>
+                    <a:srgbClr val="ffffff"/>
+                  </a:solidFill>
+                </a:uFill>
+                <a:latin typeface="Arial"/>
+              </a:rPr>
+              <a:t>NodeJS</a:t>
+            </a:r>
+            <a:endParaRPr b="0" lang="en-ZA" sz="1800" spc="-1" strike="noStrike">
+              <a:solidFill>
+                <a:srgbClr val="000000"/>
               </a:solidFill>
               <a:uFill>
                 <a:solidFill>
@@ -2983,7 +5308,7 @@
       </p:sp>
       <p:pic>
         <p:nvPicPr>
-          <p:cNvPr id="58" name="" descr=""/>
+          <p:cNvPr id="95" name="" descr=""/>
           <p:cNvPicPr/>
           <p:nvPr/>
         </p:nvPicPr>
@@ -2993,8 +5318,8 @@
         </p:blipFill>
         <p:spPr>
           <a:xfrm>
-            <a:off x="3330000" y="1368000"/>
-            <a:ext cx="3419640" cy="3288240"/>
+            <a:off x="1203120" y="1368000"/>
+            <a:ext cx="7673040" cy="3287880"/>
           </a:xfrm>
           <a:prstGeom prst="rect">
             <a:avLst/>
@@ -3006,6 +5331,33 @@
       </p:pic>
     </p:spTree>
   </p:cSld>
+  <p:timing>
+    <p:tnLst>
+      <p:par>
+        <p:cTn id="13" dur="indefinite" restart="never" nodeType="tmRoot">
+          <p:childTnLst>
+            <p:seq>
+              <p:cTn id="14" nodeType="mainSeq"/>
+              <p:prevCondLst>
+                <p:cond delay="0" evt="onPrev">
+                  <p:tgtEl>
+                    <p:sldTgt/>
+                  </p:tgtEl>
+                </p:cond>
+              </p:prevCondLst>
+              <p:nextCondLst>
+                <p:cond delay="0" evt="onNext">
+                  <p:tgtEl>
+                    <p:sldTgt/>
+                  </p:tgtEl>
+                </p:cond>
+              </p:nextCondLst>
+            </p:seq>
+          </p:childTnLst>
+        </p:cTn>
+      </p:par>
+    </p:tnLst>
+  </p:timing>
 </p:sld>
 </file>
 
@@ -3028,14 +5380,14 @@
       </p:grpSpPr>
       <p:sp>
         <p:nvSpPr>
-          <p:cNvPr id="59" name="TextShape 1"/>
-          <p:cNvSpPr txBox="1"/>
+          <p:cNvPr id="96" name="CustomShape 1"/>
+          <p:cNvSpPr/>
           <p:nvPr/>
         </p:nvSpPr>
         <p:spPr>
           <a:xfrm>
             <a:off x="504000" y="216000"/>
-            <a:ext cx="7020000" cy="936000"/>
+            <a:ext cx="7019640" cy="935640"/>
           </a:xfrm>
           <a:prstGeom prst="rect">
             <a:avLst/>
@@ -3045,26 +5397,16 @@
             <a:noFill/>
           </a:ln>
         </p:spPr>
-        <p:txBody>
-          <a:bodyPr lIns="0" rIns="0" tIns="0" bIns="0" anchor="ctr"/>
-          <a:p>
-            <a:endParaRPr b="0" lang="de-DE" sz="3570" spc="-1" strike="noStrike">
-              <a:solidFill>
-                <a:srgbClr val="ffffff"/>
-              </a:solidFill>
-              <a:uFill>
-                <a:solidFill>
-                  <a:srgbClr val="ffffff"/>
-                </a:solidFill>
-              </a:uFill>
-              <a:latin typeface="Arial"/>
-            </a:endParaRPr>
-          </a:p>
-        </p:txBody>
+        <p:style>
+          <a:lnRef idx="0"/>
+          <a:fillRef idx="0"/>
+          <a:effectRef idx="0"/>
+          <a:fontRef idx="minor"/>
+        </p:style>
       </p:sp>
       <p:pic>
         <p:nvPicPr>
-          <p:cNvPr id="60" name="" descr=""/>
+          <p:cNvPr id="97" name="" descr=""/>
           <p:cNvPicPr/>
           <p:nvPr/>
         </p:nvPicPr>
@@ -3074,8 +5416,8 @@
         </p:blipFill>
         <p:spPr>
           <a:xfrm>
-            <a:off x="2274120" y="1368000"/>
-            <a:ext cx="5531400" cy="3288240"/>
+            <a:off x="3330000" y="1368000"/>
+            <a:ext cx="3419280" cy="3287880"/>
           </a:xfrm>
           <a:prstGeom prst="rect">
             <a:avLst/>
@@ -3085,8 +5427,85 @@
           </a:ln>
         </p:spPr>
       </p:pic>
+      <p:sp>
+        <p:nvSpPr>
+          <p:cNvPr id="98" name="TextShape 2"/>
+          <p:cNvSpPr txBox="1"/>
+          <p:nvPr/>
+        </p:nvSpPr>
+        <p:spPr>
+          <a:xfrm>
+            <a:off x="288000" y="288000"/>
+            <a:ext cx="5760000" cy="346320"/>
+          </a:xfrm>
+          <a:prstGeom prst="rect">
+            <a:avLst/>
+          </a:prstGeom>
+          <a:noFill/>
+          <a:ln>
+            <a:noFill/>
+          </a:ln>
+        </p:spPr>
+        <p:txBody>
+          <a:bodyPr lIns="90000" rIns="90000" tIns="45000" bIns="45000"/>
+          <a:p>
+            <a:r>
+              <a:rPr b="0" lang="en-ZA" sz="1800" spc="-1" strike="noStrike">
+                <a:solidFill>
+                  <a:srgbClr val="000000"/>
+                </a:solidFill>
+                <a:uFill>
+                  <a:solidFill>
+                    <a:srgbClr val="ffffff"/>
+                  </a:solidFill>
+                </a:uFill>
+                <a:latin typeface="Arial"/>
+              </a:rPr>
+              <a:t>Handling web requests</a:t>
+            </a:r>
+            <a:endParaRPr b="0" lang="en-ZA" sz="1800" spc="-1" strike="noStrike">
+              <a:solidFill>
+                <a:srgbClr val="000000"/>
+              </a:solidFill>
+              <a:uFill>
+                <a:solidFill>
+                  <a:srgbClr val="ffffff"/>
+                </a:solidFill>
+              </a:uFill>
+              <a:latin typeface="Arial"/>
+            </a:endParaRPr>
+          </a:p>
+        </p:txBody>
+      </p:sp>
     </p:spTree>
   </p:cSld>
+  <p:timing>
+    <p:tnLst>
+      <p:par>
+        <p:cTn id="15" dur="indefinite" restart="never" nodeType="tmRoot">
+          <p:childTnLst>
+            <p:seq>
+              <p:cTn id="16" nodeType="mainSeq"/>
+              <p:prevCondLst>
+                <p:cond delay="0" evt="onPrev">
+                  <p:tgtEl>
+                    <p:sldTgt/>
+                  </p:tgtEl>
+                </p:cond>
+              </p:prevCondLst>
+              <p:nextCondLst>
+                <p:cond delay="0" evt="onNext">
+                  <p:tgtEl>
+                    <p:sldTgt/>
+                  </p:tgtEl>
+                </p:cond>
+              </p:nextCondLst>
+            </p:seq>
+          </p:childTnLst>
+        </p:cTn>
+      </p:par>
+    </p:tnLst>
+  </p:timing>
 </p:sld>
 </file>
 
@@ -3311,4 +5730,227 @@
     </a:fmtScheme>
   </a:themeElements>
 </a:theme>
+</file>
+
+<file path=ppt/theme/theme2.xml><?xml version="1.0" encoding="utf-8"?>
+<a:theme xmlns:a="http://schemas.openxmlformats.org/drawingml/2006/main" name="Office Theme">
+  <a:themeElements>
+    <a:clrScheme name="Office">
+      <a:dk1>
+        <a:sysClr val="windowText" lastClr="000000"/>
+      </a:dk1>
+      <a:lt1>
+        <a:sysClr val="window" lastClr="FFFFFF"/>
+      </a:lt1>
+      <a:dk2>
+        <a:srgbClr val="1F497D"/>
+      </a:dk2>
+      <a:lt2>
+        <a:srgbClr val="EEECE1"/>
+      </a:lt2>
+      <a:accent1>
+        <a:srgbClr val="4F81BD"/>
+      </a:accent1>
+      <a:accent2>
+        <a:srgbClr val="C0504D"/>
+      </a:accent2>
+      <a:accent3>
+        <a:srgbClr val="9BBB59"/>
+      </a:accent3>
+      <a:accent4>
+        <a:srgbClr val="8064A2"/>
+      </a:accent4>
+      <a:accent5>
+        <a:srgbClr val="4BACC6"/>
+      </a:accent5>
+      <a:accent6>
+        <a:srgbClr val="F79646"/>
+      </a:accent6>
+      <a:hlink>
+        <a:srgbClr val="0000FF"/>
+      </a:hlink>
+      <a:folHlink>
+        <a:srgbClr val="800080"/>
+      </a:folHlink>
+    </a:clrScheme>
+    <a:fontScheme name="Office">
+      <a:majorFont>
+        <a:latin typeface="Arial"/>
+        <a:ea typeface="DejaVu Sans"/>
+        <a:cs typeface="DejaVu Sans"/>
+      </a:majorFont>
+      <a:minorFont>
+        <a:latin typeface="Arial"/>
+        <a:ea typeface="DejaVu Sans"/>
+        <a:cs typeface="DejaVu Sans"/>
+      </a:minorFont>
+    </a:fontScheme>
+    <a:fmtScheme name="Office">
+      <a:fillStyleLst>
+        <a:solidFill>
+          <a:schemeClr val="phClr"/>
+        </a:solidFill>
+        <a:gradFill rotWithShape="1">
+          <a:gsLst>
+            <a:gs pos="0">
+              <a:schemeClr val="phClr">
+                <a:tint val="50000"/>
+                <a:satMod val="300000"/>
+              </a:schemeClr>
+            </a:gs>
+            <a:gs pos="35000">
+              <a:schemeClr val="phClr">
+                <a:tint val="37000"/>
+                <a:satMod val="300000"/>
+              </a:schemeClr>
+            </a:gs>
+            <a:gs pos="100000">
+              <a:schemeClr val="phClr">
+                <a:tint val="15000"/>
+                <a:satMod val="350000"/>
+              </a:schemeClr>
+            </a:gs>
+          </a:gsLst>
+          <a:lin ang="16200000" scaled="1"/>
+        </a:gradFill>
+        <a:gradFill rotWithShape="1">
+          <a:gsLst>
+            <a:gs pos="0">
+              <a:schemeClr val="phClr">
+                <a:shade val="51000"/>
+                <a:satMod val="130000"/>
+              </a:schemeClr>
+            </a:gs>
+            <a:gs pos="80000">
+              <a:schemeClr val="phClr">
+                <a:shade val="93000"/>
+                <a:satMod val="130000"/>
+              </a:schemeClr>
+            </a:gs>
+            <a:gs pos="100000">
+              <a:schemeClr val="phClr">
+                <a:shade val="94000"/>
+                <a:satMod val="135000"/>
+              </a:schemeClr>
+            </a:gs>
+          </a:gsLst>
+          <a:lin ang="16200000" scaled="0"/>
+        </a:gradFill>
+      </a:fillStyleLst>
+      <a:lnStyleLst>
+        <a:ln w="9525" cap="flat" cmpd="sng" algn="ctr">
+          <a:solidFill>
+            <a:schemeClr val="phClr">
+              <a:shade val="95000"/>
+              <a:satMod val="105000"/>
+            </a:schemeClr>
+          </a:solidFill>
+          <a:prstDash val="solid"/>
+        </a:ln>
+        <a:ln w="25400" cap="flat" cmpd="sng" algn="ctr">
+          <a:solidFill>
+            <a:schemeClr val="phClr"/>
+          </a:solidFill>
+          <a:prstDash val="solid"/>
+        </a:ln>
+        <a:ln w="38100" cap="flat" cmpd="sng" algn="ctr">
+          <a:solidFill>
+            <a:schemeClr val="phClr"/>
+          </a:solidFill>
+          <a:prstDash val="solid"/>
+        </a:ln>
+      </a:lnStyleLst>
+      <a:effectStyleLst>
+        <a:effectStyle>
+          <a:effectLst>
+            <a:outerShdw blurRad="40000" dist="20000" dir="5400000" rotWithShape="0">
+              <a:srgbClr val="000000">
+                <a:alpha val="38000"/>
+              </a:srgbClr>
+            </a:outerShdw>
+          </a:effectLst>
+        </a:effectStyle>
+        <a:effectStyle>
+          <a:effectLst>
+            <a:outerShdw blurRad="40000" dist="23000" dir="5400000" rotWithShape="0">
+              <a:srgbClr val="000000">
+                <a:alpha val="35000"/>
+              </a:srgbClr>
+            </a:outerShdw>
+          </a:effectLst>
+        </a:effectStyle>
+        <a:effectStyle>
+          <a:effectLst>
+            <a:outerShdw blurRad="40000" dist="23000" dir="5400000" rotWithShape="0">
+              <a:srgbClr val="000000">
+                <a:alpha val="35000"/>
+              </a:srgbClr>
+            </a:outerShdw>
+          </a:effectLst>
+          <a:scene3d>
+            <a:camera prst="orthographicFront">
+              <a:rot lat="0" lon="0" rev="0"/>
+            </a:camera>
+            <a:lightRig rig="threePt" dir="t">
+              <a:rot lat="0" lon="0" rev="1200000"/>
+            </a:lightRig>
+          </a:scene3d>
+          <a:sp3d>
+            <a:bevelT w="63500" h="25400"/>
+          </a:sp3d>
+        </a:effectStyle>
+      </a:effectStyleLst>
+      <a:bgFillStyleLst>
+        <a:solidFill>
+          <a:schemeClr val="phClr"/>
+        </a:solidFill>
+        <a:gradFill rotWithShape="1">
+          <a:gsLst>
+            <a:gs pos="0">
+              <a:schemeClr val="phClr">
+                <a:tint val="40000"/>
+                <a:satMod val="350000"/>
+              </a:schemeClr>
+            </a:gs>
+            <a:gs pos="40000">
+              <a:schemeClr val="phClr">
+                <a:tint val="45000"/>
+                <a:shade val="99000"/>
+                <a:satMod val="350000"/>
+              </a:schemeClr>
+            </a:gs>
+            <a:gs pos="100000">
+              <a:schemeClr val="phClr">
+                <a:shade val="20000"/>
+                <a:satMod val="255000"/>
+              </a:schemeClr>
+            </a:gs>
+          </a:gsLst>
+          <a:path path="circle">
+            <a:fillToRect l="50000" t="-80000" r="50000" b="180000"/>
+          </a:path>
+        </a:gradFill>
+        <a:gradFill rotWithShape="1">
+          <a:gsLst>
+            <a:gs pos="0">
+              <a:schemeClr val="phClr">
+                <a:tint val="80000"/>
+                <a:satMod val="300000"/>
+              </a:schemeClr>
+            </a:gs>
+            <a:gs pos="100000">
+              <a:schemeClr val="phClr">
+                <a:shade val="30000"/>
+                <a:satMod val="200000"/>
+              </a:schemeClr>
+            </a:gs>
+          </a:gsLst>
+          <a:path path="circle">
+            <a:fillToRect l="50000" t="50000" r="50000" b="50000"/>
+          </a:path>
+        </a:gradFill>
+      </a:bgFillStyleLst>
+    </a:fmtScheme>
+  </a:themeElements>
+</a:theme>
 </file>
--- a/presentation 1.pptx
+++ b/presentation 1.pptx
@@ -17,8 +17,6 @@
     <p:sldId id="264" r:id="rId12"/>
     <p:sldId id="265" r:id="rId13"/>
     <p:sldId id="266" r:id="rId14"/>
-    <p:sldId id="267" r:id="rId15"/>
-    <p:sldId id="268" r:id="rId16"/>
   </p:sldIdLst>
   <p:sldSz cx="10080625" cy="5670550"/>
   <p:notesSz cx="7559675" cy="10691812"/>
@@ -76,8 +74,8 @@
         </p:nvSpPr>
         <p:spPr>
           <a:xfrm>
-            <a:off x="504000" y="216000"/>
-            <a:ext cx="7019640" cy="935640"/>
+            <a:off x="504000" y="226080"/>
+            <a:ext cx="9072000" cy="946440"/>
           </a:xfrm>
           <a:prstGeom prst="rect">
             <a:avLst/>
@@ -113,8 +111,8 @@
         </p:nvSpPr>
         <p:spPr>
           <a:xfrm>
-            <a:off x="504000" y="1368000"/>
-            <a:ext cx="9071640" cy="1568160"/>
+            <a:off x="504000" y="1326600"/>
+            <a:ext cx="9072000" cy="1568520"/>
           </a:xfrm>
           <a:prstGeom prst="rect">
             <a:avLst/>
@@ -149,8 +147,8 @@
         </p:nvSpPr>
         <p:spPr>
           <a:xfrm>
-            <a:off x="504000" y="3085560"/>
-            <a:ext cx="9071640" cy="1568160"/>
+            <a:off x="504000" y="3044520"/>
+            <a:ext cx="9072000" cy="1568520"/>
           </a:xfrm>
           <a:prstGeom prst="rect">
             <a:avLst/>
@@ -207,8 +205,8 @@
         </p:nvSpPr>
         <p:spPr>
           <a:xfrm>
-            <a:off x="504000" y="216000"/>
-            <a:ext cx="7019640" cy="935640"/>
+            <a:off x="504000" y="226080"/>
+            <a:ext cx="9072000" cy="946440"/>
           </a:xfrm>
           <a:prstGeom prst="rect">
             <a:avLst/>
@@ -244,8 +242,8 @@
         </p:nvSpPr>
         <p:spPr>
           <a:xfrm>
-            <a:off x="504000" y="1368000"/>
-            <a:ext cx="4426920" cy="1568160"/>
+            <a:off x="504000" y="1326600"/>
+            <a:ext cx="4426920" cy="1568520"/>
           </a:xfrm>
           <a:prstGeom prst="rect">
             <a:avLst/>
@@ -280,8 +278,8 @@
         </p:nvSpPr>
         <p:spPr>
           <a:xfrm>
-            <a:off x="5152680" y="1368000"/>
-            <a:ext cx="4426920" cy="1568160"/>
+            <a:off x="5152680" y="1326600"/>
+            <a:ext cx="4426920" cy="1568520"/>
           </a:xfrm>
           <a:prstGeom prst="rect">
             <a:avLst/>
@@ -316,8 +314,8 @@
         </p:nvSpPr>
         <p:spPr>
           <a:xfrm>
-            <a:off x="5152680" y="3085560"/>
-            <a:ext cx="4426920" cy="1568160"/>
+            <a:off x="5152680" y="3044520"/>
+            <a:ext cx="4426920" cy="1568520"/>
           </a:xfrm>
           <a:prstGeom prst="rect">
             <a:avLst/>
@@ -352,8 +350,8 @@
         </p:nvSpPr>
         <p:spPr>
           <a:xfrm>
-            <a:off x="504000" y="3085560"/>
-            <a:ext cx="4426920" cy="1568160"/>
+            <a:off x="504000" y="3044520"/>
+            <a:ext cx="4426920" cy="1568520"/>
           </a:xfrm>
           <a:prstGeom prst="rect">
             <a:avLst/>
@@ -410,8 +408,8 @@
         </p:nvSpPr>
         <p:spPr>
           <a:xfrm>
-            <a:off x="504000" y="216000"/>
-            <a:ext cx="7019640" cy="935640"/>
+            <a:off x="504000" y="226080"/>
+            <a:ext cx="9072000" cy="946440"/>
           </a:xfrm>
           <a:prstGeom prst="rect">
             <a:avLst/>
@@ -447,8 +445,8 @@
         </p:nvSpPr>
         <p:spPr>
           <a:xfrm>
-            <a:off x="504000" y="1368000"/>
-            <a:ext cx="9071640" cy="3287880"/>
+            <a:off x="504000" y="1326600"/>
+            <a:ext cx="9072000" cy="3288600"/>
           </a:xfrm>
           <a:prstGeom prst="rect">
             <a:avLst/>
@@ -483,8 +481,8 @@
         </p:nvSpPr>
         <p:spPr>
           <a:xfrm>
-            <a:off x="504000" y="1368000"/>
-            <a:ext cx="9071640" cy="3287880"/>
+            <a:off x="504000" y="1326600"/>
+            <a:ext cx="9072000" cy="3288600"/>
           </a:xfrm>
           <a:prstGeom prst="rect">
             <a:avLst/>
@@ -519,8 +517,8 @@
         </p:blipFill>
         <p:spPr>
           <a:xfrm>
-            <a:off x="2979360" y="1367640"/>
-            <a:ext cx="4120560" cy="3287880"/>
+            <a:off x="2979000" y="1326240"/>
+            <a:ext cx="4121640" cy="3288600"/>
           </a:xfrm>
           <a:prstGeom prst="rect">
             <a:avLst/>
@@ -542,8 +540,8 @@
         </p:blipFill>
         <p:spPr>
           <a:xfrm>
-            <a:off x="2979360" y="1367640"/>
-            <a:ext cx="4120560" cy="3287880"/>
+            <a:off x="2979000" y="1326240"/>
+            <a:ext cx="4121640" cy="3288600"/>
           </a:xfrm>
           <a:prstGeom prst="rect">
             <a:avLst/>
@@ -609,8 +607,8 @@
         </p:nvSpPr>
         <p:spPr>
           <a:xfrm>
-            <a:off x="504000" y="216000"/>
-            <a:ext cx="7019640" cy="935640"/>
+            <a:off x="504000" y="226080"/>
+            <a:ext cx="9072000" cy="946440"/>
           </a:xfrm>
           <a:prstGeom prst="rect">
             <a:avLst/>
@@ -646,8 +644,8 @@
         </p:nvSpPr>
         <p:spPr>
           <a:xfrm>
-            <a:off x="504000" y="1368000"/>
-            <a:ext cx="9071640" cy="3287880"/>
+            <a:off x="504000" y="1326600"/>
+            <a:ext cx="9072000" cy="3288600"/>
           </a:xfrm>
           <a:prstGeom prst="rect">
             <a:avLst/>
@@ -705,8 +703,8 @@
         </p:nvSpPr>
         <p:spPr>
           <a:xfrm>
-            <a:off x="504000" y="216000"/>
-            <a:ext cx="7019640" cy="935640"/>
+            <a:off x="504000" y="226080"/>
+            <a:ext cx="9072000" cy="946440"/>
           </a:xfrm>
           <a:prstGeom prst="rect">
             <a:avLst/>
@@ -742,8 +740,8 @@
         </p:nvSpPr>
         <p:spPr>
           <a:xfrm>
-            <a:off x="504000" y="1368000"/>
-            <a:ext cx="9071640" cy="3287880"/>
+            <a:off x="504000" y="1326600"/>
+            <a:ext cx="9072000" cy="3288600"/>
           </a:xfrm>
           <a:prstGeom prst="rect">
             <a:avLst/>
@@ -800,8 +798,8 @@
         </p:nvSpPr>
         <p:spPr>
           <a:xfrm>
-            <a:off x="504000" y="216000"/>
-            <a:ext cx="7019640" cy="935640"/>
+            <a:off x="504000" y="226080"/>
+            <a:ext cx="9072000" cy="946440"/>
           </a:xfrm>
           <a:prstGeom prst="rect">
             <a:avLst/>
@@ -837,8 +835,8 @@
         </p:nvSpPr>
         <p:spPr>
           <a:xfrm>
-            <a:off x="504000" y="1368000"/>
-            <a:ext cx="4426920" cy="3287880"/>
+            <a:off x="504000" y="1326600"/>
+            <a:ext cx="4426920" cy="3288600"/>
           </a:xfrm>
           <a:prstGeom prst="rect">
             <a:avLst/>
@@ -873,8 +871,8 @@
         </p:nvSpPr>
         <p:spPr>
           <a:xfrm>
-            <a:off x="5152680" y="1368000"/>
-            <a:ext cx="4426920" cy="3287880"/>
+            <a:off x="5152680" y="1326600"/>
+            <a:ext cx="4426920" cy="3288600"/>
           </a:xfrm>
           <a:prstGeom prst="rect">
             <a:avLst/>
@@ -931,8 +929,8 @@
         </p:nvSpPr>
         <p:spPr>
           <a:xfrm>
-            <a:off x="504000" y="216000"/>
-            <a:ext cx="7019640" cy="935640"/>
+            <a:off x="504000" y="226080"/>
+            <a:ext cx="9072000" cy="946440"/>
           </a:xfrm>
           <a:prstGeom prst="rect">
             <a:avLst/>
@@ -990,8 +988,8 @@
         </p:nvSpPr>
         <p:spPr>
           <a:xfrm>
-            <a:off x="504000" y="216000"/>
-            <a:ext cx="7019640" cy="4338360"/>
+            <a:off x="504000" y="226080"/>
+            <a:ext cx="9072000" cy="4388400"/>
           </a:xfrm>
           <a:prstGeom prst="rect">
             <a:avLst/>
@@ -1049,8 +1047,8 @@
         </p:nvSpPr>
         <p:spPr>
           <a:xfrm>
-            <a:off x="504000" y="216000"/>
-            <a:ext cx="7019640" cy="935640"/>
+            <a:off x="504000" y="226080"/>
+            <a:ext cx="9072000" cy="946440"/>
           </a:xfrm>
           <a:prstGeom prst="rect">
             <a:avLst/>
@@ -1086,8 +1084,8 @@
         </p:nvSpPr>
         <p:spPr>
           <a:xfrm>
-            <a:off x="504000" y="1368000"/>
-            <a:ext cx="4426920" cy="1568160"/>
+            <a:off x="504000" y="1326600"/>
+            <a:ext cx="4426920" cy="1568520"/>
           </a:xfrm>
           <a:prstGeom prst="rect">
             <a:avLst/>
@@ -1122,8 +1120,8 @@
         </p:nvSpPr>
         <p:spPr>
           <a:xfrm>
-            <a:off x="504000" y="3085560"/>
-            <a:ext cx="4426920" cy="1568160"/>
+            <a:off x="504000" y="3044520"/>
+            <a:ext cx="4426920" cy="1568520"/>
           </a:xfrm>
           <a:prstGeom prst="rect">
             <a:avLst/>
@@ -1158,8 +1156,8 @@
         </p:nvSpPr>
         <p:spPr>
           <a:xfrm>
-            <a:off x="5152680" y="1368000"/>
-            <a:ext cx="4426920" cy="3287880"/>
+            <a:off x="5152680" y="1326600"/>
+            <a:ext cx="4426920" cy="3288600"/>
           </a:xfrm>
           <a:prstGeom prst="rect">
             <a:avLst/>
@@ -1216,8 +1214,8 @@
         </p:nvSpPr>
         <p:spPr>
           <a:xfrm>
-            <a:off x="504000" y="216000"/>
-            <a:ext cx="7019640" cy="935640"/>
+            <a:off x="504000" y="226080"/>
+            <a:ext cx="9072000" cy="946440"/>
           </a:xfrm>
           <a:prstGeom prst="rect">
             <a:avLst/>
@@ -1253,8 +1251,8 @@
         </p:nvSpPr>
         <p:spPr>
           <a:xfrm>
-            <a:off x="504000" y="1368000"/>
-            <a:ext cx="9071640" cy="3287880"/>
+            <a:off x="504000" y="1326600"/>
+            <a:ext cx="9072000" cy="3288600"/>
           </a:xfrm>
           <a:prstGeom prst="rect">
             <a:avLst/>
@@ -1312,8 +1310,8 @@
         </p:nvSpPr>
         <p:spPr>
           <a:xfrm>
-            <a:off x="504000" y="216000"/>
-            <a:ext cx="7019640" cy="935640"/>
+            <a:off x="504000" y="226080"/>
+            <a:ext cx="9072000" cy="946440"/>
           </a:xfrm>
           <a:prstGeom prst="rect">
             <a:avLst/>
@@ -1349,8 +1347,8 @@
         </p:nvSpPr>
         <p:spPr>
           <a:xfrm>
-            <a:off x="504000" y="1368000"/>
-            <a:ext cx="4426920" cy="3287880"/>
+            <a:off x="504000" y="1326600"/>
+            <a:ext cx="4426920" cy="3288600"/>
           </a:xfrm>
           <a:prstGeom prst="rect">
             <a:avLst/>
@@ -1385,8 +1383,8 @@
         </p:nvSpPr>
         <p:spPr>
           <a:xfrm>
-            <a:off x="5152680" y="1368000"/>
-            <a:ext cx="4426920" cy="1568160"/>
+            <a:off x="5152680" y="1326600"/>
+            <a:ext cx="4426920" cy="1568520"/>
           </a:xfrm>
           <a:prstGeom prst="rect">
             <a:avLst/>
@@ -1421,8 +1419,8 @@
         </p:nvSpPr>
         <p:spPr>
           <a:xfrm>
-            <a:off x="5152680" y="3085560"/>
-            <a:ext cx="4426920" cy="1568160"/>
+            <a:off x="5152680" y="3044520"/>
+            <a:ext cx="4426920" cy="1568520"/>
           </a:xfrm>
           <a:prstGeom prst="rect">
             <a:avLst/>
@@ -1479,8 +1477,8 @@
         </p:nvSpPr>
         <p:spPr>
           <a:xfrm>
-            <a:off x="504000" y="216000"/>
-            <a:ext cx="7019640" cy="935640"/>
+            <a:off x="504000" y="226080"/>
+            <a:ext cx="9072000" cy="946440"/>
           </a:xfrm>
           <a:prstGeom prst="rect">
             <a:avLst/>
@@ -1516,8 +1514,8 @@
         </p:nvSpPr>
         <p:spPr>
           <a:xfrm>
-            <a:off x="504000" y="1368000"/>
-            <a:ext cx="4426920" cy="1568160"/>
+            <a:off x="504000" y="1326600"/>
+            <a:ext cx="4426920" cy="1568520"/>
           </a:xfrm>
           <a:prstGeom prst="rect">
             <a:avLst/>
@@ -1552,8 +1550,8 @@
         </p:nvSpPr>
         <p:spPr>
           <a:xfrm>
-            <a:off x="5152680" y="1368000"/>
-            <a:ext cx="4426920" cy="1568160"/>
+            <a:off x="5152680" y="1326600"/>
+            <a:ext cx="4426920" cy="1568520"/>
           </a:xfrm>
           <a:prstGeom prst="rect">
             <a:avLst/>
@@ -1588,8 +1586,8 @@
         </p:nvSpPr>
         <p:spPr>
           <a:xfrm>
-            <a:off x="504000" y="3085560"/>
-            <a:ext cx="9071640" cy="1568160"/>
+            <a:off x="504000" y="3044520"/>
+            <a:ext cx="9072000" cy="1568520"/>
           </a:xfrm>
           <a:prstGeom prst="rect">
             <a:avLst/>
@@ -1646,8 +1644,8 @@
         </p:nvSpPr>
         <p:spPr>
           <a:xfrm>
-            <a:off x="504000" y="216000"/>
-            <a:ext cx="7019640" cy="935640"/>
+            <a:off x="504000" y="226080"/>
+            <a:ext cx="9072000" cy="946440"/>
           </a:xfrm>
           <a:prstGeom prst="rect">
             <a:avLst/>
@@ -1683,8 +1681,8 @@
         </p:nvSpPr>
         <p:spPr>
           <a:xfrm>
-            <a:off x="504000" y="1368000"/>
-            <a:ext cx="9071640" cy="1568160"/>
+            <a:off x="504000" y="1326600"/>
+            <a:ext cx="9072000" cy="1568520"/>
           </a:xfrm>
           <a:prstGeom prst="rect">
             <a:avLst/>
@@ -1719,8 +1717,8 @@
         </p:nvSpPr>
         <p:spPr>
           <a:xfrm>
-            <a:off x="504000" y="3085560"/>
-            <a:ext cx="9071640" cy="1568160"/>
+            <a:off x="504000" y="3044520"/>
+            <a:ext cx="9072000" cy="1568520"/>
           </a:xfrm>
           <a:prstGeom prst="rect">
             <a:avLst/>
@@ -1777,8 +1775,8 @@
         </p:nvSpPr>
         <p:spPr>
           <a:xfrm>
-            <a:off x="504000" y="216000"/>
-            <a:ext cx="7019640" cy="935640"/>
+            <a:off x="504000" y="226080"/>
+            <a:ext cx="9072000" cy="946440"/>
           </a:xfrm>
           <a:prstGeom prst="rect">
             <a:avLst/>
@@ -1814,8 +1812,8 @@
         </p:nvSpPr>
         <p:spPr>
           <a:xfrm>
-            <a:off x="504000" y="1368000"/>
-            <a:ext cx="4426920" cy="1568160"/>
+            <a:off x="504000" y="1326600"/>
+            <a:ext cx="4426920" cy="1568520"/>
           </a:xfrm>
           <a:prstGeom prst="rect">
             <a:avLst/>
@@ -1850,8 +1848,8 @@
         </p:nvSpPr>
         <p:spPr>
           <a:xfrm>
-            <a:off x="5152680" y="1368000"/>
-            <a:ext cx="4426920" cy="1568160"/>
+            <a:off x="5152680" y="1326600"/>
+            <a:ext cx="4426920" cy="1568520"/>
           </a:xfrm>
           <a:prstGeom prst="rect">
             <a:avLst/>
@@ -1886,8 +1884,8 @@
         </p:nvSpPr>
         <p:spPr>
           <a:xfrm>
-            <a:off x="5152680" y="3085560"/>
-            <a:ext cx="4426920" cy="1568160"/>
+            <a:off x="5152680" y="3044520"/>
+            <a:ext cx="4426920" cy="1568520"/>
           </a:xfrm>
           <a:prstGeom prst="rect">
             <a:avLst/>
@@ -1922,8 +1920,8 @@
         </p:nvSpPr>
         <p:spPr>
           <a:xfrm>
-            <a:off x="504000" y="3085560"/>
-            <a:ext cx="4426920" cy="1568160"/>
+            <a:off x="504000" y="3044520"/>
+            <a:ext cx="4426920" cy="1568520"/>
           </a:xfrm>
           <a:prstGeom prst="rect">
             <a:avLst/>
@@ -1980,8 +1978,8 @@
         </p:nvSpPr>
         <p:spPr>
           <a:xfrm>
-            <a:off x="504000" y="216000"/>
-            <a:ext cx="7019640" cy="935640"/>
+            <a:off x="504000" y="226080"/>
+            <a:ext cx="9072000" cy="946440"/>
           </a:xfrm>
           <a:prstGeom prst="rect">
             <a:avLst/>
@@ -2017,8 +2015,8 @@
         </p:nvSpPr>
         <p:spPr>
           <a:xfrm>
-            <a:off x="504000" y="1368000"/>
-            <a:ext cx="9071640" cy="3287880"/>
+            <a:off x="504000" y="1326600"/>
+            <a:ext cx="9072000" cy="3288600"/>
           </a:xfrm>
           <a:prstGeom prst="rect">
             <a:avLst/>
@@ -2053,8 +2051,8 @@
         </p:nvSpPr>
         <p:spPr>
           <a:xfrm>
-            <a:off x="504000" y="1368000"/>
-            <a:ext cx="9071640" cy="3287880"/>
+            <a:off x="504000" y="1326600"/>
+            <a:ext cx="9072000" cy="3288600"/>
           </a:xfrm>
           <a:prstGeom prst="rect">
             <a:avLst/>
@@ -2089,8 +2087,8 @@
         </p:blipFill>
         <p:spPr>
           <a:xfrm>
-            <a:off x="2979360" y="1367640"/>
-            <a:ext cx="4120560" cy="3287880"/>
+            <a:off x="2979000" y="1326240"/>
+            <a:ext cx="4121640" cy="3288600"/>
           </a:xfrm>
           <a:prstGeom prst="rect">
             <a:avLst/>
@@ -2112,8 +2110,8 @@
         </p:blipFill>
         <p:spPr>
           <a:xfrm>
-            <a:off x="2979360" y="1367640"/>
-            <a:ext cx="4120560" cy="3287880"/>
+            <a:off x="2979000" y="1326240"/>
+            <a:ext cx="4121640" cy="3288600"/>
           </a:xfrm>
           <a:prstGeom prst="rect">
             <a:avLst/>
@@ -2157,8 +2155,8 @@
         </p:nvSpPr>
         <p:spPr>
           <a:xfrm>
-            <a:off x="504000" y="216000"/>
-            <a:ext cx="7019640" cy="935640"/>
+            <a:off x="504000" y="226080"/>
+            <a:ext cx="9072000" cy="946440"/>
           </a:xfrm>
           <a:prstGeom prst="rect">
             <a:avLst/>
@@ -2194,8 +2192,8 @@
         </p:nvSpPr>
         <p:spPr>
           <a:xfrm>
-            <a:off x="504000" y="1368000"/>
-            <a:ext cx="9071640" cy="3287880"/>
+            <a:off x="504000" y="1326600"/>
+            <a:ext cx="9072000" cy="3288600"/>
           </a:xfrm>
           <a:prstGeom prst="rect">
             <a:avLst/>
@@ -2252,8 +2250,8 @@
         </p:nvSpPr>
         <p:spPr>
           <a:xfrm>
-            <a:off x="504000" y="216000"/>
-            <a:ext cx="7019640" cy="935640"/>
+            <a:off x="504000" y="226080"/>
+            <a:ext cx="9072000" cy="946440"/>
           </a:xfrm>
           <a:prstGeom prst="rect">
             <a:avLst/>
@@ -2289,8 +2287,8 @@
         </p:nvSpPr>
         <p:spPr>
           <a:xfrm>
-            <a:off x="504000" y="1368000"/>
-            <a:ext cx="4426920" cy="3287880"/>
+            <a:off x="504000" y="1326600"/>
+            <a:ext cx="4426920" cy="3288600"/>
           </a:xfrm>
           <a:prstGeom prst="rect">
             <a:avLst/>
@@ -2325,8 +2323,8 @@
         </p:nvSpPr>
         <p:spPr>
           <a:xfrm>
-            <a:off x="5152680" y="1368000"/>
-            <a:ext cx="4426920" cy="3287880"/>
+            <a:off x="5152680" y="1326600"/>
+            <a:ext cx="4426920" cy="3288600"/>
           </a:xfrm>
           <a:prstGeom prst="rect">
             <a:avLst/>
@@ -2383,8 +2381,8 @@
         </p:nvSpPr>
         <p:spPr>
           <a:xfrm>
-            <a:off x="504000" y="216000"/>
-            <a:ext cx="7019640" cy="935640"/>
+            <a:off x="504000" y="226080"/>
+            <a:ext cx="9072000" cy="946440"/>
           </a:xfrm>
           <a:prstGeom prst="rect">
             <a:avLst/>
@@ -2442,8 +2440,8 @@
         </p:nvSpPr>
         <p:spPr>
           <a:xfrm>
-            <a:off x="504000" y="216000"/>
-            <a:ext cx="7019640" cy="4338360"/>
+            <a:off x="504000" y="226080"/>
+            <a:ext cx="9072000" cy="4388400"/>
           </a:xfrm>
           <a:prstGeom prst="rect">
             <a:avLst/>
@@ -2501,8 +2499,8 @@
         </p:nvSpPr>
         <p:spPr>
           <a:xfrm>
-            <a:off x="504000" y="216000"/>
-            <a:ext cx="7019640" cy="935640"/>
+            <a:off x="504000" y="226080"/>
+            <a:ext cx="9072000" cy="946440"/>
           </a:xfrm>
           <a:prstGeom prst="rect">
             <a:avLst/>
@@ -2538,8 +2536,8 @@
         </p:nvSpPr>
         <p:spPr>
           <a:xfrm>
-            <a:off x="504000" y="1368000"/>
-            <a:ext cx="4426920" cy="1568160"/>
+            <a:off x="504000" y="1326600"/>
+            <a:ext cx="4426920" cy="1568520"/>
           </a:xfrm>
           <a:prstGeom prst="rect">
             <a:avLst/>
@@ -2574,8 +2572,8 @@
         </p:nvSpPr>
         <p:spPr>
           <a:xfrm>
-            <a:off x="504000" y="3085560"/>
-            <a:ext cx="4426920" cy="1568160"/>
+            <a:off x="504000" y="3044520"/>
+            <a:ext cx="4426920" cy="1568520"/>
           </a:xfrm>
           <a:prstGeom prst="rect">
             <a:avLst/>
@@ -2610,8 +2608,8 @@
         </p:nvSpPr>
         <p:spPr>
           <a:xfrm>
-            <a:off x="5152680" y="1368000"/>
-            <a:ext cx="4426920" cy="3287880"/>
+            <a:off x="5152680" y="1326600"/>
+            <a:ext cx="4426920" cy="3288600"/>
           </a:xfrm>
           <a:prstGeom prst="rect">
             <a:avLst/>
@@ -2668,8 +2666,8 @@
         </p:nvSpPr>
         <p:spPr>
           <a:xfrm>
-            <a:off x="504000" y="216000"/>
-            <a:ext cx="7019640" cy="935640"/>
+            <a:off x="504000" y="226080"/>
+            <a:ext cx="9072000" cy="946440"/>
           </a:xfrm>
           <a:prstGeom prst="rect">
             <a:avLst/>
@@ -2705,8 +2703,8 @@
         </p:nvSpPr>
         <p:spPr>
           <a:xfrm>
-            <a:off x="504000" y="1368000"/>
-            <a:ext cx="4426920" cy="3287880"/>
+            <a:off x="504000" y="1326600"/>
+            <a:ext cx="4426920" cy="3288600"/>
           </a:xfrm>
           <a:prstGeom prst="rect">
             <a:avLst/>
@@ -2741,8 +2739,8 @@
         </p:nvSpPr>
         <p:spPr>
           <a:xfrm>
-            <a:off x="5152680" y="1368000"/>
-            <a:ext cx="4426920" cy="1568160"/>
+            <a:off x="5152680" y="1326600"/>
+            <a:ext cx="4426920" cy="1568520"/>
           </a:xfrm>
           <a:prstGeom prst="rect">
             <a:avLst/>
@@ -2777,8 +2775,8 @@
         </p:nvSpPr>
         <p:spPr>
           <a:xfrm>
-            <a:off x="5152680" y="3085560"/>
-            <a:ext cx="4426920" cy="1568160"/>
+            <a:off x="5152680" y="3044520"/>
+            <a:ext cx="4426920" cy="1568520"/>
           </a:xfrm>
           <a:prstGeom prst="rect">
             <a:avLst/>
@@ -2835,8 +2833,8 @@
         </p:nvSpPr>
         <p:spPr>
           <a:xfrm>
-            <a:off x="504000" y="216000"/>
-            <a:ext cx="7019640" cy="935640"/>
+            <a:off x="504000" y="226080"/>
+            <a:ext cx="9072000" cy="946440"/>
           </a:xfrm>
           <a:prstGeom prst="rect">
             <a:avLst/>
@@ -2872,8 +2870,8 @@
         </p:nvSpPr>
         <p:spPr>
           <a:xfrm>
-            <a:off x="504000" y="1368000"/>
-            <a:ext cx="4426920" cy="1568160"/>
+            <a:off x="504000" y="1326600"/>
+            <a:ext cx="4426920" cy="1568520"/>
           </a:xfrm>
           <a:prstGeom prst="rect">
             <a:avLst/>
@@ -2908,8 +2906,8 @@
         </p:nvSpPr>
         <p:spPr>
           <a:xfrm>
-            <a:off x="5152680" y="1368000"/>
-            <a:ext cx="4426920" cy="1568160"/>
+            <a:off x="5152680" y="1326600"/>
+            <a:ext cx="4426920" cy="1568520"/>
           </a:xfrm>
           <a:prstGeom prst="rect">
             <a:avLst/>
@@ -2944,8 +2942,8 @@
         </p:nvSpPr>
         <p:spPr>
           <a:xfrm>
-            <a:off x="504000" y="3085560"/>
-            <a:ext cx="9071640" cy="1568160"/>
+            <a:off x="504000" y="3044520"/>
+            <a:ext cx="9072000" cy="1568520"/>
           </a:xfrm>
           <a:prstGeom prst="rect">
             <a:avLst/>
@@ -3003,7 +3001,7 @@
         <p:spPr>
           <a:xfrm>
             <a:off x="-58320" y="81000"/>
-            <a:ext cx="7794000" cy="1205280"/>
+            <a:ext cx="7793280" cy="1204560"/>
           </a:xfrm>
           <a:prstGeom prst="rect">
             <a:avLst/>
@@ -3025,8 +3023,8 @@
         </p:nvSpPr>
         <p:spPr>
           <a:xfrm>
-            <a:off x="504000" y="216000"/>
-            <a:ext cx="7019640" cy="935640"/>
+            <a:off x="504000" y="226080"/>
+            <a:ext cx="9072000" cy="946440"/>
           </a:xfrm>
           <a:prstGeom prst="rect">
             <a:avLst/>
@@ -3036,6 +3034,20 @@
           <a:bodyPr lIns="0" rIns="0" tIns="0" bIns="0" anchor="ctr"/>
           <a:p>
             <a:pPr algn="ctr"/>
+            <a:r>
+              <a:rPr b="0" lang="en-ZA" sz="4400" spc="-1" strike="noStrike">
+                <a:solidFill>
+                  <a:srgbClr val="000000"/>
+                </a:solidFill>
+                <a:uFill>
+                  <a:solidFill>
+                    <a:srgbClr val="ffffff"/>
+                  </a:solidFill>
+                </a:uFill>
+                <a:latin typeface="Arial"/>
+              </a:rPr>
+              <a:t>Click to edit the title text format</a:t>
+            </a:r>
             <a:endParaRPr b="0" lang="en-ZA" sz="4400" spc="-1" strike="noStrike">
               <a:solidFill>
                 <a:srgbClr val="000000"/>
@@ -3368,7 +3380,7 @@
         <p:spPr>
           <a:xfrm>
             <a:off x="-58320" y="81000"/>
-            <a:ext cx="7794000" cy="1205280"/>
+            <a:ext cx="7793280" cy="1204560"/>
           </a:xfrm>
           <a:prstGeom prst="rect">
             <a:avLst/>
@@ -3390,8 +3402,8 @@
         </p:nvSpPr>
         <p:spPr>
           <a:xfrm>
-            <a:off x="504000" y="216000"/>
-            <a:ext cx="7019640" cy="935640"/>
+            <a:off x="504000" y="226080"/>
+            <a:ext cx="9072000" cy="946440"/>
           </a:xfrm>
           <a:prstGeom prst="rect">
             <a:avLst/>
@@ -3401,6 +3413,20 @@
           <a:bodyPr lIns="0" rIns="0" tIns="0" bIns="0" anchor="ctr"/>
           <a:p>
             <a:pPr algn="ctr"/>
+            <a:r>
+              <a:rPr b="0" lang="en-ZA" sz="4400" spc="-1" strike="noStrike">
+                <a:solidFill>
+                  <a:srgbClr val="000000"/>
+                </a:solidFill>
+                <a:uFill>
+                  <a:solidFill>
+                    <a:srgbClr val="ffffff"/>
+                  </a:solidFill>
+                </a:uFill>
+                <a:latin typeface="Arial"/>
+              </a:rPr>
+              <a:t>Click to edit the title text format</a:t>
+            </a:r>
             <a:endParaRPr b="0" lang="en-ZA" sz="4400" spc="-1" strike="noStrike">
               <a:solidFill>
                 <a:srgbClr val="000000"/>
@@ -3427,8 +3453,8 @@
         </p:nvSpPr>
         <p:spPr>
           <a:xfrm>
-            <a:off x="504000" y="1368000"/>
-            <a:ext cx="9071640" cy="3287880"/>
+            <a:off x="504000" y="1326600"/>
+            <a:ext cx="9072000" cy="3288600"/>
           </a:xfrm>
           <a:prstGeom prst="rect">
             <a:avLst/>
@@ -3446,7 +3472,7 @@
               <a:buChar char=""/>
             </a:pPr>
             <a:r>
-              <a:rPr b="0" lang="en-ZA" sz="1800" spc="-1" strike="noStrike">
+              <a:rPr b="0" lang="en-ZA" sz="3200" spc="-1" strike="noStrike">
                 <a:solidFill>
                   <a:srgbClr val="000000"/>
                 </a:solidFill>
@@ -3459,7 +3485,7 @@
               </a:rPr>
               <a:t>Click to edit the outline text format</a:t>
             </a:r>
-            <a:endParaRPr b="0" lang="en-ZA" sz="1800" spc="-1" strike="noStrike">
+            <a:endParaRPr b="0" lang="en-ZA" sz="3200" spc="-1" strike="noStrike">
               <a:solidFill>
                 <a:srgbClr val="000000"/>
               </a:solidFill>
@@ -3481,7 +3507,7 @@
               <a:buChar char=""/>
             </a:pPr>
             <a:r>
-              <a:rPr b="0" lang="en-ZA" sz="1800" spc="-1" strike="noStrike">
+              <a:rPr b="0" lang="en-ZA" sz="2800" spc="-1" strike="noStrike">
                 <a:solidFill>
                   <a:srgbClr val="000000"/>
                 </a:solidFill>
@@ -3494,7 +3520,7 @@
               </a:rPr>
               <a:t>Second Outline Level</a:t>
             </a:r>
-            <a:endParaRPr b="0" lang="en-ZA" sz="1800" spc="-1" strike="noStrike">
+            <a:endParaRPr b="0" lang="en-ZA" sz="2800" spc="-1" strike="noStrike">
               <a:solidFill>
                 <a:srgbClr val="000000"/>
               </a:solidFill>
@@ -3516,7 +3542,7 @@
               <a:buChar char=""/>
             </a:pPr>
             <a:r>
-              <a:rPr b="0" lang="en-ZA" sz="1800" spc="-1" strike="noStrike">
+              <a:rPr b="0" lang="en-ZA" sz="2400" spc="-1" strike="noStrike">
                 <a:solidFill>
                   <a:srgbClr val="000000"/>
                 </a:solidFill>
@@ -3529,7 +3555,7 @@
               </a:rPr>
               <a:t>Third Outline Level</a:t>
             </a:r>
-            <a:endParaRPr b="0" lang="en-ZA" sz="1800" spc="-1" strike="noStrike">
+            <a:endParaRPr b="0" lang="en-ZA" sz="2400" spc="-1" strike="noStrike">
               <a:solidFill>
                 <a:srgbClr val="000000"/>
               </a:solidFill>
@@ -3551,7 +3577,7 @@
               <a:buChar char=""/>
             </a:pPr>
             <a:r>
-              <a:rPr b="0" lang="en-ZA" sz="1800" spc="-1" strike="noStrike">
+              <a:rPr b="0" lang="en-ZA" sz="2000" spc="-1" strike="noStrike">
                 <a:solidFill>
                   <a:srgbClr val="000000"/>
                 </a:solidFill>
@@ -3564,7 +3590,7 @@
               </a:rPr>
               <a:t>Fourth Outline Level</a:t>
             </a:r>
-            <a:endParaRPr b="0" lang="en-ZA" sz="1800" spc="-1" strike="noStrike">
+            <a:endParaRPr b="0" lang="en-ZA" sz="2000" spc="-1" strike="noStrike">
               <a:solidFill>
                 <a:srgbClr val="000000"/>
               </a:solidFill>
@@ -3586,7 +3612,7 @@
               <a:buChar char=""/>
             </a:pPr>
             <a:r>
-              <a:rPr b="0" lang="en-ZA" sz="1800" spc="-1" strike="noStrike">
+              <a:rPr b="0" lang="en-ZA" sz="2000" spc="-1" strike="noStrike">
                 <a:solidFill>
                   <a:srgbClr val="000000"/>
                 </a:solidFill>
@@ -3599,7 +3625,7 @@
               </a:rPr>
               <a:t>Fifth Outline Level</a:t>
             </a:r>
-            <a:endParaRPr b="0" lang="en-ZA" sz="1800" spc="-1" strike="noStrike">
+            <a:endParaRPr b="0" lang="en-ZA" sz="2000" spc="-1" strike="noStrike">
               <a:solidFill>
                 <a:srgbClr val="000000"/>
               </a:solidFill>
@@ -3621,7 +3647,7 @@
               <a:buChar char=""/>
             </a:pPr>
             <a:r>
-              <a:rPr b="0" lang="en-ZA" sz="1800" spc="-1" strike="noStrike">
+              <a:rPr b="0" lang="en-ZA" sz="2000" spc="-1" strike="noStrike">
                 <a:solidFill>
                   <a:srgbClr val="000000"/>
                 </a:solidFill>
@@ -3634,7 +3660,7 @@
               </a:rPr>
               <a:t>Sixth Outline Level</a:t>
             </a:r>
-            <a:endParaRPr b="0" lang="en-ZA" sz="1800" spc="-1" strike="noStrike">
+            <a:endParaRPr b="0" lang="en-ZA" sz="2000" spc="-1" strike="noStrike">
               <a:solidFill>
                 <a:srgbClr val="000000"/>
               </a:solidFill>
@@ -3656,7 +3682,7 @@
               <a:buChar char=""/>
             </a:pPr>
             <a:r>
-              <a:rPr b="0" lang="en-ZA" sz="1800" spc="-1" strike="noStrike">
+              <a:rPr b="0" lang="en-ZA" sz="2000" spc="-1" strike="noStrike">
                 <a:solidFill>
                   <a:srgbClr val="000000"/>
                 </a:solidFill>
@@ -3669,7 +3695,7 @@
               </a:rPr>
               <a:t>Seventh Outline Level</a:t>
             </a:r>
-            <a:endParaRPr b="0" lang="en-ZA" sz="1800" spc="-1" strike="noStrike">
+            <a:endParaRPr b="0" lang="en-ZA" sz="2000" spc="-1" strike="noStrike">
               <a:solidFill>
                 <a:srgbClr val="000000"/>
               </a:solidFill>
@@ -3729,7 +3755,7 @@
         <p:spPr>
           <a:xfrm>
             <a:off x="504000" y="216000"/>
-            <a:ext cx="7019640" cy="935640"/>
+            <a:ext cx="7018920" cy="934920"/>
           </a:xfrm>
           <a:prstGeom prst="rect">
             <a:avLst/>
@@ -3759,6 +3785,7 @@
                   </a:solidFill>
                 </a:uFill>
                 <a:latin typeface="Arial"/>
+                <a:ea typeface="DejaVu Sans"/>
               </a:rPr>
               <a:t>Computer based filing system</a:t>
             </a:r>
@@ -3785,7 +3812,7 @@
         <p:spPr>
           <a:xfrm>
             <a:off x="504000" y="1368000"/>
-            <a:ext cx="9071640" cy="3287880"/>
+            <a:ext cx="9070920" cy="3287160"/>
           </a:xfrm>
           <a:prstGeom prst="rect">
             <a:avLst/>
@@ -3814,8 +3841,8 @@
         </p:blipFill>
         <p:spPr>
           <a:xfrm>
-            <a:off x="4023360" y="1368000"/>
-            <a:ext cx="3017160" cy="3134520"/>
+            <a:off x="6055200" y="1584000"/>
+            <a:ext cx="3016440" cy="3133800"/>
           </a:xfrm>
           <a:prstGeom prst="rect">
             <a:avLst/>
@@ -3825,6 +3852,143 @@
           </a:ln>
         </p:spPr>
       </p:pic>
+      <p:sp>
+        <p:nvSpPr>
+          <p:cNvPr id="77" name="CustomShape 3"/>
+          <p:cNvSpPr/>
+          <p:nvPr/>
+        </p:nvSpPr>
+        <p:spPr>
+          <a:xfrm>
+            <a:off x="936000" y="1728000"/>
+            <a:ext cx="3599640" cy="1369800"/>
+          </a:xfrm>
+          <a:prstGeom prst="rect">
+            <a:avLst/>
+          </a:prstGeom>
+          <a:noFill/>
+          <a:ln>
+            <a:noFill/>
+          </a:ln>
+        </p:spPr>
+        <p:style>
+          <a:lnRef idx="0"/>
+          <a:fillRef idx="0"/>
+          <a:effectRef idx="0"/>
+          <a:fontRef idx="minor"/>
+        </p:style>
+        <p:txBody>
+          <a:bodyPr lIns="90000" rIns="90000" tIns="45000" bIns="45000"/>
+          <a:p>
+            <a:r>
+              <a:rPr b="0" lang="en-ZA" sz="1800" spc="-1" strike="noStrike">
+                <a:solidFill>
+                  <a:srgbClr val="000000"/>
+                </a:solidFill>
+                <a:uFill>
+                  <a:solidFill>
+                    <a:srgbClr val="ffffff"/>
+                  </a:solidFill>
+                </a:uFill>
+                <a:latin typeface="Arial"/>
+              </a:rPr>
+              <a:t>Moving from paper based filing system to computer based.</a:t>
+            </a:r>
+            <a:endParaRPr b="0" lang="en-ZA" sz="1800" spc="-1" strike="noStrike">
+              <a:solidFill>
+                <a:srgbClr val="000000"/>
+              </a:solidFill>
+              <a:uFill>
+                <a:solidFill>
+                  <a:srgbClr val="ffffff"/>
+                </a:solidFill>
+              </a:uFill>
+              <a:latin typeface="Arial"/>
+            </a:endParaRPr>
+          </a:p>
+          <a:p>
+            <a:r>
+              <a:rPr b="0" lang="en-ZA" sz="1800" spc="-1" strike="noStrike">
+                <a:solidFill>
+                  <a:srgbClr val="000000"/>
+                </a:solidFill>
+                <a:uFill>
+                  <a:solidFill>
+                    <a:srgbClr val="ffffff"/>
+                  </a:solidFill>
+                </a:uFill>
+                <a:latin typeface="Arial"/>
+              </a:rPr>
+              <a:t>Cloud.</a:t>
+            </a:r>
+            <a:endParaRPr b="0" lang="en-ZA" sz="1800" spc="-1" strike="noStrike">
+              <a:solidFill>
+                <a:srgbClr val="000000"/>
+              </a:solidFill>
+              <a:uFill>
+                <a:solidFill>
+                  <a:srgbClr val="ffffff"/>
+                </a:solidFill>
+              </a:uFill>
+              <a:latin typeface="Arial"/>
+            </a:endParaRPr>
+          </a:p>
+          <a:p>
+            <a:r>
+              <a:rPr b="0" lang="en-ZA" sz="1800" spc="-1" strike="noStrike">
+                <a:solidFill>
+                  <a:srgbClr val="000000"/>
+                </a:solidFill>
+                <a:uFill>
+                  <a:solidFill>
+                    <a:srgbClr val="ffffff"/>
+                  </a:solidFill>
+                </a:uFill>
+                <a:latin typeface="Arial"/>
+              </a:rPr>
+              <a:t>Secure.</a:t>
+            </a:r>
+            <a:endParaRPr b="0" lang="en-ZA" sz="1800" spc="-1" strike="noStrike">
+              <a:solidFill>
+                <a:srgbClr val="000000"/>
+              </a:solidFill>
+              <a:uFill>
+                <a:solidFill>
+                  <a:srgbClr val="ffffff"/>
+                </a:solidFill>
+              </a:uFill>
+              <a:latin typeface="Arial"/>
+            </a:endParaRPr>
+          </a:p>
+          <a:p>
+            <a:r>
+              <a:rPr b="0" lang="en-ZA" sz="1800" spc="-1" strike="noStrike">
+                <a:solidFill>
+                  <a:srgbClr val="000000"/>
+                </a:solidFill>
+                <a:uFill>
+                  <a:solidFill>
+                    <a:srgbClr val="ffffff"/>
+                  </a:solidFill>
+                </a:uFill>
+                <a:latin typeface="Arial"/>
+              </a:rPr>
+              <a:t>Back up.</a:t>
+            </a:r>
+            <a:endParaRPr b="0" lang="en-ZA" sz="1800" spc="-1" strike="noStrike">
+              <a:solidFill>
+                <a:srgbClr val="000000"/>
+              </a:solidFill>
+              <a:uFill>
+                <a:solidFill>
+                  <a:srgbClr val="ffffff"/>
+                </a:solidFill>
+              </a:uFill>
+              <a:latin typeface="Arial"/>
+            </a:endParaRPr>
+          </a:p>
+        </p:txBody>
+      </p:sp>
     </p:spTree>
   </p:cSld>
   <p:timing>
@@ -3876,14 +4040,14 @@
       </p:grpSpPr>
       <p:sp>
         <p:nvSpPr>
-          <p:cNvPr id="99" name="CustomShape 1"/>
+          <p:cNvPr id="107" name="CustomShape 1"/>
           <p:cNvSpPr/>
           <p:nvPr/>
         </p:nvSpPr>
         <p:spPr>
           <a:xfrm>
             <a:off x="504000" y="216000"/>
-            <a:ext cx="7019640" cy="935640"/>
+            <a:ext cx="7018920" cy="934920"/>
           </a:xfrm>
           <a:prstGeom prst="rect">
             <a:avLst/>
@@ -3899,10 +4063,46 @@
           <a:effectRef idx="0"/>
           <a:fontRef idx="minor"/>
         </p:style>
+        <p:txBody>
+          <a:bodyPr lIns="0" rIns="0" tIns="0" bIns="0" anchor="ctr"/>
+          <a:p>
+            <a:pPr algn="ctr">
+              <a:lnSpc>
+                <a:spcPct val="100000"/>
+              </a:lnSpc>
+            </a:pPr>
+            <a:r>
+              <a:rPr b="0" lang="en-ZA" sz="4400" spc="-1" strike="noStrike">
+                <a:solidFill>
+                  <a:srgbClr val="000000"/>
+                </a:solidFill>
+                <a:uFill>
+                  <a:solidFill>
+                    <a:srgbClr val="ffffff"/>
+                  </a:solidFill>
+                </a:uFill>
+                <a:latin typeface="Arial"/>
+                <a:ea typeface="DejaVu Sans"/>
+              </a:rPr>
+              <a:t>CSS for UI</a:t>
+            </a:r>
+            <a:endParaRPr b="0" lang="en-ZA" sz="1800" spc="-1" strike="noStrike">
+              <a:solidFill>
+                <a:srgbClr val="000000"/>
+              </a:solidFill>
+              <a:uFill>
+                <a:solidFill>
+                  <a:srgbClr val="ffffff"/>
+                </a:solidFill>
+              </a:uFill>
+              <a:latin typeface="Arial"/>
+            </a:endParaRPr>
+          </a:p>
+        </p:txBody>
       </p:sp>
       <p:pic>
         <p:nvPicPr>
-          <p:cNvPr id="100" name="" descr=""/>
+          <p:cNvPr id="108" name="" descr=""/>
           <p:cNvPicPr/>
           <p:nvPr/>
         </p:nvPicPr>
@@ -3912,8 +4112,8 @@
         </p:blipFill>
         <p:spPr>
           <a:xfrm>
-            <a:off x="2274120" y="1368000"/>
-            <a:ext cx="5531040" cy="3287880"/>
+            <a:off x="6461280" y="1464480"/>
+            <a:ext cx="2970360" cy="3287160"/>
           </a:xfrm>
           <a:prstGeom prst="rect">
             <a:avLst/>
@@ -3925,14 +4125,14 @@
       </p:pic>
       <p:sp>
         <p:nvSpPr>
-          <p:cNvPr id="101" name="TextShape 2"/>
-          <p:cNvSpPr txBox="1"/>
+          <p:cNvPr id="109" name="CustomShape 2"/>
+          <p:cNvSpPr/>
           <p:nvPr/>
         </p:nvSpPr>
         <p:spPr>
           <a:xfrm>
-            <a:off x="216000" y="288000"/>
-            <a:ext cx="4536000" cy="346320"/>
+            <a:off x="792000" y="1728000"/>
+            <a:ext cx="3815640" cy="601920"/>
           </a:xfrm>
           <a:prstGeom prst="rect">
             <a:avLst/>
@@ -3942,6 +4142,12 @@
             <a:noFill/>
           </a:ln>
         </p:spPr>
+        <p:style>
+          <a:lnRef idx="0"/>
+          <a:fillRef idx="0"/>
+          <a:effectRef idx="0"/>
+          <a:fontRef idx="minor"/>
+        </p:style>
         <p:txBody>
           <a:bodyPr lIns="90000" rIns="90000" tIns="45000" bIns="45000"/>
           <a:p>
@@ -3957,7 +4163,7 @@
                 </a:uFill>
                 <a:latin typeface="Arial"/>
               </a:rPr>
-              <a:t>Example</a:t>
+              <a:t>Designing an efficient user interface.</a:t>
             </a:r>
             <a:endParaRPr b="0" lang="en-ZA" sz="1800" spc="-1" strike="noStrike">
               <a:solidFill>
@@ -3978,10 +4184,10 @@
   <p:timing>
     <p:tnLst>
       <p:par>
-        <p:cTn id="17" dur="indefinite" restart="never" nodeType="tmRoot">
+        <p:cTn id="19" dur="indefinite" restart="never" nodeType="tmRoot">
           <p:childTnLst>
             <p:seq>
-              <p:cTn id="18" nodeType="mainSeq"/>
+              <p:cTn id="20" nodeType="mainSeq"/>
               <p:prevCondLst>
                 <p:cond delay="0" evt="onPrev">
                   <p:tgtEl>
@@ -4024,14 +4230,14 @@
       </p:grpSpPr>
       <p:sp>
         <p:nvSpPr>
-          <p:cNvPr id="102" name="TextShape 1"/>
-          <p:cNvSpPr txBox="1"/>
+          <p:cNvPr id="110" name="CustomShape 1"/>
+          <p:cNvSpPr/>
           <p:nvPr/>
         </p:nvSpPr>
         <p:spPr>
           <a:xfrm>
             <a:off x="504000" y="216000"/>
-            <a:ext cx="7019640" cy="935640"/>
+            <a:ext cx="7018920" cy="934920"/>
           </a:xfrm>
           <a:prstGeom prst="rect">
             <a:avLst/>
@@ -4041,41 +4247,16 @@
             <a:noFill/>
           </a:ln>
         </p:spPr>
-        <p:txBody>
-          <a:bodyPr lIns="0" rIns="0" tIns="0" bIns="0" anchor="ctr"/>
-          <a:p>
-            <a:pPr algn="ctr"/>
-            <a:r>
-              <a:rPr b="0" lang="en-ZA" sz="4400" spc="-1" strike="noStrike">
-                <a:solidFill>
-                  <a:srgbClr val="000000"/>
-                </a:solidFill>
-                <a:uFill>
-                  <a:solidFill>
-                    <a:srgbClr val="ffffff"/>
-                  </a:solidFill>
-                </a:uFill>
-                <a:latin typeface="Arial"/>
-              </a:rPr>
-              <a:t>CSS for UI</a:t>
-            </a:r>
-            <a:endParaRPr b="0" lang="en-ZA" sz="4400" spc="-1" strike="noStrike">
-              <a:solidFill>
-                <a:srgbClr val="000000"/>
-              </a:solidFill>
-              <a:uFill>
-                <a:solidFill>
-                  <a:srgbClr val="ffffff"/>
-                </a:solidFill>
-              </a:uFill>
-              <a:latin typeface="Arial"/>
-            </a:endParaRPr>
-          </a:p>
-        </p:txBody>
+        <p:style>
+          <a:lnRef idx="0"/>
+          <a:fillRef idx="0"/>
+          <a:effectRef idx="0"/>
+          <a:fontRef idx="minor"/>
+        </p:style>
       </p:sp>
       <p:pic>
         <p:nvPicPr>
-          <p:cNvPr id="103" name="" descr=""/>
+          <p:cNvPr id="111" name="" descr=""/>
           <p:cNvPicPr/>
           <p:nvPr/>
         </p:nvPicPr>
@@ -4085,8 +4266,8 @@
         </p:blipFill>
         <p:spPr>
           <a:xfrm>
-            <a:off x="3553920" y="1367640"/>
-            <a:ext cx="2971080" cy="3287880"/>
+            <a:off x="1656000" y="1512000"/>
+            <a:ext cx="2456280" cy="2807640"/>
           </a:xfrm>
           <a:prstGeom prst="rect">
             <a:avLst/>
@@ -4096,38 +4277,16 @@
           </a:ln>
         </p:spPr>
       </p:pic>
-    </p:spTree>
-  </p:cSld>
-</p:sld>
-</file>
-
-<file path=ppt/slides/slide12.xml><?xml version="1.0" encoding="utf-8"?>
-<p:sld xmlns:a="http://schemas.openxmlformats.org/drawingml/2006/main" xmlns:p="http://schemas.openxmlformats.org/presentationml/2006/main" xmlns:r="http://schemas.openxmlformats.org/officeDocument/2006/relationships" xmlns:p14="http://schemas.microsoft.com/office/powerpoint/2010/main" xmlns:p15="http://schemas.microsoft.com/office/powerpoint/2012/main" xmlns:mc="http://schemas.openxmlformats.org/markup-compatibility/2006">
-  <p:cSld>
-    <p:spTree>
-      <p:nvGrpSpPr>
-        <p:cNvPr id="1" name=""/>
-        <p:cNvGrpSpPr/>
-        <p:nvPr/>
-      </p:nvGrpSpPr>
-      <p:grpSpPr>
-        <a:xfrm>
-          <a:off x="0" y="0"/>
-          <a:ext cx="0" cy="0"/>
-          <a:chOff x="0" y="0"/>
-          <a:chExt cx="0" cy="0"/>
-        </a:xfrm>
-      </p:grpSpPr>
-      <p:sp>
-        <p:nvSpPr>
-          <p:cNvPr id="104" name="CustomShape 1"/>
+      <p:sp>
+        <p:nvSpPr>
+          <p:cNvPr id="112" name="CustomShape 2"/>
           <p:cNvSpPr/>
           <p:nvPr/>
         </p:nvSpPr>
         <p:spPr>
           <a:xfrm>
-            <a:off x="504000" y="216000"/>
-            <a:ext cx="7019640" cy="935640"/>
+            <a:off x="288000" y="360000"/>
+            <a:ext cx="5615280" cy="345600"/>
           </a:xfrm>
           <a:prstGeom prst="rect">
             <a:avLst/>
@@ -4143,49 +4302,6 @@
           <a:effectRef idx="0"/>
           <a:fontRef idx="minor"/>
         </p:style>
-      </p:sp>
-      <p:pic>
-        <p:nvPicPr>
-          <p:cNvPr id="105" name="" descr=""/>
-          <p:cNvPicPr/>
-          <p:nvPr/>
-        </p:nvPicPr>
-        <p:blipFill>
-          <a:blip r:embed="rId1"/>
-          <a:stretch/>
-        </p:blipFill>
-        <p:spPr>
-          <a:xfrm>
-            <a:off x="3601440" y="1368000"/>
-            <a:ext cx="2876400" cy="3287880"/>
-          </a:xfrm>
-          <a:prstGeom prst="rect">
-            <a:avLst/>
-          </a:prstGeom>
-          <a:ln>
-            <a:noFill/>
-          </a:ln>
-        </p:spPr>
-      </p:pic>
-      <p:sp>
-        <p:nvSpPr>
-          <p:cNvPr id="106" name="TextShape 2"/>
-          <p:cNvSpPr txBox="1"/>
-          <p:nvPr/>
-        </p:nvSpPr>
-        <p:spPr>
-          <a:xfrm>
-            <a:off x="288000" y="360000"/>
-            <a:ext cx="5616000" cy="346320"/>
-          </a:xfrm>
-          <a:prstGeom prst="rect">
-            <a:avLst/>
-          </a:prstGeom>
-          <a:noFill/>
-          <a:ln>
-            <a:noFill/>
-          </a:ln>
-        </p:spPr>
         <p:txBody>
           <a:bodyPr lIns="90000" rIns="90000" tIns="45000" bIns="45000"/>
           <a:p>
@@ -4200,6 +4316,7 @@
                   </a:solidFill>
                 </a:uFill>
                 <a:latin typeface="Arial"/>
+                <a:ea typeface="DejaVu Sans"/>
               </a:rPr>
               <a:t>Example</a:t>
             </a:r>
@@ -4217,95 +4334,20 @@
           </a:p>
         </p:txBody>
       </p:sp>
-    </p:spTree>
-  </p:cSld>
-  <p:timing>
-    <p:tnLst>
-      <p:par>
-        <p:cTn id="19" dur="indefinite" restart="never" nodeType="tmRoot">
-          <p:childTnLst>
-            <p:seq>
-              <p:cTn id="20" nodeType="mainSeq"/>
-              <p:prevCondLst>
-                <p:cond delay="0" evt="onPrev">
-                  <p:tgtEl>
-                    <p:sldTgt/>
-                  </p:tgtEl>
-                </p:cond>
-              </p:prevCondLst>
-              <p:nextCondLst>
-                <p:cond delay="0" evt="onNext">
-                  <p:tgtEl>
-                    <p:sldTgt/>
-                  </p:tgtEl>
-                </p:cond>
-              </p:nextCondLst>
-            </p:seq>
-          </p:childTnLst>
-        </p:cTn>
-      </p:par>
-    </p:tnLst>
-  </p:timing>
-</p:sld>
-</file>
-
-<file path=ppt/slides/slide13.xml><?xml version="1.0" encoding="utf-8"?>
-<p:sld xmlns:a="http://schemas.openxmlformats.org/drawingml/2006/main" xmlns:p="http://schemas.openxmlformats.org/presentationml/2006/main" xmlns:r="http://schemas.openxmlformats.org/officeDocument/2006/relationships" xmlns:p14="http://schemas.microsoft.com/office/powerpoint/2010/main" xmlns:p15="http://schemas.microsoft.com/office/powerpoint/2012/main" xmlns:mc="http://schemas.openxmlformats.org/markup-compatibility/2006">
-  <p:cSld>
-    <p:spTree>
-      <p:nvGrpSpPr>
-        <p:cNvPr id="1" name=""/>
-        <p:cNvGrpSpPr/>
-        <p:nvPr/>
-      </p:nvGrpSpPr>
-      <p:grpSpPr>
-        <a:xfrm>
-          <a:off x="0" y="0"/>
-          <a:ext cx="0" cy="0"/>
-          <a:chOff x="0" y="0"/>
-          <a:chExt cx="0" cy="0"/>
-        </a:xfrm>
-      </p:grpSpPr>
-      <p:sp>
-        <p:nvSpPr>
-          <p:cNvPr id="107" name="CustomShape 1"/>
-          <p:cNvSpPr/>
-          <p:nvPr/>
-        </p:nvSpPr>
-        <p:spPr>
-          <a:xfrm>
-            <a:off x="504000" y="216000"/>
-            <a:ext cx="7019640" cy="935640"/>
-          </a:xfrm>
-          <a:prstGeom prst="rect">
-            <a:avLst/>
-          </a:prstGeom>
-          <a:noFill/>
-          <a:ln>
-            <a:noFill/>
-          </a:ln>
-        </p:spPr>
-        <p:style>
-          <a:lnRef idx="0"/>
-          <a:fillRef idx="0"/>
-          <a:effectRef idx="0"/>
-          <a:fontRef idx="minor"/>
-        </p:style>
-      </p:sp>
       <p:pic>
         <p:nvPicPr>
-          <p:cNvPr id="108" name="" descr=""/>
+          <p:cNvPr id="113" name="" descr=""/>
           <p:cNvPicPr/>
           <p:nvPr/>
         </p:nvPicPr>
         <p:blipFill>
-          <a:blip r:embed="rId1"/>
+          <a:blip r:embed="rId2"/>
           <a:stretch/>
         </p:blipFill>
         <p:spPr>
           <a:xfrm>
-            <a:off x="2130840" y="1368000"/>
-            <a:ext cx="5817960" cy="3287880"/>
+            <a:off x="5027040" y="1824480"/>
+            <a:ext cx="3396600" cy="1919160"/>
           </a:xfrm>
           <a:prstGeom prst="rect">
             <a:avLst/>
@@ -4315,56 +4357,6 @@
           </a:ln>
         </p:spPr>
       </p:pic>
-      <p:sp>
-        <p:nvSpPr>
-          <p:cNvPr id="109" name="TextShape 2"/>
-          <p:cNvSpPr txBox="1"/>
-          <p:nvPr/>
-        </p:nvSpPr>
-        <p:spPr>
-          <a:xfrm>
-            <a:off x="504000" y="360000"/>
-            <a:ext cx="5832000" cy="346320"/>
-          </a:xfrm>
-          <a:prstGeom prst="rect">
-            <a:avLst/>
-          </a:prstGeom>
-          <a:noFill/>
-          <a:ln>
-            <a:noFill/>
-          </a:ln>
-        </p:spPr>
-        <p:txBody>
-          <a:bodyPr lIns="90000" rIns="90000" tIns="45000" bIns="45000"/>
-          <a:p>
-            <a:r>
-              <a:rPr b="0" lang="en-ZA" sz="1800" spc="-1" strike="noStrike">
-                <a:solidFill>
-                  <a:srgbClr val="000000"/>
-                </a:solidFill>
-                <a:uFill>
-                  <a:solidFill>
-                    <a:srgbClr val="ffffff"/>
-                  </a:solidFill>
-                </a:uFill>
-                <a:latin typeface="Arial"/>
-              </a:rPr>
-              <a:t>Example</a:t>
-            </a:r>
-            <a:endParaRPr b="0" lang="en-ZA" sz="1800" spc="-1" strike="noStrike">
-              <a:solidFill>
-                <a:srgbClr val="000000"/>
-              </a:solidFill>
-              <a:uFill>
-                <a:solidFill>
-                  <a:srgbClr val="ffffff"/>
-                </a:solidFill>
-              </a:uFill>
-              <a:latin typeface="Arial"/>
-            </a:endParaRPr>
-          </a:p>
-        </p:txBody>
-      </p:sp>
     </p:spTree>
   </p:cSld>
   <p:timing>
@@ -4416,14 +4408,14 @@
       </p:grpSpPr>
       <p:sp>
         <p:nvSpPr>
-          <p:cNvPr id="77" name="CustomShape 1"/>
+          <p:cNvPr id="78" name="CustomShape 1"/>
           <p:cNvSpPr/>
           <p:nvPr/>
         </p:nvSpPr>
         <p:spPr>
           <a:xfrm>
             <a:off x="504000" y="216000"/>
-            <a:ext cx="7019640" cy="935640"/>
+            <a:ext cx="7018920" cy="934920"/>
           </a:xfrm>
           <a:prstGeom prst="rect">
             <a:avLst/>
@@ -4442,7 +4434,7 @@
       </p:sp>
       <p:pic>
         <p:nvPicPr>
-          <p:cNvPr id="78" name="" descr=""/>
+          <p:cNvPr id="79" name="" descr=""/>
           <p:cNvPicPr/>
           <p:nvPr/>
         </p:nvPicPr>
@@ -4452,8 +4444,8 @@
         </p:blipFill>
         <p:spPr>
           <a:xfrm>
-            <a:off x="2658240" y="1368000"/>
-            <a:ext cx="4762800" cy="3287880"/>
+            <a:off x="4741560" y="1536480"/>
+            <a:ext cx="4762080" cy="3287160"/>
           </a:xfrm>
           <a:prstGeom prst="rect">
             <a:avLst/>
@@ -4465,14 +4457,14 @@
       </p:pic>
       <p:sp>
         <p:nvSpPr>
-          <p:cNvPr id="79" name="TextShape 2"/>
-          <p:cNvSpPr txBox="1"/>
+          <p:cNvPr id="80" name="CustomShape 2"/>
+          <p:cNvSpPr/>
           <p:nvPr/>
         </p:nvSpPr>
         <p:spPr>
           <a:xfrm>
             <a:off x="216000" y="288000"/>
-            <a:ext cx="7056000" cy="346320"/>
+            <a:ext cx="7055280" cy="345600"/>
           </a:xfrm>
           <a:prstGeom prst="rect">
             <a:avLst/>
@@ -4482,6 +4474,69 @@
             <a:noFill/>
           </a:ln>
         </p:spPr>
+        <p:style>
+          <a:lnRef idx="0"/>
+          <a:fillRef idx="0"/>
+          <a:effectRef idx="0"/>
+          <a:fontRef idx="minor"/>
+        </p:style>
+        <p:txBody>
+          <a:bodyPr lIns="90000" rIns="90000" tIns="45000" bIns="45000"/>
+          <a:p>
+            <a:r>
+              <a:rPr b="0" lang="en-ZA" sz="1800" spc="-1" strike="noStrike">
+                <a:solidFill>
+                  <a:srgbClr val="000000"/>
+                </a:solidFill>
+                <a:uFill>
+                  <a:solidFill>
+                    <a:srgbClr val="ffffff"/>
+                  </a:solidFill>
+                </a:uFill>
+                <a:latin typeface="Arial"/>
+                <a:ea typeface="DejaVu Sans"/>
+              </a:rPr>
+              <a:t>Microsft Excel</a:t>
+            </a:r>
+            <a:endParaRPr b="0" lang="en-ZA" sz="1800" spc="-1" strike="noStrike">
+              <a:solidFill>
+                <a:srgbClr val="000000"/>
+              </a:solidFill>
+              <a:uFill>
+                <a:solidFill>
+                  <a:srgbClr val="ffffff"/>
+                </a:solidFill>
+              </a:uFill>
+              <a:latin typeface="Arial"/>
+            </a:endParaRPr>
+          </a:p>
+        </p:txBody>
+      </p:sp>
+      <p:sp>
+        <p:nvSpPr>
+          <p:cNvPr id="81" name="CustomShape 3"/>
+          <p:cNvSpPr/>
+          <p:nvPr/>
+        </p:nvSpPr>
+        <p:spPr>
+          <a:xfrm>
+            <a:off x="936000" y="2088000"/>
+            <a:ext cx="2663640" cy="857880"/>
+          </a:xfrm>
+          <a:prstGeom prst="rect">
+            <a:avLst/>
+          </a:prstGeom>
+          <a:noFill/>
+          <a:ln>
+            <a:noFill/>
+          </a:ln>
+        </p:spPr>
+        <p:style>
+          <a:lnRef idx="0"/>
+          <a:fillRef idx="0"/>
+          <a:effectRef idx="0"/>
+          <a:fontRef idx="minor"/>
+        </p:style>
         <p:txBody>
           <a:bodyPr lIns="90000" rIns="90000" tIns="45000" bIns="45000"/>
           <a:p>
@@ -4497,7 +4552,7 @@
                 </a:uFill>
                 <a:latin typeface="Arial"/>
               </a:rPr>
-              <a:t>Microsft Excel</a:t>
+              <a:t>Can replace current system but not a good solution. </a:t>
             </a:r>
             <a:endParaRPr b="0" lang="en-ZA" sz="1800" spc="-1" strike="noStrike">
               <a:solidFill>
@@ -4564,14 +4619,14 @@
       </p:grpSpPr>
       <p:sp>
         <p:nvSpPr>
-          <p:cNvPr id="80" name="TextShape 1"/>
-          <p:cNvSpPr txBox="1"/>
+          <p:cNvPr id="82" name="CustomShape 1"/>
+          <p:cNvSpPr/>
           <p:nvPr/>
         </p:nvSpPr>
         <p:spPr>
           <a:xfrm>
             <a:off x="504000" y="216000"/>
-            <a:ext cx="7019640" cy="935640"/>
+            <a:ext cx="7018920" cy="934920"/>
           </a:xfrm>
           <a:prstGeom prst="rect">
             <a:avLst/>
@@ -4581,12 +4636,102 @@
             <a:noFill/>
           </a:ln>
         </p:spPr>
+        <p:style>
+          <a:lnRef idx="0"/>
+          <a:fillRef idx="0"/>
+          <a:effectRef idx="0"/>
+          <a:fontRef idx="minor"/>
+        </p:style>
         <p:txBody>
           <a:bodyPr lIns="0" rIns="0" tIns="0" bIns="0" anchor="ctr"/>
           <a:p>
-            <a:pPr algn="ctr"/>
+            <a:pPr algn="ctr">
+              <a:lnSpc>
+                <a:spcPct val="100000"/>
+              </a:lnSpc>
+            </a:pPr>
             <a:r>
               <a:rPr b="0" lang="en-ZA" sz="4400" spc="-1" strike="noStrike">
+                <a:solidFill>
+                  <a:srgbClr val="000000"/>
+                </a:solidFill>
+                <a:uFill>
+                  <a:solidFill>
+                    <a:srgbClr val="ffffff"/>
+                  </a:solidFill>
+                </a:uFill>
+                <a:latin typeface="Arial"/>
+                <a:ea typeface="DejaVu Sans"/>
+              </a:rPr>
+              <a:t>PHP and MySQL</a:t>
+            </a:r>
+            <a:endParaRPr b="0" lang="en-ZA" sz="1800" spc="-1" strike="noStrike">
+              <a:solidFill>
+                <a:srgbClr val="000000"/>
+              </a:solidFill>
+              <a:uFill>
+                <a:solidFill>
+                  <a:srgbClr val="ffffff"/>
+                </a:solidFill>
+              </a:uFill>
+              <a:latin typeface="Arial"/>
+            </a:endParaRPr>
+          </a:p>
+        </p:txBody>
+      </p:sp>
+      <p:pic>
+        <p:nvPicPr>
+          <p:cNvPr id="83" name="" descr=""/>
+          <p:cNvPicPr/>
+          <p:nvPr/>
+        </p:nvPicPr>
+        <p:blipFill>
+          <a:blip r:embed="rId1"/>
+          <a:stretch/>
+        </p:blipFill>
+        <p:spPr>
+          <a:xfrm>
+            <a:off x="1368000" y="1680840"/>
+            <a:ext cx="3445920" cy="1270800"/>
+          </a:xfrm>
+          <a:prstGeom prst="rect">
+            <a:avLst/>
+          </a:prstGeom>
+          <a:ln>
+            <a:noFill/>
+          </a:ln>
+        </p:spPr>
+      </p:pic>
+      <p:sp>
+        <p:nvSpPr>
+          <p:cNvPr id="84" name="CustomShape 2"/>
+          <p:cNvSpPr/>
+          <p:nvPr/>
+        </p:nvSpPr>
+        <p:spPr>
+          <a:xfrm>
+            <a:off x="6192000" y="1872000"/>
+            <a:ext cx="3095640" cy="345960"/>
+          </a:xfrm>
+          <a:prstGeom prst="rect">
+            <a:avLst/>
+          </a:prstGeom>
+          <a:noFill/>
+          <a:ln>
+            <a:noFill/>
+          </a:ln>
+        </p:spPr>
+        <p:style>
+          <a:lnRef idx="0"/>
+          <a:fillRef idx="0"/>
+          <a:effectRef idx="0"/>
+          <a:fontRef idx="minor"/>
+        </p:style>
+        <p:txBody>
+          <a:bodyPr lIns="90000" rIns="90000" tIns="45000" bIns="45000"/>
+          <a:p>
+            <a:r>
+              <a:rPr b="0" lang="en-ZA" sz="1800" spc="-1" strike="noStrike">
                 <a:solidFill>
                   <a:srgbClr val="000000"/>
                 </a:solidFill>
@@ -4597,47 +4742,51 @@
                 </a:uFill>
                 <a:latin typeface="Arial"/>
               </a:rPr>
-              <a:t>PHP and MySQL</a:t>
+              <a:t>Databases for data storage.</a:t>
             </a:r>
-            <a:endParaRPr b="0" lang="en-ZA" sz="4400" spc="-1" strike="noStrike">
-              <a:solidFill>
-                <a:srgbClr val="000000"/>
-              </a:solidFill>
-              <a:uFill>
-                <a:solidFill>
-                  <a:srgbClr val="ffffff"/>
-                </a:solidFill>
-              </a:uFill>
-              <a:latin typeface="Arial"/>
-            </a:endParaRPr>
-          </a:p>
-        </p:txBody>
-      </p:sp>
-      <p:pic>
-        <p:nvPicPr>
-          <p:cNvPr id="81" name="" descr=""/>
-          <p:cNvPicPr/>
-          <p:nvPr/>
-        </p:nvPicPr>
-        <p:blipFill>
-          <a:blip r:embed="rId1"/>
-          <a:stretch/>
-        </p:blipFill>
-        <p:spPr>
-          <a:xfrm>
-            <a:off x="582840" y="1367640"/>
-            <a:ext cx="8913240" cy="3287880"/>
-          </a:xfrm>
-          <a:prstGeom prst="rect">
-            <a:avLst/>
-          </a:prstGeom>
-          <a:ln>
-            <a:noFill/>
-          </a:ln>
-        </p:spPr>
-      </p:pic>
+            <a:endParaRPr b="0" lang="en-ZA" sz="1800" spc="-1" strike="noStrike">
+              <a:solidFill>
+                <a:srgbClr val="000000"/>
+              </a:solidFill>
+              <a:uFill>
+                <a:solidFill>
+                  <a:srgbClr val="ffffff"/>
+                </a:solidFill>
+              </a:uFill>
+              <a:latin typeface="Arial"/>
+            </a:endParaRPr>
+          </a:p>
+        </p:txBody>
+      </p:sp>
     </p:spTree>
   </p:cSld>
+  <p:timing>
+    <p:tnLst>
+      <p:par>
+        <p:cTn id="5" dur="indefinite" restart="never" nodeType="tmRoot">
+          <p:childTnLst>
+            <p:seq>
+              <p:cTn id="6" nodeType="mainSeq"/>
+              <p:prevCondLst>
+                <p:cond delay="0" evt="onPrev">
+                  <p:tgtEl>
+                    <p:sldTgt/>
+                  </p:tgtEl>
+                </p:cond>
+              </p:prevCondLst>
+              <p:nextCondLst>
+                <p:cond delay="0" evt="onNext">
+                  <p:tgtEl>
+                    <p:sldTgt/>
+                  </p:tgtEl>
+                </p:cond>
+              </p:nextCondLst>
+            </p:seq>
+          </p:childTnLst>
+        </p:cTn>
+      </p:par>
+    </p:tnLst>
+  </p:timing>
 </p:sld>
 </file>
 
@@ -4660,14 +4809,14 @@
       </p:grpSpPr>
       <p:sp>
         <p:nvSpPr>
-          <p:cNvPr id="82" name="CustomShape 1"/>
+          <p:cNvPr id="85" name="CustomShape 1"/>
           <p:cNvSpPr/>
           <p:nvPr/>
         </p:nvSpPr>
         <p:spPr>
           <a:xfrm>
             <a:off x="504000" y="216000"/>
-            <a:ext cx="7019640" cy="935640"/>
+            <a:ext cx="7018920" cy="934920"/>
           </a:xfrm>
           <a:prstGeom prst="rect">
             <a:avLst/>
@@ -4686,7 +4835,7 @@
       </p:sp>
       <p:pic>
         <p:nvPicPr>
-          <p:cNvPr id="83" name="" descr=""/>
+          <p:cNvPr id="86" name="" descr=""/>
           <p:cNvPicPr/>
           <p:nvPr/>
         </p:nvPicPr>
@@ -4696,8 +4845,8 @@
         </p:blipFill>
         <p:spPr>
           <a:xfrm>
-            <a:off x="2539440" y="1368000"/>
-            <a:ext cx="5000760" cy="3287880"/>
+            <a:off x="608400" y="1512000"/>
+            <a:ext cx="2919240" cy="1919160"/>
           </a:xfrm>
           <a:prstGeom prst="rect">
             <a:avLst/>
@@ -4709,14 +4858,14 @@
       </p:pic>
       <p:sp>
         <p:nvSpPr>
-          <p:cNvPr id="84" name="TextShape 2"/>
-          <p:cNvSpPr txBox="1"/>
+          <p:cNvPr id="87" name="CustomShape 2"/>
+          <p:cNvSpPr/>
           <p:nvPr/>
         </p:nvSpPr>
         <p:spPr>
           <a:xfrm>
             <a:off x="144000" y="216000"/>
-            <a:ext cx="7379640" cy="346320"/>
+            <a:ext cx="7378920" cy="345600"/>
           </a:xfrm>
           <a:prstGeom prst="rect">
             <a:avLst/>
@@ -4726,6 +4875,69 @@
             <a:noFill/>
           </a:ln>
         </p:spPr>
+        <p:style>
+          <a:lnRef idx="0"/>
+          <a:fillRef idx="0"/>
+          <a:effectRef idx="0"/>
+          <a:fontRef idx="minor"/>
+        </p:style>
+        <p:txBody>
+          <a:bodyPr lIns="90000" rIns="90000" tIns="45000" bIns="45000"/>
+          <a:p>
+            <a:r>
+              <a:rPr b="0" lang="en-ZA" sz="1800" spc="-1" strike="noStrike">
+                <a:solidFill>
+                  <a:srgbClr val="000000"/>
+                </a:solidFill>
+                <a:uFill>
+                  <a:solidFill>
+                    <a:srgbClr val="ffffff"/>
+                  </a:solidFill>
+                </a:uFill>
+                <a:latin typeface="Arial"/>
+                <a:ea typeface="DejaVu Sans"/>
+              </a:rPr>
+              <a:t>Client-server database communication</a:t>
+            </a:r>
+            <a:endParaRPr b="0" lang="en-ZA" sz="1800" spc="-1" strike="noStrike">
+              <a:solidFill>
+                <a:srgbClr val="000000"/>
+              </a:solidFill>
+              <a:uFill>
+                <a:solidFill>
+                  <a:srgbClr val="ffffff"/>
+                </a:solidFill>
+              </a:uFill>
+              <a:latin typeface="Arial"/>
+            </a:endParaRPr>
+          </a:p>
+        </p:txBody>
+      </p:sp>
+      <p:sp>
+        <p:nvSpPr>
+          <p:cNvPr id="88" name="CustomShape 3"/>
+          <p:cNvSpPr/>
+          <p:nvPr/>
+        </p:nvSpPr>
+        <p:spPr>
+          <a:xfrm>
+            <a:off x="5040000" y="1872000"/>
+            <a:ext cx="3671640" cy="1113840"/>
+          </a:xfrm>
+          <a:prstGeom prst="rect">
+            <a:avLst/>
+          </a:prstGeom>
+          <a:noFill/>
+          <a:ln>
+            <a:noFill/>
+          </a:ln>
+        </p:spPr>
+        <p:style>
+          <a:lnRef idx="0"/>
+          <a:fillRef idx="0"/>
+          <a:effectRef idx="0"/>
+          <a:fontRef idx="minor"/>
+        </p:style>
         <p:txBody>
           <a:bodyPr lIns="90000" rIns="90000" tIns="45000" bIns="45000"/>
           <a:p>
@@ -4741,7 +4953,34 @@
                 </a:uFill>
                 <a:latin typeface="Arial"/>
               </a:rPr>
-              <a:t>Client-server database communication</a:t>
+              <a:t>Multiple clients can access cloud data from anywhere.</a:t>
+            </a:r>
+            <a:endParaRPr b="0" lang="en-ZA" sz="1800" spc="-1" strike="noStrike">
+              <a:solidFill>
+                <a:srgbClr val="000000"/>
+              </a:solidFill>
+              <a:uFill>
+                <a:solidFill>
+                  <a:srgbClr val="ffffff"/>
+                </a:solidFill>
+              </a:uFill>
+              <a:latin typeface="Arial"/>
+            </a:endParaRPr>
+          </a:p>
+          <a:p>
+            <a:r>
+              <a:rPr b="0" lang="en-ZA" sz="1800" spc="-1" strike="noStrike">
+                <a:solidFill>
+                  <a:srgbClr val="000000"/>
+                </a:solidFill>
+                <a:uFill>
+                  <a:solidFill>
+                    <a:srgbClr val="ffffff"/>
+                  </a:solidFill>
+                </a:uFill>
+                <a:latin typeface="Arial"/>
+              </a:rPr>
+              <a:t>Eg. If user has to use service away from the workstation.</a:t>
             </a:r>
             <a:endParaRPr b="0" lang="en-ZA" sz="1800" spc="-1" strike="noStrike">
               <a:solidFill>
@@ -4762,10 +5001,10 @@
   <p:timing>
     <p:tnLst>
       <p:par>
-        <p:cTn id="5" dur="indefinite" restart="never" nodeType="tmRoot">
+        <p:cTn id="7" dur="indefinite" restart="never" nodeType="tmRoot">
           <p:childTnLst>
             <p:seq>
-              <p:cTn id="6" nodeType="mainSeq"/>
+              <p:cTn id="8" nodeType="mainSeq"/>
               <p:prevCondLst>
                 <p:cond delay="0" evt="onPrev">
                   <p:tgtEl>
@@ -4808,14 +5047,14 @@
       </p:grpSpPr>
       <p:sp>
         <p:nvSpPr>
-          <p:cNvPr id="85" name="CustomShape 1"/>
+          <p:cNvPr id="89" name="CustomShape 1"/>
           <p:cNvSpPr/>
           <p:nvPr/>
         </p:nvSpPr>
         <p:spPr>
           <a:xfrm>
             <a:off x="504000" y="216000"/>
-            <a:ext cx="7019640" cy="935640"/>
+            <a:ext cx="7018920" cy="934920"/>
           </a:xfrm>
           <a:prstGeom prst="rect">
             <a:avLst/>
@@ -4834,7 +5073,7 @@
       </p:sp>
       <p:pic>
         <p:nvPicPr>
-          <p:cNvPr id="86" name="" descr=""/>
+          <p:cNvPr id="90" name="" descr=""/>
           <p:cNvPicPr/>
           <p:nvPr/>
         </p:nvPicPr>
@@ -4844,8 +5083,8 @@
         </p:blipFill>
         <p:spPr>
           <a:xfrm>
-            <a:off x="2505600" y="1368000"/>
-            <a:ext cx="5068440" cy="3287880"/>
+            <a:off x="864000" y="1584000"/>
+            <a:ext cx="2292840" cy="1487160"/>
           </a:xfrm>
           <a:prstGeom prst="rect">
             <a:avLst/>
@@ -4857,14 +5096,14 @@
       </p:pic>
       <p:sp>
         <p:nvSpPr>
-          <p:cNvPr id="87" name="TextShape 2"/>
-          <p:cNvSpPr txBox="1"/>
+          <p:cNvPr id="91" name="CustomShape 2"/>
+          <p:cNvSpPr/>
           <p:nvPr/>
         </p:nvSpPr>
         <p:spPr>
           <a:xfrm>
             <a:off x="144000" y="216000"/>
-            <a:ext cx="7379640" cy="346320"/>
+            <a:ext cx="7378920" cy="345600"/>
           </a:xfrm>
           <a:prstGeom prst="rect">
             <a:avLst/>
@@ -4874,6 +5113,69 @@
             <a:noFill/>
           </a:ln>
         </p:spPr>
+        <p:style>
+          <a:lnRef idx="0"/>
+          <a:fillRef idx="0"/>
+          <a:effectRef idx="0"/>
+          <a:fontRef idx="minor"/>
+        </p:style>
+        <p:txBody>
+          <a:bodyPr lIns="90000" rIns="90000" tIns="45000" bIns="45000"/>
+          <a:p>
+            <a:r>
+              <a:rPr b="0" lang="en-ZA" sz="1800" spc="-1" strike="noStrike">
+                <a:solidFill>
+                  <a:srgbClr val="000000"/>
+                </a:solidFill>
+                <a:uFill>
+                  <a:solidFill>
+                    <a:srgbClr val="ffffff"/>
+                  </a:solidFill>
+                </a:uFill>
+                <a:latin typeface="Arial"/>
+                <a:ea typeface="DejaVu Sans"/>
+              </a:rPr>
+              <a:t>Relational Database</a:t>
+            </a:r>
+            <a:endParaRPr b="0" lang="en-ZA" sz="1800" spc="-1" strike="noStrike">
+              <a:solidFill>
+                <a:srgbClr val="000000"/>
+              </a:solidFill>
+              <a:uFill>
+                <a:solidFill>
+                  <a:srgbClr val="ffffff"/>
+                </a:solidFill>
+              </a:uFill>
+              <a:latin typeface="Arial"/>
+            </a:endParaRPr>
+          </a:p>
+        </p:txBody>
+      </p:sp>
+      <p:sp>
+        <p:nvSpPr>
+          <p:cNvPr id="92" name="CustomShape 3"/>
+          <p:cNvSpPr/>
+          <p:nvPr/>
+        </p:nvSpPr>
+        <p:spPr>
+          <a:xfrm>
+            <a:off x="4536000" y="1584000"/>
+            <a:ext cx="4607640" cy="1625760"/>
+          </a:xfrm>
+          <a:prstGeom prst="rect">
+            <a:avLst/>
+          </a:prstGeom>
+          <a:noFill/>
+          <a:ln>
+            <a:noFill/>
+          </a:ln>
+        </p:spPr>
+        <p:style>
+          <a:lnRef idx="0"/>
+          <a:fillRef idx="0"/>
+          <a:effectRef idx="0"/>
+          <a:fontRef idx="minor"/>
+        </p:style>
         <p:txBody>
           <a:bodyPr lIns="90000" rIns="90000" tIns="45000" bIns="45000"/>
           <a:p>
@@ -4889,7 +5191,61 @@
                 </a:uFill>
                 <a:latin typeface="Arial"/>
               </a:rPr>
-              <a:t>Relational Database</a:t>
+              <a:t>Relational database model.</a:t>
+            </a:r>
+            <a:endParaRPr b="0" lang="en-ZA" sz="1800" spc="-1" strike="noStrike">
+              <a:solidFill>
+                <a:srgbClr val="000000"/>
+              </a:solidFill>
+              <a:uFill>
+                <a:solidFill>
+                  <a:srgbClr val="ffffff"/>
+                </a:solidFill>
+              </a:uFill>
+              <a:latin typeface="Arial"/>
+            </a:endParaRPr>
+          </a:p>
+          <a:p>
+            <a:r>
+              <a:rPr b="0" lang="en-ZA" sz="1800" spc="-1" strike="noStrike">
+                <a:solidFill>
+                  <a:srgbClr val="000000"/>
+                </a:solidFill>
+                <a:uFill>
+                  <a:solidFill>
+                    <a:srgbClr val="ffffff"/>
+                  </a:solidFill>
+                </a:uFill>
+                <a:latin typeface="Arial"/>
+              </a:rPr>
+              <a:t>All the information is connected.</a:t>
+            </a:r>
+            <a:endParaRPr b="0" lang="en-ZA" sz="1800" spc="-1" strike="noStrike">
+              <a:solidFill>
+                <a:srgbClr val="000000"/>
+              </a:solidFill>
+              <a:uFill>
+                <a:solidFill>
+                  <a:srgbClr val="ffffff"/>
+                </a:solidFill>
+              </a:uFill>
+              <a:latin typeface="Arial"/>
+            </a:endParaRPr>
+          </a:p>
+          <a:p>
+            <a:r>
+              <a:rPr b="0" lang="en-ZA" sz="1800" spc="-1" strike="noStrike">
+                <a:solidFill>
+                  <a:srgbClr val="000000"/>
+                </a:solidFill>
+                <a:uFill>
+                  <a:solidFill>
+                    <a:srgbClr val="ffffff"/>
+                  </a:solidFill>
+                </a:uFill>
+                <a:latin typeface="Arial"/>
+              </a:rPr>
+              <a:t>Eg. A user enters a person who just got a stand. That person’s name is connected to the serial number o the stand which is also connected to who made that stand.</a:t>
             </a:r>
             <a:endParaRPr b="0" lang="en-ZA" sz="1800" spc="-1" strike="noStrike">
               <a:solidFill>
@@ -4910,10 +5266,10 @@
   <p:timing>
     <p:tnLst>
       <p:par>
-        <p:cTn id="7" dur="indefinite" restart="never" nodeType="tmRoot">
+        <p:cTn id="9" dur="indefinite" restart="never" nodeType="tmRoot">
           <p:childTnLst>
             <p:seq>
-              <p:cTn id="8" nodeType="mainSeq"/>
+              <p:cTn id="10" nodeType="mainSeq"/>
               <p:prevCondLst>
                 <p:cond delay="0" evt="onPrev">
                   <p:tgtEl>
@@ -4956,14 +5312,14 @@
       </p:grpSpPr>
       <p:sp>
         <p:nvSpPr>
-          <p:cNvPr id="88" name="CustomShape 1"/>
+          <p:cNvPr id="93" name="CustomShape 1"/>
           <p:cNvSpPr/>
           <p:nvPr/>
         </p:nvSpPr>
         <p:spPr>
           <a:xfrm>
             <a:off x="504000" y="216000"/>
-            <a:ext cx="7019640" cy="935640"/>
+            <a:ext cx="7018920" cy="934920"/>
           </a:xfrm>
           <a:prstGeom prst="rect">
             <a:avLst/>
@@ -4982,7 +5338,7 @@
       </p:sp>
       <p:pic>
         <p:nvPicPr>
-          <p:cNvPr id="89" name="" descr=""/>
+          <p:cNvPr id="94" name="" descr=""/>
           <p:cNvPicPr/>
           <p:nvPr/>
         </p:nvPicPr>
@@ -4992,8 +5348,8 @@
         </p:blipFill>
         <p:spPr>
           <a:xfrm>
-            <a:off x="549720" y="1368000"/>
-            <a:ext cx="8980200" cy="3287880"/>
+            <a:off x="838440" y="1747440"/>
+            <a:ext cx="4273200" cy="1564200"/>
           </a:xfrm>
           <a:prstGeom prst="rect">
             <a:avLst/>
@@ -5005,14 +5361,14 @@
       </p:pic>
       <p:sp>
         <p:nvSpPr>
-          <p:cNvPr id="90" name="TextShape 2"/>
-          <p:cNvSpPr txBox="1"/>
+          <p:cNvPr id="95" name="CustomShape 2"/>
+          <p:cNvSpPr/>
           <p:nvPr/>
         </p:nvSpPr>
         <p:spPr>
           <a:xfrm>
             <a:off x="432000" y="288000"/>
-            <a:ext cx="6192000" cy="346320"/>
+            <a:ext cx="6191280" cy="345600"/>
           </a:xfrm>
           <a:prstGeom prst="rect">
             <a:avLst/>
@@ -5022,6 +5378,69 @@
             <a:noFill/>
           </a:ln>
         </p:spPr>
+        <p:style>
+          <a:lnRef idx="0"/>
+          <a:fillRef idx="0"/>
+          <a:effectRef idx="0"/>
+          <a:fontRef idx="minor"/>
+        </p:style>
+        <p:txBody>
+          <a:bodyPr lIns="90000" rIns="90000" tIns="45000" bIns="45000"/>
+          <a:p>
+            <a:r>
+              <a:rPr b="0" lang="en-ZA" sz="1800" spc="-1" strike="noStrike">
+                <a:solidFill>
+                  <a:srgbClr val="000000"/>
+                </a:solidFill>
+                <a:uFill>
+                  <a:solidFill>
+                    <a:srgbClr val="ffffff"/>
+                  </a:solidFill>
+                </a:uFill>
+                <a:latin typeface="Arial"/>
+                <a:ea typeface="DejaVu Sans"/>
+              </a:rPr>
+              <a:t>Website</a:t>
+            </a:r>
+            <a:endParaRPr b="0" lang="en-ZA" sz="1800" spc="-1" strike="noStrike">
+              <a:solidFill>
+                <a:srgbClr val="000000"/>
+              </a:solidFill>
+              <a:uFill>
+                <a:solidFill>
+                  <a:srgbClr val="ffffff"/>
+                </a:solidFill>
+              </a:uFill>
+              <a:latin typeface="Arial"/>
+            </a:endParaRPr>
+          </a:p>
+        </p:txBody>
+      </p:sp>
+      <p:sp>
+        <p:nvSpPr>
+          <p:cNvPr id="96" name="CustomShape 3"/>
+          <p:cNvSpPr/>
+          <p:nvPr/>
+        </p:nvSpPr>
+        <p:spPr>
+          <a:xfrm>
+            <a:off x="5904000" y="1728000"/>
+            <a:ext cx="3023640" cy="601920"/>
+          </a:xfrm>
+          <a:prstGeom prst="rect">
+            <a:avLst/>
+          </a:prstGeom>
+          <a:noFill/>
+          <a:ln>
+            <a:noFill/>
+          </a:ln>
+        </p:spPr>
+        <p:style>
+          <a:lnRef idx="0"/>
+          <a:fillRef idx="0"/>
+          <a:effectRef idx="0"/>
+          <a:fontRef idx="minor"/>
+        </p:style>
         <p:txBody>
           <a:bodyPr lIns="90000" rIns="90000" tIns="45000" bIns="45000"/>
           <a:p>
@@ -5037,7 +5456,7 @@
                 </a:uFill>
                 <a:latin typeface="Arial"/>
               </a:rPr>
-              <a:t>Website</a:t>
+              <a:t>A website that a person can log into.  </a:t>
             </a:r>
             <a:endParaRPr b="0" lang="en-ZA" sz="1800" spc="-1" strike="noStrike">
               <a:solidFill>
@@ -5058,10 +5477,10 @@
   <p:timing>
     <p:tnLst>
       <p:par>
-        <p:cTn id="9" dur="indefinite" restart="never" nodeType="tmRoot">
+        <p:cTn id="11" dur="indefinite" restart="never" nodeType="tmRoot">
           <p:childTnLst>
             <p:seq>
-              <p:cTn id="10" nodeType="mainSeq"/>
+              <p:cTn id="12" nodeType="mainSeq"/>
               <p:prevCondLst>
                 <p:cond delay="0" evt="onPrev">
                   <p:tgtEl>
@@ -5104,14 +5523,14 @@
       </p:grpSpPr>
       <p:sp>
         <p:nvSpPr>
-          <p:cNvPr id="91" name="CustomShape 1"/>
+          <p:cNvPr id="97" name="CustomShape 1"/>
           <p:cNvSpPr/>
           <p:nvPr/>
         </p:nvSpPr>
         <p:spPr>
           <a:xfrm>
             <a:off x="504000" y="216000"/>
-            <a:ext cx="7019640" cy="935640"/>
+            <a:ext cx="7018920" cy="934920"/>
           </a:xfrm>
           <a:prstGeom prst="rect">
             <a:avLst/>
@@ -5130,7 +5549,7 @@
       </p:sp>
       <p:pic>
         <p:nvPicPr>
-          <p:cNvPr id="92" name="" descr=""/>
+          <p:cNvPr id="98" name="" descr=""/>
           <p:cNvPicPr/>
           <p:nvPr/>
         </p:nvPicPr>
@@ -5141,7 +5560,7 @@
         <p:spPr>
           <a:xfrm>
             <a:off x="3395880" y="1368000"/>
-            <a:ext cx="3287880" cy="3287880"/>
+            <a:ext cx="3287160" cy="3287160"/>
           </a:xfrm>
           <a:prstGeom prst="rect">
             <a:avLst/>
@@ -5153,14 +5572,14 @@
       </p:pic>
       <p:sp>
         <p:nvSpPr>
-          <p:cNvPr id="93" name="TextShape 2"/>
-          <p:cNvSpPr txBox="1"/>
+          <p:cNvPr id="99" name="CustomShape 2"/>
+          <p:cNvSpPr/>
           <p:nvPr/>
         </p:nvSpPr>
         <p:spPr>
           <a:xfrm>
             <a:off x="2160000" y="432000"/>
-            <a:ext cx="3960000" cy="346320"/>
+            <a:ext cx="3959280" cy="345600"/>
           </a:xfrm>
           <a:prstGeom prst="rect">
             <a:avLst/>
@@ -5170,6 +5589,69 @@
             <a:noFill/>
           </a:ln>
         </p:spPr>
+        <p:style>
+          <a:lnRef idx="0"/>
+          <a:fillRef idx="0"/>
+          <a:effectRef idx="0"/>
+          <a:fontRef idx="minor"/>
+        </p:style>
+        <p:txBody>
+          <a:bodyPr lIns="90000" rIns="90000" tIns="45000" bIns="45000"/>
+          <a:p>
+            <a:r>
+              <a:rPr b="0" lang="en-ZA" sz="1800" spc="-1" strike="noStrike">
+                <a:solidFill>
+                  <a:srgbClr val="000000"/>
+                </a:solidFill>
+                <a:uFill>
+                  <a:solidFill>
+                    <a:srgbClr val="ffffff"/>
+                  </a:solidFill>
+                </a:uFill>
+                <a:latin typeface="Arial"/>
+                <a:ea typeface="DejaVu Sans"/>
+              </a:rPr>
+              <a:t>HTML5</a:t>
+            </a:r>
+            <a:endParaRPr b="0" lang="en-ZA" sz="1800" spc="-1" strike="noStrike">
+              <a:solidFill>
+                <a:srgbClr val="000000"/>
+              </a:solidFill>
+              <a:uFill>
+                <a:solidFill>
+                  <a:srgbClr val="ffffff"/>
+                </a:solidFill>
+              </a:uFill>
+              <a:latin typeface="Arial"/>
+            </a:endParaRPr>
+          </a:p>
+        </p:txBody>
+      </p:sp>
+      <p:sp>
+        <p:nvSpPr>
+          <p:cNvPr id="100" name="CustomShape 3"/>
+          <p:cNvSpPr/>
+          <p:nvPr/>
+        </p:nvSpPr>
+        <p:spPr>
+          <a:xfrm>
+            <a:off x="432000" y="1512000"/>
+            <a:ext cx="2807640" cy="345960"/>
+          </a:xfrm>
+          <a:prstGeom prst="rect">
+            <a:avLst/>
+          </a:prstGeom>
+          <a:noFill/>
+          <a:ln>
+            <a:noFill/>
+          </a:ln>
+        </p:spPr>
+        <p:style>
+          <a:lnRef idx="0"/>
+          <a:fillRef idx="0"/>
+          <a:effectRef idx="0"/>
+          <a:fontRef idx="minor"/>
+        </p:style>
         <p:txBody>
           <a:bodyPr lIns="90000" rIns="90000" tIns="45000" bIns="45000"/>
           <a:p>
@@ -5185,7 +5667,7 @@
                 </a:uFill>
                 <a:latin typeface="Arial"/>
               </a:rPr>
-              <a:t>HTML5</a:t>
+              <a:t>Used to build the website.</a:t>
             </a:r>
             <a:endParaRPr b="0" lang="en-ZA" sz="1800" spc="-1" strike="noStrike">
               <a:solidFill>
@@ -5206,10 +5688,10 @@
   <p:timing>
     <p:tnLst>
       <p:par>
-        <p:cTn id="11" dur="indefinite" restart="never" nodeType="tmRoot">
+        <p:cTn id="13" dur="indefinite" restart="never" nodeType="tmRoot">
           <p:childTnLst>
             <p:seq>
-              <p:cTn id="12" nodeType="mainSeq"/>
+              <p:cTn id="14" nodeType="mainSeq"/>
               <p:prevCondLst>
                 <p:cond delay="0" evt="onPrev">
                   <p:tgtEl>
@@ -5252,14 +5734,14 @@
       </p:grpSpPr>
       <p:sp>
         <p:nvSpPr>
-          <p:cNvPr id="94" name="CustomShape 1"/>
+          <p:cNvPr id="101" name="CustomShape 1"/>
           <p:cNvSpPr/>
           <p:nvPr/>
         </p:nvSpPr>
         <p:spPr>
           <a:xfrm>
             <a:off x="504000" y="216000"/>
-            <a:ext cx="7019640" cy="935640"/>
+            <a:ext cx="7018920" cy="934920"/>
           </a:xfrm>
           <a:prstGeom prst="rect">
             <a:avLst/>
@@ -5277,6 +5759,86 @@
         </p:style>
         <p:txBody>
           <a:bodyPr lIns="0" rIns="0" tIns="0" bIns="0" anchor="ctr"/>
+          <a:p>
+            <a:r>
+              <a:rPr b="0" lang="en-ZA" sz="1800" spc="-1" strike="noStrike">
+                <a:solidFill>
+                  <a:srgbClr val="000000"/>
+                </a:solidFill>
+                <a:uFill>
+                  <a:solidFill>
+                    <a:srgbClr val="ffffff"/>
+                  </a:solidFill>
+                </a:uFill>
+                <a:latin typeface="Arial"/>
+                <a:ea typeface="DejaVu Sans"/>
+              </a:rPr>
+              <a:t>NodeJS</a:t>
+            </a:r>
+            <a:endParaRPr b="0" lang="en-ZA" sz="1800" spc="-1" strike="noStrike">
+              <a:solidFill>
+                <a:srgbClr val="000000"/>
+              </a:solidFill>
+              <a:uFill>
+                <a:solidFill>
+                  <a:srgbClr val="ffffff"/>
+                </a:solidFill>
+              </a:uFill>
+              <a:latin typeface="Arial"/>
+            </a:endParaRPr>
+          </a:p>
+        </p:txBody>
+      </p:sp>
+      <p:pic>
+        <p:nvPicPr>
+          <p:cNvPr id="102" name="" descr=""/>
+          <p:cNvPicPr/>
+          <p:nvPr/>
+        </p:nvPicPr>
+        <p:blipFill>
+          <a:blip r:embed="rId1"/>
+          <a:stretch/>
+        </p:blipFill>
+        <p:spPr>
+          <a:xfrm>
+            <a:off x="680400" y="1656000"/>
+            <a:ext cx="3639240" cy="1559160"/>
+          </a:xfrm>
+          <a:prstGeom prst="rect">
+            <a:avLst/>
+          </a:prstGeom>
+          <a:ln>
+            <a:noFill/>
+          </a:ln>
+        </p:spPr>
+      </p:pic>
+      <p:sp>
+        <p:nvSpPr>
+          <p:cNvPr id="103" name="CustomShape 2"/>
+          <p:cNvSpPr/>
+          <p:nvPr/>
+        </p:nvSpPr>
+        <p:spPr>
+          <a:xfrm>
+            <a:off x="5976000" y="1872000"/>
+            <a:ext cx="2519640" cy="601920"/>
+          </a:xfrm>
+          <a:prstGeom prst="rect">
+            <a:avLst/>
+          </a:prstGeom>
+          <a:noFill/>
+          <a:ln>
+            <a:noFill/>
+          </a:ln>
+        </p:spPr>
+        <p:style>
+          <a:lnRef idx="0"/>
+          <a:fillRef idx="0"/>
+          <a:effectRef idx="0"/>
+          <a:fontRef idx="minor"/>
+        </p:style>
+        <p:txBody>
+          <a:bodyPr lIns="90000" rIns="90000" tIns="45000" bIns="45000"/>
           <a:p>
             <a:r>
               <a:rPr b="0" lang="en-ZA" sz="1800" spc="-1" strike="noStrike">
@@ -5290,7 +5852,7 @@
                 </a:uFill>
                 <a:latin typeface="Arial"/>
               </a:rPr>
-              <a:t>NodeJS</a:t>
+              <a:t>Used for server I/O in web apps.</a:t>
             </a:r>
             <a:endParaRPr b="0" lang="en-ZA" sz="1800" spc="-1" strike="noStrike">
               <a:solidFill>
@@ -5306,38 +5868,15 @@
           </a:p>
         </p:txBody>
       </p:sp>
-      <p:pic>
-        <p:nvPicPr>
-          <p:cNvPr id="95" name="" descr=""/>
-          <p:cNvPicPr/>
-          <p:nvPr/>
-        </p:nvPicPr>
-        <p:blipFill>
-          <a:blip r:embed="rId1"/>
-          <a:stretch/>
-        </p:blipFill>
-        <p:spPr>
-          <a:xfrm>
-            <a:off x="1203120" y="1368000"/>
-            <a:ext cx="7673040" cy="3287880"/>
-          </a:xfrm>
-          <a:prstGeom prst="rect">
-            <a:avLst/>
-          </a:prstGeom>
-          <a:ln>
-            <a:noFill/>
-          </a:ln>
-        </p:spPr>
-      </p:pic>
     </p:spTree>
   </p:cSld>
   <p:timing>
     <p:tnLst>
       <p:par>
-        <p:cTn id="13" dur="indefinite" restart="never" nodeType="tmRoot">
+        <p:cTn id="15" dur="indefinite" restart="never" nodeType="tmRoot">
           <p:childTnLst>
             <p:seq>
-              <p:cTn id="14" nodeType="mainSeq"/>
+              <p:cTn id="16" nodeType="mainSeq"/>
               <p:prevCondLst>
                 <p:cond delay="0" evt="onPrev">
                   <p:tgtEl>
@@ -5380,14 +5919,14 @@
       </p:grpSpPr>
       <p:sp>
         <p:nvSpPr>
-          <p:cNvPr id="96" name="CustomShape 1"/>
+          <p:cNvPr id="104" name="CustomShape 1"/>
           <p:cNvSpPr/>
           <p:nvPr/>
         </p:nvSpPr>
         <p:spPr>
           <a:xfrm>
             <a:off x="504000" y="216000"/>
-            <a:ext cx="7019640" cy="935640"/>
+            <a:ext cx="7018920" cy="934920"/>
           </a:xfrm>
           <a:prstGeom prst="rect">
             <a:avLst/>
@@ -5406,7 +5945,7 @@
       </p:sp>
       <p:pic>
         <p:nvPicPr>
-          <p:cNvPr id="97" name="" descr=""/>
+          <p:cNvPr id="105" name="" descr=""/>
           <p:cNvPicPr/>
           <p:nvPr/>
         </p:nvPicPr>
@@ -5417,7 +5956,7 @@
         <p:spPr>
           <a:xfrm>
             <a:off x="3330000" y="1368000"/>
-            <a:ext cx="3419280" cy="3287880"/>
+            <a:ext cx="3418560" cy="3287160"/>
           </a:xfrm>
           <a:prstGeom prst="rect">
             <a:avLst/>
@@ -5429,14 +5968,14 @@
       </p:pic>
       <p:sp>
         <p:nvSpPr>
-          <p:cNvPr id="98" name="TextShape 2"/>
-          <p:cNvSpPr txBox="1"/>
+          <p:cNvPr id="106" name="CustomShape 2"/>
+          <p:cNvSpPr/>
           <p:nvPr/>
         </p:nvSpPr>
         <p:spPr>
           <a:xfrm>
             <a:off x="288000" y="288000"/>
-            <a:ext cx="5760000" cy="346320"/>
+            <a:ext cx="5759280" cy="345600"/>
           </a:xfrm>
           <a:prstGeom prst="rect">
             <a:avLst/>
@@ -5446,6 +5985,12 @@
             <a:noFill/>
           </a:ln>
         </p:spPr>
+        <p:style>
+          <a:lnRef idx="0"/>
+          <a:fillRef idx="0"/>
+          <a:effectRef idx="0"/>
+          <a:fontRef idx="minor"/>
+        </p:style>
         <p:txBody>
           <a:bodyPr lIns="90000" rIns="90000" tIns="45000" bIns="45000"/>
           <a:p>
@@ -5460,6 +6005,7 @@
                   </a:solidFill>
                 </a:uFill>
                 <a:latin typeface="Arial"/>
+                <a:ea typeface="DejaVu Sans"/>
               </a:rPr>
               <a:t>Handling web requests</a:t>
             </a:r>
@@ -5482,10 +6028,10 @@
   <p:timing>
     <p:tnLst>
       <p:par>
-        <p:cTn id="15" dur="indefinite" restart="never" nodeType="tmRoot">
+        <p:cTn id="17" dur="indefinite" restart="never" nodeType="tmRoot">
           <p:childTnLst>
             <p:seq>
-              <p:cTn id="16" nodeType="mainSeq"/>
+              <p:cTn id="18" nodeType="mainSeq"/>
               <p:prevCondLst>
                 <p:cond delay="0" evt="onPrev">
                   <p:tgtEl>
